--- a/presentation/Gamma-Shielding-Material-Analysis-A-Comparative-Study.pptx
+++ b/presentation/Gamma-Shielding-Material-Analysis-A-Comparative-Study.pptx
@@ -1,44 +1,33 @@
 
 <file path=ppt/presentation.xml><?xml version="1.0" encoding="utf-8"?>
-<p:presentation xmlns:a="http://schemas.openxmlformats.org/drawingml/2006/main" xmlns:r="http://schemas.openxmlformats.org/officeDocument/2006/relationships" xmlns:p="http://schemas.openxmlformats.org/presentationml/2006/main" embedTrueTypeFonts="1" saveSubsetFonts="1" autoCompressPictures="0">
+<p:presentation xmlns:a="http://schemas.openxmlformats.org/drawingml/2006/main" xmlns:r="http://schemas.openxmlformats.org/officeDocument/2006/relationships" xmlns:p="http://schemas.openxmlformats.org/presentationml/2006/main" xmlns:m="http://schemas.openxmlformats.org/officeDocument/2006/math" xmlns:w="http://schemas.openxmlformats.org/wordprocessingml/2006/main" autoCompressPictures="0" embedTrueTypeFonts="1" saveSubsetFonts="1">
   <p:sldMasterIdLst>
     <p:sldMasterId id="2147483648" r:id="rId1"/>
   </p:sldMasterIdLst>
   <p:notesMasterIdLst>
-    <p:notesMasterId r:id="rId13"/>
+    <p:notesMasterId r:id="rId15"/>
   </p:notesMasterIdLst>
   <p:sldIdLst>
-    <p:sldId id="256" r:id="rId2"/>
-    <p:sldId id="257" r:id="rId3"/>
-    <p:sldId id="258" r:id="rId4"/>
-    <p:sldId id="259" r:id="rId5"/>
-    <p:sldId id="260" r:id="rId6"/>
-    <p:sldId id="261" r:id="rId7"/>
-    <p:sldId id="263" r:id="rId8"/>
-    <p:sldId id="264" r:id="rId9"/>
-    <p:sldId id="265" r:id="rId10"/>
-    <p:sldId id="267" r:id="rId11"/>
-    <p:sldId id="266" r:id="rId12"/>
+    <p:sldId id="256" r:id="rId4"/>
+    <p:sldId id="257" r:id="rId5"/>
+    <p:sldId id="258" r:id="rId6"/>
+    <p:sldId id="259" r:id="rId7"/>
+    <p:sldId id="260" r:id="rId8"/>
+    <p:sldId id="261" r:id="rId9"/>
+    <p:sldId id="262" r:id="rId10"/>
+    <p:sldId id="263" r:id="rId11"/>
+    <p:sldId id="264" r:id="rId12"/>
+    <p:sldId id="265" r:id="rId13"/>
+    <p:sldId id="266" r:id="rId14"/>
   </p:sldIdLst>
   <p:sldSz cx="14630400" cy="8229600"/>
   <p:notesSz cx="8229600" cy="14630400"/>
-  <p:embeddedFontLst>
-    <p:embeddedFont>
-      <p:font typeface="Raleway" pitchFamily="2" charset="0"/>
-      <p:regular r:id="rId14"/>
-      <p:bold r:id="rId15"/>
-    </p:embeddedFont>
-    <p:embeddedFont>
-      <p:font typeface="Roboto" panose="02000000000000000000" pitchFamily="2" charset="0"/>
-      <p:regular r:id="rId16"/>
-    </p:embeddedFont>
-  </p:embeddedFontLst>
   <p:defaultTextStyle>
     <a:defPPr>
       <a:defRPr lang="en-US"/>
     </a:defPPr>
-    <a:lvl1pPr marL="0" algn="l" defTabSz="914400" rtl="0" eaLnBrk="1" latinLnBrk="0" hangingPunct="1">
-      <a:defRPr sz="1800" kern="1200">
+    <a:lvl1pPr marL="0" algn="l" defTabSz="914400">
+      <a:defRPr sz="1800">
         <a:solidFill>
           <a:schemeClr val="tx1"/>
         </a:solidFill>
@@ -47,8 +36,8 @@
         <a:cs typeface="+mn-cs"/>
       </a:defRPr>
     </a:lvl1pPr>
-    <a:lvl2pPr marL="457200" algn="l" defTabSz="914400" rtl="0" eaLnBrk="1" latinLnBrk="0" hangingPunct="1">
-      <a:defRPr sz="1800" kern="1200">
+    <a:lvl2pPr marL="457200" algn="l" defTabSz="914400">
+      <a:defRPr sz="1800">
         <a:solidFill>
           <a:schemeClr val="tx1"/>
         </a:solidFill>
@@ -57,8 +46,8 @@
         <a:cs typeface="+mn-cs"/>
       </a:defRPr>
     </a:lvl2pPr>
-    <a:lvl3pPr marL="914400" algn="l" defTabSz="914400" rtl="0" eaLnBrk="1" latinLnBrk="0" hangingPunct="1">
-      <a:defRPr sz="1800" kern="1200">
+    <a:lvl3pPr marL="914400" algn="l" defTabSz="914400">
+      <a:defRPr sz="1800">
         <a:solidFill>
           <a:schemeClr val="tx1"/>
         </a:solidFill>
@@ -67,8 +56,8 @@
         <a:cs typeface="+mn-cs"/>
       </a:defRPr>
     </a:lvl3pPr>
-    <a:lvl4pPr marL="1371600" algn="l" defTabSz="914400" rtl="0" eaLnBrk="1" latinLnBrk="0" hangingPunct="1">
-      <a:defRPr sz="1800" kern="1200">
+    <a:lvl4pPr marL="1371600" algn="l" defTabSz="914400">
+      <a:defRPr sz="1800">
         <a:solidFill>
           <a:schemeClr val="tx1"/>
         </a:solidFill>
@@ -77,8 +66,8 @@
         <a:cs typeface="+mn-cs"/>
       </a:defRPr>
     </a:lvl4pPr>
-    <a:lvl5pPr marL="1828800" algn="l" defTabSz="914400" rtl="0" eaLnBrk="1" latinLnBrk="0" hangingPunct="1">
-      <a:defRPr sz="1800" kern="1200">
+    <a:lvl5pPr marL="1828800" algn="l" defTabSz="914400">
+      <a:defRPr sz="1800">
         <a:solidFill>
           <a:schemeClr val="tx1"/>
         </a:solidFill>
@@ -87,8 +76,8 @@
         <a:cs typeface="+mn-cs"/>
       </a:defRPr>
     </a:lvl5pPr>
-    <a:lvl6pPr marL="2286000" algn="l" defTabSz="914400" rtl="0" eaLnBrk="1" latinLnBrk="0" hangingPunct="1">
-      <a:defRPr sz="1800" kern="1200">
+    <a:lvl6pPr marL="2286000" algn="l" defTabSz="914400">
+      <a:defRPr sz="1800">
         <a:solidFill>
           <a:schemeClr val="tx1"/>
         </a:solidFill>
@@ -97,8 +86,8 @@
         <a:cs typeface="+mn-cs"/>
       </a:defRPr>
     </a:lvl6pPr>
-    <a:lvl7pPr marL="2743200" algn="l" defTabSz="914400" rtl="0" eaLnBrk="1" latinLnBrk="0" hangingPunct="1">
-      <a:defRPr sz="1800" kern="1200">
+    <a:lvl7pPr marL="2743200" algn="l" defTabSz="914400">
+      <a:defRPr sz="1800">
         <a:solidFill>
           <a:schemeClr val="tx1"/>
         </a:solidFill>
@@ -107,8 +96,8 @@
         <a:cs typeface="+mn-cs"/>
       </a:defRPr>
     </a:lvl7pPr>
-    <a:lvl8pPr marL="3200400" algn="l" defTabSz="914400" rtl="0" eaLnBrk="1" latinLnBrk="0" hangingPunct="1">
-      <a:defRPr sz="1800" kern="1200">
+    <a:lvl8pPr marL="3200400" algn="l" defTabSz="914400">
+      <a:defRPr sz="1800">
         <a:solidFill>
           <a:schemeClr val="tx1"/>
         </a:solidFill>
@@ -117,8 +106,8 @@
         <a:cs typeface="+mn-cs"/>
       </a:defRPr>
     </a:lvl8pPr>
-    <a:lvl9pPr marL="3657600" algn="l" defTabSz="914400" rtl="0" eaLnBrk="1" latinLnBrk="0" hangingPunct="1">
-      <a:defRPr sz="1800" kern="1200">
+    <a:lvl9pPr marL="3657600" algn="l" defTabSz="914400">
+      <a:defRPr sz="1800">
         <a:solidFill>
           <a:schemeClr val="tx1"/>
         </a:solidFill>
@@ -128,17 +117,12 @@
       </a:defRPr>
     </a:lvl9pPr>
   </p:defaultTextStyle>
-  <p:extLst>
-    <p:ext uri="{EFAFB233-063F-42B5-8137-9DF3F51BA10A}">
-      <p15:sldGuideLst xmlns:p15="http://schemas.microsoft.com/office/powerpoint/2012/main"/>
-    </p:ext>
-  </p:extLst>
 </p:presentation>
 </file>
 
 <file path=ppt/notesMasters/notesMaster1.xml><?xml version="1.0" encoding="utf-8"?>
 <p:notesMaster xmlns:a="http://schemas.openxmlformats.org/drawingml/2006/main" xmlns:r="http://schemas.openxmlformats.org/officeDocument/2006/relationships" xmlns:p="http://schemas.openxmlformats.org/presentationml/2006/main">
-  <p:cSld>
+  <p:cSld name="">
     <p:bg>
       <p:bgRef idx="1001">
         <a:schemeClr val="bg1"/>
@@ -150,7 +134,7 @@
         <p:cNvGrpSpPr/>
         <p:nvPr/>
       </p:nvGrpSpPr>
-      <p:grpSpPr>
+      <p:grpSpPr bwMode="auto">
         <a:xfrm>
           <a:off x="0" y="0"/>
           <a:ext cx="0" cy="0"/>
@@ -159,16 +143,11 @@
         </a:xfrm>
       </p:grpSpPr>
     </p:spTree>
-    <p:extLst>
-      <p:ext uri="{BB962C8B-B14F-4D97-AF65-F5344CB8AC3E}">
-        <p14:creationId xmlns:p14="http://schemas.microsoft.com/office/powerpoint/2010/main" val="1981855802"/>
-      </p:ext>
-    </p:extLst>
   </p:cSld>
   <p:clrMap bg1="lt1" tx1="dk1" bg2="lt2" tx2="dk2" accent1="accent1" accent2="accent2" accent3="accent3" accent4="accent4" accent5="accent5" accent6="accent6" hlink="hlink" folHlink="folHlink"/>
   <p:notesStyle>
-    <a:lvl1pPr marL="0" algn="l" defTabSz="914400" rtl="0" eaLnBrk="1" latinLnBrk="0" hangingPunct="1">
-      <a:defRPr sz="1200" kern="1200">
+    <a:lvl1pPr marL="0" algn="l" defTabSz="914400">
+      <a:defRPr sz="1200">
         <a:solidFill>
           <a:schemeClr val="tx1"/>
         </a:solidFill>
@@ -177,8 +156,8 @@
         <a:cs typeface="+mn-cs"/>
       </a:defRPr>
     </a:lvl1pPr>
-    <a:lvl2pPr marL="457200" algn="l" defTabSz="914400" rtl="0" eaLnBrk="1" latinLnBrk="0" hangingPunct="1">
-      <a:defRPr sz="1200" kern="1200">
+    <a:lvl2pPr marL="457200" algn="l" defTabSz="914400">
+      <a:defRPr sz="1200">
         <a:solidFill>
           <a:schemeClr val="tx1"/>
         </a:solidFill>
@@ -187,8 +166,8 @@
         <a:cs typeface="+mn-cs"/>
       </a:defRPr>
     </a:lvl2pPr>
-    <a:lvl3pPr marL="914400" algn="l" defTabSz="914400" rtl="0" eaLnBrk="1" latinLnBrk="0" hangingPunct="1">
-      <a:defRPr sz="1200" kern="1200">
+    <a:lvl3pPr marL="914400" algn="l" defTabSz="914400">
+      <a:defRPr sz="1200">
         <a:solidFill>
           <a:schemeClr val="tx1"/>
         </a:solidFill>
@@ -197,8 +176,8 @@
         <a:cs typeface="+mn-cs"/>
       </a:defRPr>
     </a:lvl3pPr>
-    <a:lvl4pPr marL="1371600" algn="l" defTabSz="914400" rtl="0" eaLnBrk="1" latinLnBrk="0" hangingPunct="1">
-      <a:defRPr sz="1200" kern="1200">
+    <a:lvl4pPr marL="1371600" algn="l" defTabSz="914400">
+      <a:defRPr sz="1200">
         <a:solidFill>
           <a:schemeClr val="tx1"/>
         </a:solidFill>
@@ -207,8 +186,8 @@
         <a:cs typeface="+mn-cs"/>
       </a:defRPr>
     </a:lvl4pPr>
-    <a:lvl5pPr marL="1828800" algn="l" defTabSz="914400" rtl="0" eaLnBrk="1" latinLnBrk="0" hangingPunct="1">
-      <a:defRPr sz="1200" kern="1200">
+    <a:lvl5pPr marL="1828800" algn="l" defTabSz="914400">
+      <a:defRPr sz="1200">
         <a:solidFill>
           <a:schemeClr val="tx1"/>
         </a:solidFill>
@@ -217,8 +196,8 @@
         <a:cs typeface="+mn-cs"/>
       </a:defRPr>
     </a:lvl5pPr>
-    <a:lvl6pPr marL="2286000" algn="l" defTabSz="914400" rtl="0" eaLnBrk="1" latinLnBrk="0" hangingPunct="1">
-      <a:defRPr sz="1200" kern="1200">
+    <a:lvl6pPr marL="2286000" algn="l" defTabSz="914400">
+      <a:defRPr sz="1200">
         <a:solidFill>
           <a:schemeClr val="tx1"/>
         </a:solidFill>
@@ -227,8 +206,8 @@
         <a:cs typeface="+mn-cs"/>
       </a:defRPr>
     </a:lvl6pPr>
-    <a:lvl7pPr marL="2743200" algn="l" defTabSz="914400" rtl="0" eaLnBrk="1" latinLnBrk="0" hangingPunct="1">
-      <a:defRPr sz="1200" kern="1200">
+    <a:lvl7pPr marL="2743200" algn="l" defTabSz="914400">
+      <a:defRPr sz="1200">
         <a:solidFill>
           <a:schemeClr val="tx1"/>
         </a:solidFill>
@@ -237,8 +216,8 @@
         <a:cs typeface="+mn-cs"/>
       </a:defRPr>
     </a:lvl7pPr>
-    <a:lvl8pPr marL="3200400" algn="l" defTabSz="914400" rtl="0" eaLnBrk="1" latinLnBrk="0" hangingPunct="1">
-      <a:defRPr sz="1200" kern="1200">
+    <a:lvl8pPr marL="3200400" algn="l" defTabSz="914400">
+      <a:defRPr sz="1200">
         <a:solidFill>
           <a:schemeClr val="tx1"/>
         </a:solidFill>
@@ -247,8 +226,8 @@
         <a:cs typeface="+mn-cs"/>
       </a:defRPr>
     </a:lvl8pPr>
-    <a:lvl9pPr marL="3657600" algn="l" defTabSz="914400" rtl="0" eaLnBrk="1" latinLnBrk="0" hangingPunct="1">
-      <a:defRPr sz="1200" kern="1200">
+    <a:lvl9pPr marL="3657600" algn="l" defTabSz="914400">
+      <a:defRPr sz="1200">
         <a:solidFill>
           <a:schemeClr val="tx1"/>
         </a:solidFill>
@@ -262,15 +241,15 @@
 </file>
 
 <file path=ppt/notesSlides/notesSlide1.xml><?xml version="1.0" encoding="utf-8"?>
-<p:notes xmlns:a="http://schemas.openxmlformats.org/drawingml/2006/main" xmlns:r="http://schemas.openxmlformats.org/officeDocument/2006/relationships" xmlns:p="http://schemas.openxmlformats.org/presentationml/2006/main">
-  <p:cSld>
+<p:notes xmlns:a="http://schemas.openxmlformats.org/drawingml/2006/main" xmlns:r="http://schemas.openxmlformats.org/officeDocument/2006/relationships" xmlns:p="http://schemas.openxmlformats.org/presentationml/2006/main" xmlns:m="http://schemas.openxmlformats.org/officeDocument/2006/math" xmlns:w="http://schemas.openxmlformats.org/wordprocessingml/2006/main">
+  <p:cSld name="">
     <p:spTree>
       <p:nvGrpSpPr>
         <p:cNvPr id="1" name=""/>
         <p:cNvGrpSpPr/>
         <p:nvPr/>
       </p:nvGrpSpPr>
-      <p:grpSpPr>
+      <p:grpSpPr bwMode="auto">
         <a:xfrm>
           <a:off x="0" y="0"/>
           <a:ext cx="0" cy="0"/>
@@ -282,13 +261,13 @@
         <p:nvSpPr>
           <p:cNvPr id="2" name="Slide Image Placeholder 1"/>
           <p:cNvSpPr>
-            <a:spLocks noGrp="1" noRot="1" noChangeAspect="1"/>
+            <a:spLocks noChangeAspect="1" noGrp="1" noRot="1"/>
           </p:cNvSpPr>
           <p:nvPr>
             <p:ph type="sldImg"/>
           </p:nvPr>
         </p:nvSpPr>
-        <p:spPr/>
+        <p:spPr bwMode="auto"/>
       </p:sp>
       <p:sp>
         <p:nvSpPr>
@@ -300,12 +279,15 @@
             <p:ph type="body" idx="1"/>
           </p:nvPr>
         </p:nvSpPr>
-        <p:spPr/>
+        <p:spPr bwMode="auto"/>
         <p:txBody>
           <a:bodyPr/>
           <a:lstStyle/>
           <a:p>
-            <a:endParaRPr lang="en-US" dirty="0"/>
+            <a:pPr>
+              <a:defRPr/>
+            </a:pPr>
+            <a:endParaRPr lang="en-US"/>
           </a:p>
         </p:txBody>
       </p:sp>
@@ -319,11 +301,14 @@
             <p:ph type="sldNum" sz="quarter" idx="10"/>
           </p:nvPr>
         </p:nvSpPr>
-        <p:spPr/>
+        <p:spPr bwMode="auto"/>
         <p:txBody>
           <a:bodyPr/>
           <a:lstStyle/>
           <a:p>
+            <a:pPr>
+              <a:defRPr/>
+            </a:pPr>
             <a:fld id="{F7021451-1387-4CA6-816F-3879F97B5CBC}" type="slidenum">
               <a:rPr lang="en-US"/>
               <a:t>1</a:t>
@@ -333,28 +318,20 @@
         </p:txBody>
       </p:sp>
     </p:spTree>
-    <p:extLst>
-      <p:ext uri="{BB962C8B-B14F-4D97-AF65-F5344CB8AC3E}">
-        <p14:creationId xmlns:p14="http://schemas.microsoft.com/office/powerpoint/2010/main" val="1024086991"/>
-      </p:ext>
-    </p:extLst>
   </p:cSld>
-  <p:clrMapOvr>
-    <a:masterClrMapping/>
-  </p:clrMapOvr>
 </p:notes>
 </file>
 
-<file path=ppt/notesSlides/notesSlide2.xml><?xml version="1.0" encoding="utf-8"?>
-<p:notes xmlns:a="http://schemas.openxmlformats.org/drawingml/2006/main" xmlns:r="http://schemas.openxmlformats.org/officeDocument/2006/relationships" xmlns:p="http://schemas.openxmlformats.org/presentationml/2006/main">
-  <p:cSld>
+<file path=ppt/notesSlides/notesSlide10.xml><?xml version="1.0" encoding="utf-8"?>
+<p:notes xmlns:a="http://schemas.openxmlformats.org/drawingml/2006/main" xmlns:r="http://schemas.openxmlformats.org/officeDocument/2006/relationships" xmlns:p="http://schemas.openxmlformats.org/presentationml/2006/main" xmlns:m="http://schemas.openxmlformats.org/officeDocument/2006/math" xmlns:w="http://schemas.openxmlformats.org/wordprocessingml/2006/main">
+  <p:cSld name="">
     <p:spTree>
       <p:nvGrpSpPr>
         <p:cNvPr id="1" name=""/>
         <p:cNvGrpSpPr/>
         <p:nvPr/>
       </p:nvGrpSpPr>
-      <p:grpSpPr>
+      <p:grpSpPr bwMode="auto">
         <a:xfrm>
           <a:off x="0" y="0"/>
           <a:ext cx="0" cy="0"/>
@@ -366,13 +343,13 @@
         <p:nvSpPr>
           <p:cNvPr id="2" name="Slide Image Placeholder 1"/>
           <p:cNvSpPr>
-            <a:spLocks noGrp="1" noRot="1" noChangeAspect="1"/>
+            <a:spLocks noChangeAspect="1" noGrp="1" noRot="1"/>
           </p:cNvSpPr>
           <p:nvPr>
             <p:ph type="sldImg"/>
           </p:nvPr>
         </p:nvSpPr>
-        <p:spPr/>
+        <p:spPr bwMode="auto"/>
       </p:sp>
       <p:sp>
         <p:nvSpPr>
@@ -384,12 +361,15 @@
             <p:ph type="body" idx="1"/>
           </p:nvPr>
         </p:nvSpPr>
-        <p:spPr/>
+        <p:spPr bwMode="auto"/>
         <p:txBody>
           <a:bodyPr/>
           <a:lstStyle/>
           <a:p>
-            <a:endParaRPr lang="en-US" dirty="0"/>
+            <a:pPr>
+              <a:defRPr/>
+            </a:pPr>
+            <a:endParaRPr/>
           </a:p>
         </p:txBody>
       </p:sp>
@@ -403,42 +383,37 @@
             <p:ph type="sldNum" sz="quarter" idx="10"/>
           </p:nvPr>
         </p:nvSpPr>
-        <p:spPr/>
+        <p:spPr bwMode="auto"/>
         <p:txBody>
           <a:bodyPr/>
           <a:lstStyle/>
           <a:p>
-            <a:fld id="{F7021451-1387-4CA6-816F-3879F97B5CBC}" type="slidenum">
-              <a:rPr lang="en-US"/>
-              <a:t>2</a:t>
+            <a:pPr>
+              <a:defRPr/>
+            </a:pPr>
+            <a:fld id="{0C313F5E-980D-8753-5422-ED6C582248A4}" type="slidenum">
+              <a:rPr/>
+              <a:t/>
             </a:fld>
-            <a:endParaRPr lang="en-US"/>
+            <a:endParaRPr/>
           </a:p>
         </p:txBody>
       </p:sp>
     </p:spTree>
-    <p:extLst>
-      <p:ext uri="{BB962C8B-B14F-4D97-AF65-F5344CB8AC3E}">
-        <p14:creationId xmlns:p14="http://schemas.microsoft.com/office/powerpoint/2010/main" val="1024086991"/>
-      </p:ext>
-    </p:extLst>
   </p:cSld>
-  <p:clrMapOvr>
-    <a:masterClrMapping/>
-  </p:clrMapOvr>
 </p:notes>
 </file>
 
-<file path=ppt/notesSlides/notesSlide3.xml><?xml version="1.0" encoding="utf-8"?>
-<p:notes xmlns:a="http://schemas.openxmlformats.org/drawingml/2006/main" xmlns:r="http://schemas.openxmlformats.org/officeDocument/2006/relationships" xmlns:p="http://schemas.openxmlformats.org/presentationml/2006/main">
-  <p:cSld>
+<file path=ppt/notesSlides/notesSlide11.xml><?xml version="1.0" encoding="utf-8"?>
+<p:notes xmlns:a="http://schemas.openxmlformats.org/drawingml/2006/main" xmlns:r="http://schemas.openxmlformats.org/officeDocument/2006/relationships" xmlns:p="http://schemas.openxmlformats.org/presentationml/2006/main" xmlns:m="http://schemas.openxmlformats.org/officeDocument/2006/math" xmlns:w="http://schemas.openxmlformats.org/wordprocessingml/2006/main">
+  <p:cSld name="">
     <p:spTree>
       <p:nvGrpSpPr>
         <p:cNvPr id="1" name=""/>
         <p:cNvGrpSpPr/>
         <p:nvPr/>
       </p:nvGrpSpPr>
-      <p:grpSpPr>
+      <p:grpSpPr bwMode="auto">
         <a:xfrm>
           <a:off x="0" y="0"/>
           <a:ext cx="0" cy="0"/>
@@ -450,13 +425,13 @@
         <p:nvSpPr>
           <p:cNvPr id="2" name="Slide Image Placeholder 1"/>
           <p:cNvSpPr>
-            <a:spLocks noGrp="1" noRot="1" noChangeAspect="1"/>
+            <a:spLocks noChangeAspect="1" noGrp="1" noRot="1"/>
           </p:cNvSpPr>
           <p:nvPr>
             <p:ph type="sldImg"/>
           </p:nvPr>
         </p:nvSpPr>
-        <p:spPr/>
+        <p:spPr bwMode="auto"/>
       </p:sp>
       <p:sp>
         <p:nvSpPr>
@@ -468,12 +443,15 @@
             <p:ph type="body" idx="1"/>
           </p:nvPr>
         </p:nvSpPr>
-        <p:spPr/>
+        <p:spPr bwMode="auto"/>
         <p:txBody>
           <a:bodyPr/>
           <a:lstStyle/>
           <a:p>
-            <a:endParaRPr lang="en-US" dirty="0"/>
+            <a:pPr>
+              <a:defRPr/>
+            </a:pPr>
+            <a:endParaRPr/>
           </a:p>
         </p:txBody>
       </p:sp>
@@ -487,42 +465,37 @@
             <p:ph type="sldNum" sz="quarter" idx="10"/>
           </p:nvPr>
         </p:nvSpPr>
-        <p:spPr/>
+        <p:spPr bwMode="auto"/>
         <p:txBody>
           <a:bodyPr/>
           <a:lstStyle/>
           <a:p>
-            <a:fld id="{F7021451-1387-4CA6-816F-3879F97B5CBC}" type="slidenum">
-              <a:rPr lang="en-US"/>
-              <a:t>3</a:t>
+            <a:pPr>
+              <a:defRPr/>
+            </a:pPr>
+            <a:fld id="{44B5EAFE-2223-A5A4-9B97-41ACF2234475}" type="slidenum">
+              <a:rPr/>
+              <a:t/>
             </a:fld>
-            <a:endParaRPr lang="en-US"/>
+            <a:endParaRPr/>
           </a:p>
         </p:txBody>
       </p:sp>
     </p:spTree>
-    <p:extLst>
-      <p:ext uri="{BB962C8B-B14F-4D97-AF65-F5344CB8AC3E}">
-        <p14:creationId xmlns:p14="http://schemas.microsoft.com/office/powerpoint/2010/main" val="1024086991"/>
-      </p:ext>
-    </p:extLst>
   </p:cSld>
-  <p:clrMapOvr>
-    <a:masterClrMapping/>
-  </p:clrMapOvr>
 </p:notes>
 </file>
 
-<file path=ppt/notesSlides/notesSlide4.xml><?xml version="1.0" encoding="utf-8"?>
-<p:notes xmlns:a="http://schemas.openxmlformats.org/drawingml/2006/main" xmlns:r="http://schemas.openxmlformats.org/officeDocument/2006/relationships" xmlns:p="http://schemas.openxmlformats.org/presentationml/2006/main">
-  <p:cSld>
+<file path=ppt/notesSlides/notesSlide2.xml><?xml version="1.0" encoding="utf-8"?>
+<p:notes xmlns:a="http://schemas.openxmlformats.org/drawingml/2006/main" xmlns:r="http://schemas.openxmlformats.org/officeDocument/2006/relationships" xmlns:p="http://schemas.openxmlformats.org/presentationml/2006/main" xmlns:m="http://schemas.openxmlformats.org/officeDocument/2006/math" xmlns:w="http://schemas.openxmlformats.org/wordprocessingml/2006/main">
+  <p:cSld name="">
     <p:spTree>
       <p:nvGrpSpPr>
         <p:cNvPr id="1" name=""/>
         <p:cNvGrpSpPr/>
         <p:nvPr/>
       </p:nvGrpSpPr>
-      <p:grpSpPr>
+      <p:grpSpPr bwMode="auto">
         <a:xfrm>
           <a:off x="0" y="0"/>
           <a:ext cx="0" cy="0"/>
@@ -534,13 +507,13 @@
         <p:nvSpPr>
           <p:cNvPr id="2" name="Slide Image Placeholder 1"/>
           <p:cNvSpPr>
-            <a:spLocks noGrp="1" noRot="1" noChangeAspect="1"/>
+            <a:spLocks noChangeAspect="1" noGrp="1" noRot="1"/>
           </p:cNvSpPr>
           <p:nvPr>
             <p:ph type="sldImg"/>
           </p:nvPr>
         </p:nvSpPr>
-        <p:spPr/>
+        <p:spPr bwMode="auto"/>
       </p:sp>
       <p:sp>
         <p:nvSpPr>
@@ -552,12 +525,15 @@
             <p:ph type="body" idx="1"/>
           </p:nvPr>
         </p:nvSpPr>
-        <p:spPr/>
+        <p:spPr bwMode="auto"/>
         <p:txBody>
           <a:bodyPr/>
           <a:lstStyle/>
           <a:p>
-            <a:endParaRPr lang="en-US" dirty="0"/>
+            <a:pPr>
+              <a:defRPr/>
+            </a:pPr>
+            <a:endParaRPr lang="en-US"/>
           </a:p>
         </p:txBody>
       </p:sp>
@@ -571,42 +547,37 @@
             <p:ph type="sldNum" sz="quarter" idx="10"/>
           </p:nvPr>
         </p:nvSpPr>
-        <p:spPr/>
+        <p:spPr bwMode="auto"/>
         <p:txBody>
           <a:bodyPr/>
           <a:lstStyle/>
           <a:p>
+            <a:pPr>
+              <a:defRPr/>
+            </a:pPr>
             <a:fld id="{F7021451-1387-4CA6-816F-3879F97B5CBC}" type="slidenum">
               <a:rPr lang="en-US"/>
-              <a:t>4</a:t>
+              <a:t>2</a:t>
             </a:fld>
             <a:endParaRPr lang="en-US"/>
           </a:p>
         </p:txBody>
       </p:sp>
     </p:spTree>
-    <p:extLst>
-      <p:ext uri="{BB962C8B-B14F-4D97-AF65-F5344CB8AC3E}">
-        <p14:creationId xmlns:p14="http://schemas.microsoft.com/office/powerpoint/2010/main" val="1024086991"/>
-      </p:ext>
-    </p:extLst>
   </p:cSld>
-  <p:clrMapOvr>
-    <a:masterClrMapping/>
-  </p:clrMapOvr>
 </p:notes>
 </file>
 
-<file path=ppt/notesSlides/notesSlide5.xml><?xml version="1.0" encoding="utf-8"?>
-<p:notes xmlns:a="http://schemas.openxmlformats.org/drawingml/2006/main" xmlns:r="http://schemas.openxmlformats.org/officeDocument/2006/relationships" xmlns:p="http://schemas.openxmlformats.org/presentationml/2006/main">
-  <p:cSld>
+<file path=ppt/notesSlides/notesSlide3.xml><?xml version="1.0" encoding="utf-8"?>
+<p:notes xmlns:a="http://schemas.openxmlformats.org/drawingml/2006/main" xmlns:r="http://schemas.openxmlformats.org/officeDocument/2006/relationships" xmlns:p="http://schemas.openxmlformats.org/presentationml/2006/main" xmlns:m="http://schemas.openxmlformats.org/officeDocument/2006/math" xmlns:w="http://schemas.openxmlformats.org/wordprocessingml/2006/main">
+  <p:cSld name="">
     <p:spTree>
       <p:nvGrpSpPr>
         <p:cNvPr id="1" name=""/>
         <p:cNvGrpSpPr/>
         <p:nvPr/>
       </p:nvGrpSpPr>
-      <p:grpSpPr>
+      <p:grpSpPr bwMode="auto">
         <a:xfrm>
           <a:off x="0" y="0"/>
           <a:ext cx="0" cy="0"/>
@@ -618,13 +589,13 @@
         <p:nvSpPr>
           <p:cNvPr id="2" name="Slide Image Placeholder 1"/>
           <p:cNvSpPr>
-            <a:spLocks noGrp="1" noRot="1" noChangeAspect="1"/>
+            <a:spLocks noChangeAspect="1" noGrp="1" noRot="1"/>
           </p:cNvSpPr>
           <p:nvPr>
             <p:ph type="sldImg"/>
           </p:nvPr>
         </p:nvSpPr>
-        <p:spPr/>
+        <p:spPr bwMode="auto"/>
       </p:sp>
       <p:sp>
         <p:nvSpPr>
@@ -636,12 +607,15 @@
             <p:ph type="body" idx="1"/>
           </p:nvPr>
         </p:nvSpPr>
-        <p:spPr/>
+        <p:spPr bwMode="auto"/>
         <p:txBody>
           <a:bodyPr/>
           <a:lstStyle/>
           <a:p>
-            <a:endParaRPr lang="en-US" dirty="0"/>
+            <a:pPr>
+              <a:defRPr/>
+            </a:pPr>
+            <a:endParaRPr lang="en-US"/>
           </a:p>
         </p:txBody>
       </p:sp>
@@ -655,42 +629,37 @@
             <p:ph type="sldNum" sz="quarter" idx="10"/>
           </p:nvPr>
         </p:nvSpPr>
-        <p:spPr/>
+        <p:spPr bwMode="auto"/>
         <p:txBody>
           <a:bodyPr/>
           <a:lstStyle/>
           <a:p>
+            <a:pPr>
+              <a:defRPr/>
+            </a:pPr>
             <a:fld id="{F7021451-1387-4CA6-816F-3879F97B5CBC}" type="slidenum">
               <a:rPr lang="en-US"/>
-              <a:t>5</a:t>
+              <a:t>3</a:t>
             </a:fld>
             <a:endParaRPr lang="en-US"/>
           </a:p>
         </p:txBody>
       </p:sp>
     </p:spTree>
-    <p:extLst>
-      <p:ext uri="{BB962C8B-B14F-4D97-AF65-F5344CB8AC3E}">
-        <p14:creationId xmlns:p14="http://schemas.microsoft.com/office/powerpoint/2010/main" val="1024086991"/>
-      </p:ext>
-    </p:extLst>
   </p:cSld>
-  <p:clrMapOvr>
-    <a:masterClrMapping/>
-  </p:clrMapOvr>
 </p:notes>
 </file>
 
-<file path=ppt/notesSlides/notesSlide6.xml><?xml version="1.0" encoding="utf-8"?>
-<p:notes xmlns:a="http://schemas.openxmlformats.org/drawingml/2006/main" xmlns:r="http://schemas.openxmlformats.org/officeDocument/2006/relationships" xmlns:p="http://schemas.openxmlformats.org/presentationml/2006/main">
-  <p:cSld>
+<file path=ppt/notesSlides/notesSlide4.xml><?xml version="1.0" encoding="utf-8"?>
+<p:notes xmlns:a="http://schemas.openxmlformats.org/drawingml/2006/main" xmlns:r="http://schemas.openxmlformats.org/officeDocument/2006/relationships" xmlns:p="http://schemas.openxmlformats.org/presentationml/2006/main" xmlns:m="http://schemas.openxmlformats.org/officeDocument/2006/math" xmlns:w="http://schemas.openxmlformats.org/wordprocessingml/2006/main">
+  <p:cSld name="">
     <p:spTree>
       <p:nvGrpSpPr>
         <p:cNvPr id="1" name=""/>
         <p:cNvGrpSpPr/>
         <p:nvPr/>
       </p:nvGrpSpPr>
-      <p:grpSpPr>
+      <p:grpSpPr bwMode="auto">
         <a:xfrm>
           <a:off x="0" y="0"/>
           <a:ext cx="0" cy="0"/>
@@ -702,13 +671,13 @@
         <p:nvSpPr>
           <p:cNvPr id="2" name="Slide Image Placeholder 1"/>
           <p:cNvSpPr>
-            <a:spLocks noGrp="1" noRot="1" noChangeAspect="1"/>
+            <a:spLocks noChangeAspect="1" noGrp="1" noRot="1"/>
           </p:cNvSpPr>
           <p:nvPr>
             <p:ph type="sldImg"/>
           </p:nvPr>
         </p:nvSpPr>
-        <p:spPr/>
+        <p:spPr bwMode="auto"/>
       </p:sp>
       <p:sp>
         <p:nvSpPr>
@@ -720,12 +689,15 @@
             <p:ph type="body" idx="1"/>
           </p:nvPr>
         </p:nvSpPr>
-        <p:spPr/>
+        <p:spPr bwMode="auto"/>
         <p:txBody>
           <a:bodyPr/>
           <a:lstStyle/>
           <a:p>
-            <a:endParaRPr lang="en-US" dirty="0"/>
+            <a:pPr>
+              <a:defRPr/>
+            </a:pPr>
+            <a:endParaRPr lang="en-US"/>
           </a:p>
         </p:txBody>
       </p:sp>
@@ -739,42 +711,37 @@
             <p:ph type="sldNum" sz="quarter" idx="10"/>
           </p:nvPr>
         </p:nvSpPr>
-        <p:spPr/>
+        <p:spPr bwMode="auto"/>
         <p:txBody>
           <a:bodyPr/>
           <a:lstStyle/>
           <a:p>
+            <a:pPr>
+              <a:defRPr/>
+            </a:pPr>
             <a:fld id="{F7021451-1387-4CA6-816F-3879F97B5CBC}" type="slidenum">
               <a:rPr lang="en-US"/>
-              <a:t>6</a:t>
+              <a:t>4</a:t>
             </a:fld>
             <a:endParaRPr lang="en-US"/>
           </a:p>
         </p:txBody>
       </p:sp>
     </p:spTree>
-    <p:extLst>
-      <p:ext uri="{BB962C8B-B14F-4D97-AF65-F5344CB8AC3E}">
-        <p14:creationId xmlns:p14="http://schemas.microsoft.com/office/powerpoint/2010/main" val="1024086991"/>
-      </p:ext>
-    </p:extLst>
   </p:cSld>
-  <p:clrMapOvr>
-    <a:masterClrMapping/>
-  </p:clrMapOvr>
 </p:notes>
 </file>
 
-<file path=ppt/notesSlides/notesSlide7.xml><?xml version="1.0" encoding="utf-8"?>
-<p:notes xmlns:a="http://schemas.openxmlformats.org/drawingml/2006/main" xmlns:r="http://schemas.openxmlformats.org/officeDocument/2006/relationships" xmlns:p="http://schemas.openxmlformats.org/presentationml/2006/main">
-  <p:cSld>
+<file path=ppt/notesSlides/notesSlide5.xml><?xml version="1.0" encoding="utf-8"?>
+<p:notes xmlns:a="http://schemas.openxmlformats.org/drawingml/2006/main" xmlns:r="http://schemas.openxmlformats.org/officeDocument/2006/relationships" xmlns:p="http://schemas.openxmlformats.org/presentationml/2006/main" xmlns:m="http://schemas.openxmlformats.org/officeDocument/2006/math" xmlns:w="http://schemas.openxmlformats.org/wordprocessingml/2006/main">
+  <p:cSld name="">
     <p:spTree>
       <p:nvGrpSpPr>
         <p:cNvPr id="1" name=""/>
         <p:cNvGrpSpPr/>
         <p:nvPr/>
       </p:nvGrpSpPr>
-      <p:grpSpPr>
+      <p:grpSpPr bwMode="auto">
         <a:xfrm>
           <a:off x="0" y="0"/>
           <a:ext cx="0" cy="0"/>
@@ -786,13 +753,13 @@
         <p:nvSpPr>
           <p:cNvPr id="2" name="Slide Image Placeholder 1"/>
           <p:cNvSpPr>
-            <a:spLocks noGrp="1" noRot="1" noChangeAspect="1"/>
+            <a:spLocks noChangeAspect="1" noGrp="1" noRot="1"/>
           </p:cNvSpPr>
           <p:nvPr>
             <p:ph type="sldImg"/>
           </p:nvPr>
         </p:nvSpPr>
-        <p:spPr/>
+        <p:spPr bwMode="auto"/>
       </p:sp>
       <p:sp>
         <p:nvSpPr>
@@ -804,12 +771,15 @@
             <p:ph type="body" idx="1"/>
           </p:nvPr>
         </p:nvSpPr>
-        <p:spPr/>
+        <p:spPr bwMode="auto"/>
         <p:txBody>
           <a:bodyPr/>
           <a:lstStyle/>
           <a:p>
-            <a:endParaRPr lang="en-US" dirty="0"/>
+            <a:pPr>
+              <a:defRPr/>
+            </a:pPr>
+            <a:endParaRPr lang="en-US"/>
           </a:p>
         </p:txBody>
       </p:sp>
@@ -823,42 +793,37 @@
             <p:ph type="sldNum" sz="quarter" idx="10"/>
           </p:nvPr>
         </p:nvSpPr>
-        <p:spPr/>
+        <p:spPr bwMode="auto"/>
         <p:txBody>
           <a:bodyPr/>
           <a:lstStyle/>
           <a:p>
+            <a:pPr>
+              <a:defRPr/>
+            </a:pPr>
             <a:fld id="{F7021451-1387-4CA6-816F-3879F97B5CBC}" type="slidenum">
               <a:rPr lang="en-US"/>
-              <a:t>7</a:t>
+              <a:t>5</a:t>
             </a:fld>
             <a:endParaRPr lang="en-US"/>
           </a:p>
         </p:txBody>
       </p:sp>
     </p:spTree>
-    <p:extLst>
-      <p:ext uri="{BB962C8B-B14F-4D97-AF65-F5344CB8AC3E}">
-        <p14:creationId xmlns:p14="http://schemas.microsoft.com/office/powerpoint/2010/main" val="1024086991"/>
-      </p:ext>
-    </p:extLst>
   </p:cSld>
-  <p:clrMapOvr>
-    <a:masterClrMapping/>
-  </p:clrMapOvr>
 </p:notes>
 </file>
 
-<file path=ppt/notesSlides/notesSlide8.xml><?xml version="1.0" encoding="utf-8"?>
-<p:notes xmlns:a="http://schemas.openxmlformats.org/drawingml/2006/main" xmlns:r="http://schemas.openxmlformats.org/officeDocument/2006/relationships" xmlns:p="http://schemas.openxmlformats.org/presentationml/2006/main">
-  <p:cSld>
+<file path=ppt/notesSlides/notesSlide6.xml><?xml version="1.0" encoding="utf-8"?>
+<p:notes xmlns:a="http://schemas.openxmlformats.org/drawingml/2006/main" xmlns:r="http://schemas.openxmlformats.org/officeDocument/2006/relationships" xmlns:p="http://schemas.openxmlformats.org/presentationml/2006/main" xmlns:m="http://schemas.openxmlformats.org/officeDocument/2006/math" xmlns:w="http://schemas.openxmlformats.org/wordprocessingml/2006/main">
+  <p:cSld name="">
     <p:spTree>
       <p:nvGrpSpPr>
         <p:cNvPr id="1" name=""/>
         <p:cNvGrpSpPr/>
         <p:nvPr/>
       </p:nvGrpSpPr>
-      <p:grpSpPr>
+      <p:grpSpPr bwMode="auto">
         <a:xfrm>
           <a:off x="0" y="0"/>
           <a:ext cx="0" cy="0"/>
@@ -870,13 +835,13 @@
         <p:nvSpPr>
           <p:cNvPr id="2" name="Slide Image Placeholder 1"/>
           <p:cNvSpPr>
-            <a:spLocks noGrp="1" noRot="1" noChangeAspect="1"/>
+            <a:spLocks noChangeAspect="1" noGrp="1" noRot="1"/>
           </p:cNvSpPr>
           <p:nvPr>
             <p:ph type="sldImg"/>
           </p:nvPr>
         </p:nvSpPr>
-        <p:spPr/>
+        <p:spPr bwMode="auto"/>
       </p:sp>
       <p:sp>
         <p:nvSpPr>
@@ -888,12 +853,15 @@
             <p:ph type="body" idx="1"/>
           </p:nvPr>
         </p:nvSpPr>
-        <p:spPr/>
+        <p:spPr bwMode="auto"/>
         <p:txBody>
           <a:bodyPr/>
           <a:lstStyle/>
           <a:p>
-            <a:endParaRPr lang="en-US" dirty="0"/>
+            <a:pPr>
+              <a:defRPr/>
+            </a:pPr>
+            <a:endParaRPr lang="en-US"/>
           </a:p>
         </p:txBody>
       </p:sp>
@@ -907,42 +875,37 @@
             <p:ph type="sldNum" sz="quarter" idx="10"/>
           </p:nvPr>
         </p:nvSpPr>
-        <p:spPr/>
+        <p:spPr bwMode="auto"/>
         <p:txBody>
           <a:bodyPr/>
           <a:lstStyle/>
           <a:p>
+            <a:pPr>
+              <a:defRPr/>
+            </a:pPr>
             <a:fld id="{F7021451-1387-4CA6-816F-3879F97B5CBC}" type="slidenum">
               <a:rPr lang="en-US"/>
-              <a:t>8</a:t>
+              <a:t>6</a:t>
             </a:fld>
             <a:endParaRPr lang="en-US"/>
           </a:p>
         </p:txBody>
       </p:sp>
     </p:spTree>
-    <p:extLst>
-      <p:ext uri="{BB962C8B-B14F-4D97-AF65-F5344CB8AC3E}">
-        <p14:creationId xmlns:p14="http://schemas.microsoft.com/office/powerpoint/2010/main" val="1024086991"/>
-      </p:ext>
-    </p:extLst>
   </p:cSld>
-  <p:clrMapOvr>
-    <a:masterClrMapping/>
-  </p:clrMapOvr>
 </p:notes>
 </file>
 
-<file path=ppt/notesSlides/notesSlide9.xml><?xml version="1.0" encoding="utf-8"?>
-<p:notes xmlns:a="http://schemas.openxmlformats.org/drawingml/2006/main" xmlns:r="http://schemas.openxmlformats.org/officeDocument/2006/relationships" xmlns:p="http://schemas.openxmlformats.org/presentationml/2006/main">
-  <p:cSld>
+<file path=ppt/notesSlides/notesSlide7.xml><?xml version="1.0" encoding="utf-8"?>
+<p:notes xmlns:a="http://schemas.openxmlformats.org/drawingml/2006/main" xmlns:r="http://schemas.openxmlformats.org/officeDocument/2006/relationships" xmlns:p="http://schemas.openxmlformats.org/presentationml/2006/main" xmlns:m="http://schemas.openxmlformats.org/officeDocument/2006/math" xmlns:w="http://schemas.openxmlformats.org/wordprocessingml/2006/main">
+  <p:cSld name="">
     <p:spTree>
       <p:nvGrpSpPr>
         <p:cNvPr id="1" name=""/>
         <p:cNvGrpSpPr/>
         <p:nvPr/>
       </p:nvGrpSpPr>
-      <p:grpSpPr>
+      <p:grpSpPr bwMode="auto">
         <a:xfrm>
           <a:off x="0" y="0"/>
           <a:ext cx="0" cy="0"/>
@@ -954,13 +917,13 @@
         <p:nvSpPr>
           <p:cNvPr id="2" name="Slide Image Placeholder 1"/>
           <p:cNvSpPr>
-            <a:spLocks noGrp="1" noRot="1" noChangeAspect="1"/>
+            <a:spLocks noChangeAspect="1" noGrp="1" noRot="1"/>
           </p:cNvSpPr>
           <p:nvPr>
             <p:ph type="sldImg"/>
           </p:nvPr>
         </p:nvSpPr>
-        <p:spPr/>
+        <p:spPr bwMode="auto"/>
       </p:sp>
       <p:sp>
         <p:nvSpPr>
@@ -972,12 +935,15 @@
             <p:ph type="body" idx="1"/>
           </p:nvPr>
         </p:nvSpPr>
-        <p:spPr/>
+        <p:spPr bwMode="auto"/>
         <p:txBody>
           <a:bodyPr/>
           <a:lstStyle/>
           <a:p>
-            <a:endParaRPr lang="en-US" dirty="0"/>
+            <a:pPr>
+              <a:defRPr/>
+            </a:pPr>
+            <a:endParaRPr lang="en-US"/>
           </a:p>
         </p:txBody>
       </p:sp>
@@ -991,11 +957,178 @@
             <p:ph type="sldNum" sz="quarter" idx="10"/>
           </p:nvPr>
         </p:nvSpPr>
-        <p:spPr/>
+        <p:spPr bwMode="auto"/>
         <p:txBody>
           <a:bodyPr/>
           <a:lstStyle/>
           <a:p>
+            <a:pPr>
+              <a:defRPr/>
+            </a:pPr>
+            <a:fld id="{F7021451-1387-4CA6-816F-3879F97B5CBC}" type="slidenum">
+              <a:rPr lang="en-US"/>
+              <a:t>7</a:t>
+            </a:fld>
+            <a:endParaRPr lang="en-US"/>
+          </a:p>
+        </p:txBody>
+      </p:sp>
+    </p:spTree>
+  </p:cSld>
+</p:notes>
+</file>
+
+<file path=ppt/notesSlides/notesSlide8.xml><?xml version="1.0" encoding="utf-8"?>
+<p:notes xmlns:a="http://schemas.openxmlformats.org/drawingml/2006/main" xmlns:r="http://schemas.openxmlformats.org/officeDocument/2006/relationships" xmlns:p="http://schemas.openxmlformats.org/presentationml/2006/main" xmlns:m="http://schemas.openxmlformats.org/officeDocument/2006/math" xmlns:w="http://schemas.openxmlformats.org/wordprocessingml/2006/main">
+  <p:cSld name="">
+    <p:spTree>
+      <p:nvGrpSpPr>
+        <p:cNvPr id="1" name=""/>
+        <p:cNvGrpSpPr/>
+        <p:nvPr/>
+      </p:nvGrpSpPr>
+      <p:grpSpPr bwMode="auto">
+        <a:xfrm>
+          <a:off x="0" y="0"/>
+          <a:ext cx="0" cy="0"/>
+          <a:chOff x="0" y="0"/>
+          <a:chExt cx="0" cy="0"/>
+        </a:xfrm>
+      </p:grpSpPr>
+      <p:sp>
+        <p:nvSpPr>
+          <p:cNvPr id="2" name="Slide Image Placeholder 1"/>
+          <p:cNvSpPr>
+            <a:spLocks noChangeAspect="1" noGrp="1" noRot="1"/>
+          </p:cNvSpPr>
+          <p:nvPr>
+            <p:ph type="sldImg"/>
+          </p:nvPr>
+        </p:nvSpPr>
+        <p:spPr bwMode="auto"/>
+      </p:sp>
+      <p:sp>
+        <p:nvSpPr>
+          <p:cNvPr id="3" name="Notes Placeholder 2"/>
+          <p:cNvSpPr>
+            <a:spLocks noGrp="1"/>
+          </p:cNvSpPr>
+          <p:nvPr>
+            <p:ph type="body" idx="1"/>
+          </p:nvPr>
+        </p:nvSpPr>
+        <p:spPr bwMode="auto"/>
+        <p:txBody>
+          <a:bodyPr/>
+          <a:lstStyle/>
+          <a:p>
+            <a:pPr>
+              <a:defRPr/>
+            </a:pPr>
+            <a:endParaRPr lang="en-US"/>
+          </a:p>
+        </p:txBody>
+      </p:sp>
+      <p:sp>
+        <p:nvSpPr>
+          <p:cNvPr id="4" name="Slide Number Placeholder 3"/>
+          <p:cNvSpPr>
+            <a:spLocks noGrp="1"/>
+          </p:cNvSpPr>
+          <p:nvPr>
+            <p:ph type="sldNum" sz="quarter" idx="10"/>
+          </p:nvPr>
+        </p:nvSpPr>
+        <p:spPr bwMode="auto"/>
+        <p:txBody>
+          <a:bodyPr/>
+          <a:lstStyle/>
+          <a:p>
+            <a:pPr>
+              <a:defRPr/>
+            </a:pPr>
+            <a:fld id="{F7021451-1387-4CA6-816F-3879F97B5CBC}" type="slidenum">
+              <a:rPr lang="en-US"/>
+              <a:t>8</a:t>
+            </a:fld>
+            <a:endParaRPr lang="en-US"/>
+          </a:p>
+        </p:txBody>
+      </p:sp>
+    </p:spTree>
+  </p:cSld>
+</p:notes>
+</file>
+
+<file path=ppt/notesSlides/notesSlide9.xml><?xml version="1.0" encoding="utf-8"?>
+<p:notes xmlns:a="http://schemas.openxmlformats.org/drawingml/2006/main" xmlns:r="http://schemas.openxmlformats.org/officeDocument/2006/relationships" xmlns:p="http://schemas.openxmlformats.org/presentationml/2006/main" xmlns:m="http://schemas.openxmlformats.org/officeDocument/2006/math" xmlns:w="http://schemas.openxmlformats.org/wordprocessingml/2006/main">
+  <p:cSld name="">
+    <p:spTree>
+      <p:nvGrpSpPr>
+        <p:cNvPr id="1" name=""/>
+        <p:cNvGrpSpPr/>
+        <p:nvPr/>
+      </p:nvGrpSpPr>
+      <p:grpSpPr bwMode="auto">
+        <a:xfrm>
+          <a:off x="0" y="0"/>
+          <a:ext cx="0" cy="0"/>
+          <a:chOff x="0" y="0"/>
+          <a:chExt cx="0" cy="0"/>
+        </a:xfrm>
+      </p:grpSpPr>
+      <p:sp>
+        <p:nvSpPr>
+          <p:cNvPr id="2" name="Slide Image Placeholder 1"/>
+          <p:cNvSpPr>
+            <a:spLocks noChangeAspect="1" noGrp="1" noRot="1"/>
+          </p:cNvSpPr>
+          <p:nvPr>
+            <p:ph type="sldImg"/>
+          </p:nvPr>
+        </p:nvSpPr>
+        <p:spPr bwMode="auto"/>
+      </p:sp>
+      <p:sp>
+        <p:nvSpPr>
+          <p:cNvPr id="3" name="Notes Placeholder 2"/>
+          <p:cNvSpPr>
+            <a:spLocks noGrp="1"/>
+          </p:cNvSpPr>
+          <p:nvPr>
+            <p:ph type="body" idx="1"/>
+          </p:nvPr>
+        </p:nvSpPr>
+        <p:spPr bwMode="auto"/>
+        <p:txBody>
+          <a:bodyPr/>
+          <a:lstStyle/>
+          <a:p>
+            <a:pPr>
+              <a:defRPr/>
+            </a:pPr>
+            <a:endParaRPr lang="en-US"/>
+          </a:p>
+        </p:txBody>
+      </p:sp>
+      <p:sp>
+        <p:nvSpPr>
+          <p:cNvPr id="4" name="Slide Number Placeholder 3"/>
+          <p:cNvSpPr>
+            <a:spLocks noGrp="1"/>
+          </p:cNvSpPr>
+          <p:nvPr>
+            <p:ph type="sldNum" sz="quarter" idx="10"/>
+          </p:nvPr>
+        </p:nvSpPr>
+        <p:spPr bwMode="auto"/>
+        <p:txBody>
+          <a:bodyPr/>
+          <a:lstStyle/>
+          <a:p>
+            <a:pPr>
+              <a:defRPr/>
+            </a:pPr>
             <a:fld id="{F7021451-1387-4CA6-816F-3879F97B5CBC}" type="slidenum">
               <a:rPr lang="en-US"/>
               <a:t>9</a:t>
@@ -1005,20 +1138,12 @@
         </p:txBody>
       </p:sp>
     </p:spTree>
-    <p:extLst>
-      <p:ext uri="{BB962C8B-B14F-4D97-AF65-F5344CB8AC3E}">
-        <p14:creationId xmlns:p14="http://schemas.microsoft.com/office/powerpoint/2010/main" val="1024086991"/>
-      </p:ext>
-    </p:extLst>
   </p:cSld>
-  <p:clrMapOvr>
-    <a:masterClrMapping/>
-  </p:clrMapOvr>
 </p:notes>
 </file>
 
 <file path=ppt/slideLayouts/slideLayout1.xml><?xml version="1.0" encoding="utf-8"?>
-<p:sldLayout xmlns:a="http://schemas.openxmlformats.org/drawingml/2006/main" xmlns:r="http://schemas.openxmlformats.org/officeDocument/2006/relationships" xmlns:p="http://schemas.openxmlformats.org/presentationml/2006/main" preserve="1">
+<p:sldLayout xmlns:a="http://schemas.openxmlformats.org/drawingml/2006/main" xmlns:r="http://schemas.openxmlformats.org/officeDocument/2006/relationships" xmlns:p="http://schemas.openxmlformats.org/presentationml/2006/main" xmlns:m="http://schemas.openxmlformats.org/officeDocument/2006/math" xmlns:w="http://schemas.openxmlformats.org/wordprocessingml/2006/main" matchingName="" preserve="1" showMasterPhAnim="0" showMasterSp="1" userDrawn="1">
   <p:cSld name="DEFAULT">
     <p:bg>
       <p:bgRef idx="1001">
@@ -1031,7 +1156,7 @@
         <p:cNvGrpSpPr/>
         <p:nvPr/>
       </p:nvGrpSpPr>
-      <p:grpSpPr>
+      <p:grpSpPr bwMode="auto">
         <a:xfrm>
           <a:off x="0" y="0"/>
           <a:ext cx="0" cy="0"/>
@@ -1044,23 +1169,11 @@
   <p:clrMapOvr>
     <a:masterClrMapping/>
   </p:clrMapOvr>
-  <mc:AlternateContent xmlns:mc="http://schemas.openxmlformats.org/markup-compatibility/2006" xmlns:p14="http://schemas.microsoft.com/office/powerpoint/2010/main">
-    <mc:Choice Requires="p14">
-      <p:transition spd="med" p14:dur="700">
-        <p:fade/>
-      </p:transition>
-    </mc:Choice>
-    <mc:Fallback xmlns="">
-      <p:transition spd="med">
-        <p:fade/>
-      </p:transition>
-    </mc:Fallback>
-  </mc:AlternateContent>
 </p:sldLayout>
 </file>
 
 <file path=ppt/slideLayouts/slideLayout10.xml><?xml version="1.0" encoding="utf-8"?>
-<p:sldLayout xmlns:a="http://schemas.openxmlformats.org/drawingml/2006/main" xmlns:r="http://schemas.openxmlformats.org/officeDocument/2006/relationships" xmlns:p="http://schemas.openxmlformats.org/presentationml/2006/main" preserve="1">
+<p:sldLayout xmlns:a="http://schemas.openxmlformats.org/drawingml/2006/main" xmlns:r="http://schemas.openxmlformats.org/officeDocument/2006/relationships" xmlns:p="http://schemas.openxmlformats.org/presentationml/2006/main" xmlns:m="http://schemas.openxmlformats.org/officeDocument/2006/math" xmlns:w="http://schemas.openxmlformats.org/wordprocessingml/2006/main" matchingName="" preserve="1" showMasterPhAnim="0" showMasterSp="1" userDrawn="1">
   <p:cSld name="Slide 9 master">
     <p:spTree>
       <p:nvGrpSpPr>
@@ -1068,7 +1181,7 @@
         <p:cNvGrpSpPr/>
         <p:nvPr/>
       </p:nvGrpSpPr>
-      <p:grpSpPr>
+      <p:grpSpPr bwMode="auto">
         <a:xfrm>
           <a:off x="0" y="0"/>
           <a:ext cx="0" cy="0"/>
@@ -1082,7 +1195,7 @@
           <p:cNvSpPr/>
           <p:nvPr/>
         </p:nvSpPr>
-        <p:spPr>
+        <p:spPr bwMode="auto">
           <a:xfrm>
             <a:off x="0" y="0"/>
             <a:ext cx="14630400" cy="8229600"/>
@@ -1102,7 +1215,7 @@
           <p:cNvSpPr/>
           <p:nvPr/>
         </p:nvSpPr>
-        <p:spPr>
+        <p:spPr bwMode="auto">
           <a:xfrm>
             <a:off x="0" y="0"/>
             <a:ext cx="14630400" cy="8229600"/>
@@ -1130,14 +1243,12 @@
         </p:nvPicPr>
         <p:blipFill>
           <a:blip r:embed="rId3"/>
-          <a:stretch>
-            <a:fillRect/>
-          </a:stretch>
+          <a:stretch/>
         </p:blipFill>
-        <p:spPr>
-          <a:xfrm>
-            <a:off x="12839215" y="7749540"/>
-            <a:ext cx="1722605" cy="411480"/>
+        <p:spPr bwMode="auto">
+          <a:xfrm>
+            <a:off x="12839214" y="7749539"/>
+            <a:ext cx="1722604" cy="411480"/>
           </a:xfrm>
           <a:prstGeom prst="rect">
             <a:avLst/>
@@ -1149,23 +1260,11 @@
   <p:clrMapOvr>
     <a:masterClrMapping/>
   </p:clrMapOvr>
-  <mc:AlternateContent xmlns:mc="http://schemas.openxmlformats.org/markup-compatibility/2006" xmlns:p14="http://schemas.microsoft.com/office/powerpoint/2010/main">
-    <mc:Choice Requires="p14">
-      <p:transition spd="med" p14:dur="700">
-        <p:fade/>
-      </p:transition>
-    </mc:Choice>
-    <mc:Fallback xmlns="">
-      <p:transition spd="med">
-        <p:fade/>
-      </p:transition>
-    </mc:Fallback>
-  </mc:AlternateContent>
 </p:sldLayout>
 </file>
 
 <file path=ppt/slideLayouts/slideLayout11.xml><?xml version="1.0" encoding="utf-8"?>
-<p:sldLayout xmlns:a="http://schemas.openxmlformats.org/drawingml/2006/main" xmlns:r="http://schemas.openxmlformats.org/officeDocument/2006/relationships" xmlns:p="http://schemas.openxmlformats.org/presentationml/2006/main" preserve="1">
+<p:sldLayout xmlns:a="http://schemas.openxmlformats.org/drawingml/2006/main" xmlns:r="http://schemas.openxmlformats.org/officeDocument/2006/relationships" xmlns:p="http://schemas.openxmlformats.org/presentationml/2006/main" xmlns:m="http://schemas.openxmlformats.org/officeDocument/2006/math" xmlns:w="http://schemas.openxmlformats.org/wordprocessingml/2006/main" matchingName="" preserve="1" showMasterPhAnim="0" showMasterSp="1" userDrawn="1">
   <p:cSld name="Slide 10 master">
     <p:spTree>
       <p:nvGrpSpPr>
@@ -1173,7 +1272,7 @@
         <p:cNvGrpSpPr/>
         <p:nvPr/>
       </p:nvGrpSpPr>
-      <p:grpSpPr>
+      <p:grpSpPr bwMode="auto">
         <a:xfrm>
           <a:off x="0" y="0"/>
           <a:ext cx="0" cy="0"/>
@@ -1187,7 +1286,7 @@
           <p:cNvSpPr/>
           <p:nvPr/>
         </p:nvSpPr>
-        <p:spPr>
+        <p:spPr bwMode="auto">
           <a:xfrm>
             <a:off x="0" y="0"/>
             <a:ext cx="14630400" cy="8229600"/>
@@ -1207,7 +1306,7 @@
           <p:cNvSpPr/>
           <p:nvPr/>
         </p:nvSpPr>
-        <p:spPr>
+        <p:spPr bwMode="auto">
           <a:xfrm>
             <a:off x="0" y="0"/>
             <a:ext cx="14630400" cy="8229600"/>
@@ -1235,14 +1334,12 @@
         </p:nvPicPr>
         <p:blipFill>
           <a:blip r:embed="rId3"/>
-          <a:stretch>
-            <a:fillRect/>
-          </a:stretch>
+          <a:stretch/>
         </p:blipFill>
-        <p:spPr>
-          <a:xfrm>
-            <a:off x="12839215" y="7749540"/>
-            <a:ext cx="1722605" cy="411480"/>
+        <p:spPr bwMode="auto">
+          <a:xfrm>
+            <a:off x="12839214" y="7749539"/>
+            <a:ext cx="1722604" cy="411480"/>
           </a:xfrm>
           <a:prstGeom prst="rect">
             <a:avLst/>
@@ -1254,23 +1351,11 @@
   <p:clrMapOvr>
     <a:masterClrMapping/>
   </p:clrMapOvr>
-  <mc:AlternateContent xmlns:mc="http://schemas.openxmlformats.org/markup-compatibility/2006" xmlns:p14="http://schemas.microsoft.com/office/powerpoint/2010/main">
-    <mc:Choice Requires="p14">
-      <p:transition spd="med" p14:dur="700">
-        <p:fade/>
-      </p:transition>
-    </mc:Choice>
-    <mc:Fallback xmlns="">
-      <p:transition spd="med">
-        <p:fade/>
-      </p:transition>
-    </mc:Fallback>
-  </mc:AlternateContent>
 </p:sldLayout>
 </file>
 
 <file path=ppt/slideLayouts/slideLayout2.xml><?xml version="1.0" encoding="utf-8"?>
-<p:sldLayout xmlns:a="http://schemas.openxmlformats.org/drawingml/2006/main" xmlns:r="http://schemas.openxmlformats.org/officeDocument/2006/relationships" xmlns:p="http://schemas.openxmlformats.org/presentationml/2006/main" preserve="1">
+<p:sldLayout xmlns:a="http://schemas.openxmlformats.org/drawingml/2006/main" xmlns:r="http://schemas.openxmlformats.org/officeDocument/2006/relationships" xmlns:p="http://schemas.openxmlformats.org/presentationml/2006/main" xmlns:m="http://schemas.openxmlformats.org/officeDocument/2006/math" xmlns:w="http://schemas.openxmlformats.org/wordprocessingml/2006/main" matchingName="" preserve="1" showMasterPhAnim="0" showMasterSp="1" userDrawn="1">
   <p:cSld name="Slide 1 master">
     <p:spTree>
       <p:nvGrpSpPr>
@@ -1278,7 +1363,7 @@
         <p:cNvGrpSpPr/>
         <p:nvPr/>
       </p:nvGrpSpPr>
-      <p:grpSpPr>
+      <p:grpSpPr bwMode="auto">
         <a:xfrm>
           <a:off x="0" y="0"/>
           <a:ext cx="0" cy="0"/>
@@ -1292,7 +1377,7 @@
           <p:cNvSpPr/>
           <p:nvPr/>
         </p:nvSpPr>
-        <p:spPr>
+        <p:spPr bwMode="auto">
           <a:xfrm>
             <a:off x="0" y="0"/>
             <a:ext cx="14630400" cy="8229600"/>
@@ -1312,7 +1397,7 @@
           <p:cNvSpPr/>
           <p:nvPr/>
         </p:nvSpPr>
-        <p:spPr>
+        <p:spPr bwMode="auto">
           <a:xfrm>
             <a:off x="0" y="0"/>
             <a:ext cx="14630400" cy="8229600"/>
@@ -1340,14 +1425,12 @@
         </p:nvPicPr>
         <p:blipFill>
           <a:blip r:embed="rId3"/>
-          <a:stretch>
-            <a:fillRect/>
-          </a:stretch>
+          <a:stretch/>
         </p:blipFill>
-        <p:spPr>
-          <a:xfrm>
-            <a:off x="12839215" y="7749540"/>
-            <a:ext cx="1722605" cy="411480"/>
+        <p:spPr bwMode="auto">
+          <a:xfrm>
+            <a:off x="12839214" y="7749539"/>
+            <a:ext cx="1722604" cy="411480"/>
           </a:xfrm>
           <a:prstGeom prst="rect">
             <a:avLst/>
@@ -1359,23 +1442,11 @@
   <p:clrMapOvr>
     <a:masterClrMapping/>
   </p:clrMapOvr>
-  <mc:AlternateContent xmlns:mc="http://schemas.openxmlformats.org/markup-compatibility/2006" xmlns:p14="http://schemas.microsoft.com/office/powerpoint/2010/main">
-    <mc:Choice Requires="p14">
-      <p:transition spd="med" p14:dur="700">
-        <p:fade/>
-      </p:transition>
-    </mc:Choice>
-    <mc:Fallback xmlns="">
-      <p:transition spd="med">
-        <p:fade/>
-      </p:transition>
-    </mc:Fallback>
-  </mc:AlternateContent>
 </p:sldLayout>
 </file>
 
 <file path=ppt/slideLayouts/slideLayout3.xml><?xml version="1.0" encoding="utf-8"?>
-<p:sldLayout xmlns:a="http://schemas.openxmlformats.org/drawingml/2006/main" xmlns:r="http://schemas.openxmlformats.org/officeDocument/2006/relationships" xmlns:p="http://schemas.openxmlformats.org/presentationml/2006/main" preserve="1">
+<p:sldLayout xmlns:a="http://schemas.openxmlformats.org/drawingml/2006/main" xmlns:r="http://schemas.openxmlformats.org/officeDocument/2006/relationships" xmlns:p="http://schemas.openxmlformats.org/presentationml/2006/main" xmlns:m="http://schemas.openxmlformats.org/officeDocument/2006/math" xmlns:w="http://schemas.openxmlformats.org/wordprocessingml/2006/main" matchingName="" preserve="1" showMasterPhAnim="0" showMasterSp="1" userDrawn="1">
   <p:cSld name="Slide 2 master">
     <p:spTree>
       <p:nvGrpSpPr>
@@ -1383,7 +1454,7 @@
         <p:cNvGrpSpPr/>
         <p:nvPr/>
       </p:nvGrpSpPr>
-      <p:grpSpPr>
+      <p:grpSpPr bwMode="auto">
         <a:xfrm>
           <a:off x="0" y="0"/>
           <a:ext cx="0" cy="0"/>
@@ -1397,7 +1468,7 @@
           <p:cNvSpPr/>
           <p:nvPr/>
         </p:nvSpPr>
-        <p:spPr>
+        <p:spPr bwMode="auto">
           <a:xfrm>
             <a:off x="0" y="0"/>
             <a:ext cx="14630400" cy="8229600"/>
@@ -1417,7 +1488,7 @@
           <p:cNvSpPr/>
           <p:nvPr/>
         </p:nvSpPr>
-        <p:spPr>
+        <p:spPr bwMode="auto">
           <a:xfrm>
             <a:off x="0" y="0"/>
             <a:ext cx="14630400" cy="8229600"/>
@@ -1445,14 +1516,12 @@
         </p:nvPicPr>
         <p:blipFill>
           <a:blip r:embed="rId3"/>
-          <a:stretch>
-            <a:fillRect/>
-          </a:stretch>
+          <a:stretch/>
         </p:blipFill>
-        <p:spPr>
-          <a:xfrm>
-            <a:off x="12839215" y="7749540"/>
-            <a:ext cx="1722605" cy="411480"/>
+        <p:spPr bwMode="auto">
+          <a:xfrm>
+            <a:off x="12839214" y="7749539"/>
+            <a:ext cx="1722604" cy="411480"/>
           </a:xfrm>
           <a:prstGeom prst="rect">
             <a:avLst/>
@@ -1464,23 +1533,11 @@
   <p:clrMapOvr>
     <a:masterClrMapping/>
   </p:clrMapOvr>
-  <mc:AlternateContent xmlns:mc="http://schemas.openxmlformats.org/markup-compatibility/2006" xmlns:p14="http://schemas.microsoft.com/office/powerpoint/2010/main">
-    <mc:Choice Requires="p14">
-      <p:transition spd="med" p14:dur="700">
-        <p:fade/>
-      </p:transition>
-    </mc:Choice>
-    <mc:Fallback xmlns="">
-      <p:transition spd="med">
-        <p:fade/>
-      </p:transition>
-    </mc:Fallback>
-  </mc:AlternateContent>
 </p:sldLayout>
 </file>
 
 <file path=ppt/slideLayouts/slideLayout4.xml><?xml version="1.0" encoding="utf-8"?>
-<p:sldLayout xmlns:a="http://schemas.openxmlformats.org/drawingml/2006/main" xmlns:r="http://schemas.openxmlformats.org/officeDocument/2006/relationships" xmlns:p="http://schemas.openxmlformats.org/presentationml/2006/main" preserve="1">
+<p:sldLayout xmlns:a="http://schemas.openxmlformats.org/drawingml/2006/main" xmlns:r="http://schemas.openxmlformats.org/officeDocument/2006/relationships" xmlns:p="http://schemas.openxmlformats.org/presentationml/2006/main" xmlns:m="http://schemas.openxmlformats.org/officeDocument/2006/math" xmlns:w="http://schemas.openxmlformats.org/wordprocessingml/2006/main" matchingName="" preserve="1" showMasterPhAnim="0" showMasterSp="1" userDrawn="1">
   <p:cSld name="Slide 3 master">
     <p:spTree>
       <p:nvGrpSpPr>
@@ -1488,7 +1545,7 @@
         <p:cNvGrpSpPr/>
         <p:nvPr/>
       </p:nvGrpSpPr>
-      <p:grpSpPr>
+      <p:grpSpPr bwMode="auto">
         <a:xfrm>
           <a:off x="0" y="0"/>
           <a:ext cx="0" cy="0"/>
@@ -1502,7 +1559,7 @@
           <p:cNvSpPr/>
           <p:nvPr/>
         </p:nvSpPr>
-        <p:spPr>
+        <p:spPr bwMode="auto">
           <a:xfrm>
             <a:off x="0" y="0"/>
             <a:ext cx="14630400" cy="8229600"/>
@@ -1522,7 +1579,7 @@
           <p:cNvSpPr/>
           <p:nvPr/>
         </p:nvSpPr>
-        <p:spPr>
+        <p:spPr bwMode="auto">
           <a:xfrm>
             <a:off x="0" y="0"/>
             <a:ext cx="14630400" cy="8229600"/>
@@ -1550,14 +1607,12 @@
         </p:nvPicPr>
         <p:blipFill>
           <a:blip r:embed="rId3"/>
-          <a:stretch>
-            <a:fillRect/>
-          </a:stretch>
+          <a:stretch/>
         </p:blipFill>
-        <p:spPr>
-          <a:xfrm>
-            <a:off x="12839215" y="7749540"/>
-            <a:ext cx="1722605" cy="411480"/>
+        <p:spPr bwMode="auto">
+          <a:xfrm>
+            <a:off x="12839214" y="7749539"/>
+            <a:ext cx="1722604" cy="411480"/>
           </a:xfrm>
           <a:prstGeom prst="rect">
             <a:avLst/>
@@ -1569,23 +1624,11 @@
   <p:clrMapOvr>
     <a:masterClrMapping/>
   </p:clrMapOvr>
-  <mc:AlternateContent xmlns:mc="http://schemas.openxmlformats.org/markup-compatibility/2006" xmlns:p14="http://schemas.microsoft.com/office/powerpoint/2010/main">
-    <mc:Choice Requires="p14">
-      <p:transition spd="med" p14:dur="700">
-        <p:fade/>
-      </p:transition>
-    </mc:Choice>
-    <mc:Fallback xmlns="">
-      <p:transition spd="med">
-        <p:fade/>
-      </p:transition>
-    </mc:Fallback>
-  </mc:AlternateContent>
 </p:sldLayout>
 </file>
 
 <file path=ppt/slideLayouts/slideLayout5.xml><?xml version="1.0" encoding="utf-8"?>
-<p:sldLayout xmlns:a="http://schemas.openxmlformats.org/drawingml/2006/main" xmlns:r="http://schemas.openxmlformats.org/officeDocument/2006/relationships" xmlns:p="http://schemas.openxmlformats.org/presentationml/2006/main" preserve="1">
+<p:sldLayout xmlns:a="http://schemas.openxmlformats.org/drawingml/2006/main" xmlns:r="http://schemas.openxmlformats.org/officeDocument/2006/relationships" xmlns:p="http://schemas.openxmlformats.org/presentationml/2006/main" xmlns:m="http://schemas.openxmlformats.org/officeDocument/2006/math" xmlns:w="http://schemas.openxmlformats.org/wordprocessingml/2006/main" matchingName="" preserve="1" showMasterPhAnim="0" showMasterSp="1" userDrawn="1">
   <p:cSld name="Slide 4 master">
     <p:spTree>
       <p:nvGrpSpPr>
@@ -1593,7 +1636,7 @@
         <p:cNvGrpSpPr/>
         <p:nvPr/>
       </p:nvGrpSpPr>
-      <p:grpSpPr>
+      <p:grpSpPr bwMode="auto">
         <a:xfrm>
           <a:off x="0" y="0"/>
           <a:ext cx="0" cy="0"/>
@@ -1607,7 +1650,7 @@
           <p:cNvSpPr/>
           <p:nvPr/>
         </p:nvSpPr>
-        <p:spPr>
+        <p:spPr bwMode="auto">
           <a:xfrm>
             <a:off x="0" y="0"/>
             <a:ext cx="14630400" cy="8229600"/>
@@ -1627,7 +1670,7 @@
           <p:cNvSpPr/>
           <p:nvPr/>
         </p:nvSpPr>
-        <p:spPr>
+        <p:spPr bwMode="auto">
           <a:xfrm>
             <a:off x="0" y="0"/>
             <a:ext cx="14630400" cy="8229600"/>
@@ -1655,14 +1698,12 @@
         </p:nvPicPr>
         <p:blipFill>
           <a:blip r:embed="rId3"/>
-          <a:stretch>
-            <a:fillRect/>
-          </a:stretch>
+          <a:stretch/>
         </p:blipFill>
-        <p:spPr>
-          <a:xfrm>
-            <a:off x="12839215" y="7749540"/>
-            <a:ext cx="1722605" cy="411480"/>
+        <p:spPr bwMode="auto">
+          <a:xfrm>
+            <a:off x="12839214" y="7749539"/>
+            <a:ext cx="1722604" cy="411480"/>
           </a:xfrm>
           <a:prstGeom prst="rect">
             <a:avLst/>
@@ -1674,23 +1715,11 @@
   <p:clrMapOvr>
     <a:masterClrMapping/>
   </p:clrMapOvr>
-  <mc:AlternateContent xmlns:mc="http://schemas.openxmlformats.org/markup-compatibility/2006" xmlns:p14="http://schemas.microsoft.com/office/powerpoint/2010/main">
-    <mc:Choice Requires="p14">
-      <p:transition spd="med" p14:dur="700">
-        <p:fade/>
-      </p:transition>
-    </mc:Choice>
-    <mc:Fallback xmlns="">
-      <p:transition spd="med">
-        <p:fade/>
-      </p:transition>
-    </mc:Fallback>
-  </mc:AlternateContent>
 </p:sldLayout>
 </file>
 
 <file path=ppt/slideLayouts/slideLayout6.xml><?xml version="1.0" encoding="utf-8"?>
-<p:sldLayout xmlns:a="http://schemas.openxmlformats.org/drawingml/2006/main" xmlns:r="http://schemas.openxmlformats.org/officeDocument/2006/relationships" xmlns:p="http://schemas.openxmlformats.org/presentationml/2006/main" preserve="1">
+<p:sldLayout xmlns:a="http://schemas.openxmlformats.org/drawingml/2006/main" xmlns:r="http://schemas.openxmlformats.org/officeDocument/2006/relationships" xmlns:p="http://schemas.openxmlformats.org/presentationml/2006/main" xmlns:m="http://schemas.openxmlformats.org/officeDocument/2006/math" xmlns:w="http://schemas.openxmlformats.org/wordprocessingml/2006/main" matchingName="" preserve="1" showMasterPhAnim="0" showMasterSp="1" userDrawn="1">
   <p:cSld name="Slide 5 master">
     <p:spTree>
       <p:nvGrpSpPr>
@@ -1698,7 +1727,7 @@
         <p:cNvGrpSpPr/>
         <p:nvPr/>
       </p:nvGrpSpPr>
-      <p:grpSpPr>
+      <p:grpSpPr bwMode="auto">
         <a:xfrm>
           <a:off x="0" y="0"/>
           <a:ext cx="0" cy="0"/>
@@ -1712,7 +1741,7 @@
           <p:cNvSpPr/>
           <p:nvPr/>
         </p:nvSpPr>
-        <p:spPr>
+        <p:spPr bwMode="auto">
           <a:xfrm>
             <a:off x="0" y="0"/>
             <a:ext cx="14630400" cy="8229600"/>
@@ -1732,7 +1761,7 @@
           <p:cNvSpPr/>
           <p:nvPr/>
         </p:nvSpPr>
-        <p:spPr>
+        <p:spPr bwMode="auto">
           <a:xfrm>
             <a:off x="0" y="0"/>
             <a:ext cx="14630400" cy="8229600"/>
@@ -1760,14 +1789,12 @@
         </p:nvPicPr>
         <p:blipFill>
           <a:blip r:embed="rId3"/>
-          <a:stretch>
-            <a:fillRect/>
-          </a:stretch>
+          <a:stretch/>
         </p:blipFill>
-        <p:spPr>
-          <a:xfrm>
-            <a:off x="12839215" y="7749540"/>
-            <a:ext cx="1722605" cy="411480"/>
+        <p:spPr bwMode="auto">
+          <a:xfrm>
+            <a:off x="12839214" y="7749539"/>
+            <a:ext cx="1722604" cy="411480"/>
           </a:xfrm>
           <a:prstGeom prst="rect">
             <a:avLst/>
@@ -1779,23 +1806,11 @@
   <p:clrMapOvr>
     <a:masterClrMapping/>
   </p:clrMapOvr>
-  <mc:AlternateContent xmlns:mc="http://schemas.openxmlformats.org/markup-compatibility/2006" xmlns:p14="http://schemas.microsoft.com/office/powerpoint/2010/main">
-    <mc:Choice Requires="p14">
-      <p:transition spd="med" p14:dur="700">
-        <p:fade/>
-      </p:transition>
-    </mc:Choice>
-    <mc:Fallback xmlns="">
-      <p:transition spd="med">
-        <p:fade/>
-      </p:transition>
-    </mc:Fallback>
-  </mc:AlternateContent>
 </p:sldLayout>
 </file>
 
 <file path=ppt/slideLayouts/slideLayout7.xml><?xml version="1.0" encoding="utf-8"?>
-<p:sldLayout xmlns:a="http://schemas.openxmlformats.org/drawingml/2006/main" xmlns:r="http://schemas.openxmlformats.org/officeDocument/2006/relationships" xmlns:p="http://schemas.openxmlformats.org/presentationml/2006/main" preserve="1">
+<p:sldLayout xmlns:a="http://schemas.openxmlformats.org/drawingml/2006/main" xmlns:r="http://schemas.openxmlformats.org/officeDocument/2006/relationships" xmlns:p="http://schemas.openxmlformats.org/presentationml/2006/main" xmlns:m="http://schemas.openxmlformats.org/officeDocument/2006/math" xmlns:w="http://schemas.openxmlformats.org/wordprocessingml/2006/main" matchingName="" preserve="1" showMasterPhAnim="0" showMasterSp="1" userDrawn="1">
   <p:cSld name="Slide 6 master">
     <p:spTree>
       <p:nvGrpSpPr>
@@ -1803,7 +1818,7 @@
         <p:cNvGrpSpPr/>
         <p:nvPr/>
       </p:nvGrpSpPr>
-      <p:grpSpPr>
+      <p:grpSpPr bwMode="auto">
         <a:xfrm>
           <a:off x="0" y="0"/>
           <a:ext cx="0" cy="0"/>
@@ -1817,7 +1832,7 @@
           <p:cNvSpPr/>
           <p:nvPr/>
         </p:nvSpPr>
-        <p:spPr>
+        <p:spPr bwMode="auto">
           <a:xfrm>
             <a:off x="0" y="0"/>
             <a:ext cx="14630400" cy="8229600"/>
@@ -1837,7 +1852,7 @@
           <p:cNvSpPr/>
           <p:nvPr/>
         </p:nvSpPr>
-        <p:spPr>
+        <p:spPr bwMode="auto">
           <a:xfrm>
             <a:off x="0" y="0"/>
             <a:ext cx="14630400" cy="8229600"/>
@@ -1865,14 +1880,12 @@
         </p:nvPicPr>
         <p:blipFill>
           <a:blip r:embed="rId3"/>
-          <a:stretch>
-            <a:fillRect/>
-          </a:stretch>
+          <a:stretch/>
         </p:blipFill>
-        <p:spPr>
-          <a:xfrm>
-            <a:off x="12839215" y="7749540"/>
-            <a:ext cx="1722605" cy="411480"/>
+        <p:spPr bwMode="auto">
+          <a:xfrm>
+            <a:off x="12839214" y="7749539"/>
+            <a:ext cx="1722604" cy="411480"/>
           </a:xfrm>
           <a:prstGeom prst="rect">
             <a:avLst/>
@@ -1884,23 +1897,11 @@
   <p:clrMapOvr>
     <a:masterClrMapping/>
   </p:clrMapOvr>
-  <mc:AlternateContent xmlns:mc="http://schemas.openxmlformats.org/markup-compatibility/2006" xmlns:p14="http://schemas.microsoft.com/office/powerpoint/2010/main">
-    <mc:Choice Requires="p14">
-      <p:transition spd="med" p14:dur="700">
-        <p:fade/>
-      </p:transition>
-    </mc:Choice>
-    <mc:Fallback xmlns="">
-      <p:transition spd="med">
-        <p:fade/>
-      </p:transition>
-    </mc:Fallback>
-  </mc:AlternateContent>
 </p:sldLayout>
 </file>
 
 <file path=ppt/slideLayouts/slideLayout8.xml><?xml version="1.0" encoding="utf-8"?>
-<p:sldLayout xmlns:a="http://schemas.openxmlformats.org/drawingml/2006/main" xmlns:r="http://schemas.openxmlformats.org/officeDocument/2006/relationships" xmlns:p="http://schemas.openxmlformats.org/presentationml/2006/main" preserve="1">
+<p:sldLayout xmlns:a="http://schemas.openxmlformats.org/drawingml/2006/main" xmlns:r="http://schemas.openxmlformats.org/officeDocument/2006/relationships" xmlns:p="http://schemas.openxmlformats.org/presentationml/2006/main" xmlns:m="http://schemas.openxmlformats.org/officeDocument/2006/math" xmlns:w="http://schemas.openxmlformats.org/wordprocessingml/2006/main" matchingName="" preserve="1" showMasterPhAnim="0" showMasterSp="1" userDrawn="1">
   <p:cSld name="Slide 7 master">
     <p:spTree>
       <p:nvGrpSpPr>
@@ -1908,7 +1909,7 @@
         <p:cNvGrpSpPr/>
         <p:nvPr/>
       </p:nvGrpSpPr>
-      <p:grpSpPr>
+      <p:grpSpPr bwMode="auto">
         <a:xfrm>
           <a:off x="0" y="0"/>
           <a:ext cx="0" cy="0"/>
@@ -1922,7 +1923,7 @@
           <p:cNvSpPr/>
           <p:nvPr/>
         </p:nvSpPr>
-        <p:spPr>
+        <p:spPr bwMode="auto">
           <a:xfrm>
             <a:off x="0" y="0"/>
             <a:ext cx="14630400" cy="8229600"/>
@@ -1942,7 +1943,7 @@
           <p:cNvSpPr/>
           <p:nvPr/>
         </p:nvSpPr>
-        <p:spPr>
+        <p:spPr bwMode="auto">
           <a:xfrm>
             <a:off x="0" y="0"/>
             <a:ext cx="14630400" cy="8229600"/>
@@ -1970,14 +1971,12 @@
         </p:nvPicPr>
         <p:blipFill>
           <a:blip r:embed="rId3"/>
-          <a:stretch>
-            <a:fillRect/>
-          </a:stretch>
+          <a:stretch/>
         </p:blipFill>
-        <p:spPr>
-          <a:xfrm>
-            <a:off x="12839215" y="7749540"/>
-            <a:ext cx="1722605" cy="411480"/>
+        <p:spPr bwMode="auto">
+          <a:xfrm>
+            <a:off x="12839214" y="7749539"/>
+            <a:ext cx="1722604" cy="411480"/>
           </a:xfrm>
           <a:prstGeom prst="rect">
             <a:avLst/>
@@ -1989,23 +1988,11 @@
   <p:clrMapOvr>
     <a:masterClrMapping/>
   </p:clrMapOvr>
-  <mc:AlternateContent xmlns:mc="http://schemas.openxmlformats.org/markup-compatibility/2006" xmlns:p14="http://schemas.microsoft.com/office/powerpoint/2010/main">
-    <mc:Choice Requires="p14">
-      <p:transition spd="med" p14:dur="700">
-        <p:fade/>
-      </p:transition>
-    </mc:Choice>
-    <mc:Fallback xmlns="">
-      <p:transition spd="med">
-        <p:fade/>
-      </p:transition>
-    </mc:Fallback>
-  </mc:AlternateContent>
 </p:sldLayout>
 </file>
 
 <file path=ppt/slideLayouts/slideLayout9.xml><?xml version="1.0" encoding="utf-8"?>
-<p:sldLayout xmlns:a="http://schemas.openxmlformats.org/drawingml/2006/main" xmlns:r="http://schemas.openxmlformats.org/officeDocument/2006/relationships" xmlns:p="http://schemas.openxmlformats.org/presentationml/2006/main" preserve="1">
+<p:sldLayout xmlns:a="http://schemas.openxmlformats.org/drawingml/2006/main" xmlns:r="http://schemas.openxmlformats.org/officeDocument/2006/relationships" xmlns:p="http://schemas.openxmlformats.org/presentationml/2006/main" xmlns:m="http://schemas.openxmlformats.org/officeDocument/2006/math" xmlns:w="http://schemas.openxmlformats.org/wordprocessingml/2006/main" matchingName="" preserve="1" showMasterPhAnim="0" showMasterSp="1" userDrawn="1">
   <p:cSld name="Slide 8 master">
     <p:spTree>
       <p:nvGrpSpPr>
@@ -2013,7 +2000,7 @@
         <p:cNvGrpSpPr/>
         <p:nvPr/>
       </p:nvGrpSpPr>
-      <p:grpSpPr>
+      <p:grpSpPr bwMode="auto">
         <a:xfrm>
           <a:off x="0" y="0"/>
           <a:ext cx="0" cy="0"/>
@@ -2027,7 +2014,7 @@
           <p:cNvSpPr/>
           <p:nvPr/>
         </p:nvSpPr>
-        <p:spPr>
+        <p:spPr bwMode="auto">
           <a:xfrm>
             <a:off x="0" y="0"/>
             <a:ext cx="14630400" cy="8229600"/>
@@ -2047,7 +2034,7 @@
           <p:cNvSpPr/>
           <p:nvPr/>
         </p:nvSpPr>
-        <p:spPr>
+        <p:spPr bwMode="auto">
           <a:xfrm>
             <a:off x="0" y="0"/>
             <a:ext cx="14630400" cy="8229600"/>
@@ -2075,14 +2062,12 @@
         </p:nvPicPr>
         <p:blipFill>
           <a:blip r:embed="rId3"/>
-          <a:stretch>
-            <a:fillRect/>
-          </a:stretch>
+          <a:stretch/>
         </p:blipFill>
-        <p:spPr>
-          <a:xfrm>
-            <a:off x="12839215" y="7749540"/>
-            <a:ext cx="1722605" cy="411480"/>
+        <p:spPr bwMode="auto">
+          <a:xfrm>
+            <a:off x="12839214" y="7749539"/>
+            <a:ext cx="1722604" cy="411480"/>
           </a:xfrm>
           <a:prstGeom prst="rect">
             <a:avLst/>
@@ -2094,24 +2079,12 @@
   <p:clrMapOvr>
     <a:masterClrMapping/>
   </p:clrMapOvr>
-  <mc:AlternateContent xmlns:mc="http://schemas.openxmlformats.org/markup-compatibility/2006" xmlns:p14="http://schemas.microsoft.com/office/powerpoint/2010/main">
-    <mc:Choice Requires="p14">
-      <p:transition spd="med" p14:dur="700">
-        <p:fade/>
-      </p:transition>
-    </mc:Choice>
-    <mc:Fallback xmlns="">
-      <p:transition spd="med">
-        <p:fade/>
-      </p:transition>
-    </mc:Fallback>
-  </mc:AlternateContent>
 </p:sldLayout>
 </file>
 
 <file path=ppt/slideMasters/slideMaster1.xml><?xml version="1.0" encoding="utf-8"?>
-<p:sldMaster xmlns:a="http://schemas.openxmlformats.org/drawingml/2006/main" xmlns:r="http://schemas.openxmlformats.org/officeDocument/2006/relationships" xmlns:p="http://schemas.openxmlformats.org/presentationml/2006/main">
-  <p:cSld>
+<p:sldMaster xmlns:a="http://schemas.openxmlformats.org/drawingml/2006/main" xmlns:r="http://schemas.openxmlformats.org/officeDocument/2006/relationships" xmlns:p="http://schemas.openxmlformats.org/presentationml/2006/main" xmlns:m="http://schemas.openxmlformats.org/officeDocument/2006/math" xmlns:w="http://schemas.openxmlformats.org/wordprocessingml/2006/main" preserve="0">
+  <p:cSld name="">
     <p:bg>
       <p:bgRef idx="1001">
         <a:schemeClr val="bg1"/>
@@ -2123,7 +2096,7 @@
         <p:cNvGrpSpPr/>
         <p:nvPr/>
       </p:nvGrpSpPr>
-      <p:grpSpPr>
+      <p:grpSpPr bwMode="auto">
         <a:xfrm>
           <a:off x="0" y="0"/>
           <a:ext cx="0" cy="0"/>
@@ -2147,27 +2120,15 @@
     <p:sldLayoutId id="2147483658" r:id="rId10"/>
     <p:sldLayoutId id="2147483659" r:id="rId11"/>
   </p:sldLayoutIdLst>
-  <mc:AlternateContent xmlns:mc="http://schemas.openxmlformats.org/markup-compatibility/2006" xmlns:p14="http://schemas.microsoft.com/office/powerpoint/2010/main">
-    <mc:Choice Requires="p14">
-      <p:transition spd="med" p14:dur="700">
-        <p:fade/>
-      </p:transition>
-    </mc:Choice>
-    <mc:Fallback xmlns="">
-      <p:transition spd="med">
-        <p:fade/>
-      </p:transition>
-    </mc:Fallback>
-  </mc:AlternateContent>
-  <p:hf sldNum="0" hdr="0" ftr="0" dt="0"/>
+  <p:hf dt="0" ftr="0" hdr="0" sldNum="0"/>
   <p:txStyles>
     <p:titleStyle>
-      <a:lvl1pPr algn="ctr" defTabSz="914400" rtl="0" eaLnBrk="1" latinLnBrk="0" hangingPunct="1">
+      <a:lvl1pPr algn="ctr" defTabSz="914400">
         <a:spcBef>
-          <a:spcPct val="0"/>
+          <a:spcPts val="0"/>
         </a:spcBef>
         <a:buNone/>
-        <a:defRPr sz="4400" kern="1200">
+        <a:defRPr sz="4400">
           <a:solidFill>
             <a:schemeClr val="tx1"/>
           </a:solidFill>
@@ -2178,13 +2139,13 @@
       </a:lvl1pPr>
     </p:titleStyle>
     <p:bodyStyle>
-      <a:lvl1pPr marL="342900" indent="-342900" algn="l" defTabSz="914400" rtl="0" eaLnBrk="1" latinLnBrk="0" hangingPunct="1">
+      <a:lvl1pPr marL="342900" indent="-342900" algn="l" defTabSz="914400">
         <a:spcBef>
-          <a:spcPct val="20000"/>
+          <a:spcPts val="0"/>
         </a:spcBef>
-        <a:buFont typeface="Arial" pitchFamily="34" charset="0"/>
+        <a:buFont typeface="Arial"/>
         <a:buChar char="•"/>
-        <a:defRPr sz="3200" kern="1200">
+        <a:defRPr sz="3200">
           <a:solidFill>
             <a:schemeClr val="tx1"/>
           </a:solidFill>
@@ -2193,13 +2154,13 @@
           <a:cs typeface="+mn-cs"/>
         </a:defRPr>
       </a:lvl1pPr>
-      <a:lvl2pPr marL="742950" indent="-285750" algn="l" defTabSz="914400" rtl="0" eaLnBrk="1" latinLnBrk="0" hangingPunct="1">
+      <a:lvl2pPr marL="742950" indent="-285750" algn="l" defTabSz="914400">
         <a:spcBef>
-          <a:spcPct val="20000"/>
+          <a:spcPts val="0"/>
         </a:spcBef>
-        <a:buFont typeface="Arial" pitchFamily="34" charset="0"/>
+        <a:buFont typeface="Arial"/>
         <a:buChar char="–"/>
-        <a:defRPr sz="2800" kern="1200">
+        <a:defRPr sz="2800">
           <a:solidFill>
             <a:schemeClr val="tx1"/>
           </a:solidFill>
@@ -2208,13 +2169,13 @@
           <a:cs typeface="+mn-cs"/>
         </a:defRPr>
       </a:lvl2pPr>
-      <a:lvl3pPr marL="1143000" indent="-228600" algn="l" defTabSz="914400" rtl="0" eaLnBrk="1" latinLnBrk="0" hangingPunct="1">
+      <a:lvl3pPr marL="1143000" indent="-228600" algn="l" defTabSz="914400">
         <a:spcBef>
-          <a:spcPct val="20000"/>
+          <a:spcPts val="0"/>
         </a:spcBef>
-        <a:buFont typeface="Arial" pitchFamily="34" charset="0"/>
+        <a:buFont typeface="Arial"/>
         <a:buChar char="•"/>
-        <a:defRPr sz="2400" kern="1200">
+        <a:defRPr sz="2400">
           <a:solidFill>
             <a:schemeClr val="tx1"/>
           </a:solidFill>
@@ -2223,13 +2184,13 @@
           <a:cs typeface="+mn-cs"/>
         </a:defRPr>
       </a:lvl3pPr>
-      <a:lvl4pPr marL="1600200" indent="-228600" algn="l" defTabSz="914400" rtl="0" eaLnBrk="1" latinLnBrk="0" hangingPunct="1">
+      <a:lvl4pPr marL="1600200" indent="-228600" algn="l" defTabSz="914400">
         <a:spcBef>
-          <a:spcPct val="20000"/>
+          <a:spcPts val="0"/>
         </a:spcBef>
-        <a:buFont typeface="Arial" pitchFamily="34" charset="0"/>
+        <a:buFont typeface="Arial"/>
         <a:buChar char="–"/>
-        <a:defRPr sz="2000" kern="1200">
+        <a:defRPr sz="2000">
           <a:solidFill>
             <a:schemeClr val="tx1"/>
           </a:solidFill>
@@ -2238,13 +2199,13 @@
           <a:cs typeface="+mn-cs"/>
         </a:defRPr>
       </a:lvl4pPr>
-      <a:lvl5pPr marL="2057400" indent="-228600" algn="l" defTabSz="914400" rtl="0" eaLnBrk="1" latinLnBrk="0" hangingPunct="1">
+      <a:lvl5pPr marL="2057400" indent="-228600" algn="l" defTabSz="914400">
         <a:spcBef>
-          <a:spcPct val="20000"/>
+          <a:spcPts val="0"/>
         </a:spcBef>
-        <a:buFont typeface="Arial" pitchFamily="34" charset="0"/>
+        <a:buFont typeface="Arial"/>
         <a:buChar char="»"/>
-        <a:defRPr sz="2000" kern="1200">
+        <a:defRPr sz="2000">
           <a:solidFill>
             <a:schemeClr val="tx1"/>
           </a:solidFill>
@@ -2253,13 +2214,13 @@
           <a:cs typeface="+mn-cs"/>
         </a:defRPr>
       </a:lvl5pPr>
-      <a:lvl6pPr marL="2514600" indent="-228600" algn="l" defTabSz="914400" rtl="0" eaLnBrk="1" latinLnBrk="0" hangingPunct="1">
+      <a:lvl6pPr marL="2514600" indent="-228600" algn="l" defTabSz="914400">
         <a:spcBef>
-          <a:spcPct val="20000"/>
+          <a:spcPts val="0"/>
         </a:spcBef>
-        <a:buFont typeface="Arial" pitchFamily="34" charset="0"/>
+        <a:buFont typeface="Arial"/>
         <a:buChar char="•"/>
-        <a:defRPr sz="2000" kern="1200">
+        <a:defRPr sz="2000">
           <a:solidFill>
             <a:schemeClr val="tx1"/>
           </a:solidFill>
@@ -2268,13 +2229,13 @@
           <a:cs typeface="+mn-cs"/>
         </a:defRPr>
       </a:lvl6pPr>
-      <a:lvl7pPr marL="2971800" indent="-228600" algn="l" defTabSz="914400" rtl="0" eaLnBrk="1" latinLnBrk="0" hangingPunct="1">
+      <a:lvl7pPr marL="2971800" indent="-228600" algn="l" defTabSz="914400">
         <a:spcBef>
-          <a:spcPct val="20000"/>
+          <a:spcPts val="0"/>
         </a:spcBef>
-        <a:buFont typeface="Arial" pitchFamily="34" charset="0"/>
+        <a:buFont typeface="Arial"/>
         <a:buChar char="•"/>
-        <a:defRPr sz="2000" kern="1200">
+        <a:defRPr sz="2000">
           <a:solidFill>
             <a:schemeClr val="tx1"/>
           </a:solidFill>
@@ -2283,13 +2244,13 @@
           <a:cs typeface="+mn-cs"/>
         </a:defRPr>
       </a:lvl7pPr>
-      <a:lvl8pPr marL="3429000" indent="-228600" algn="l" defTabSz="914400" rtl="0" eaLnBrk="1" latinLnBrk="0" hangingPunct="1">
+      <a:lvl8pPr marL="3429000" indent="-228600" algn="l" defTabSz="914400">
         <a:spcBef>
-          <a:spcPct val="20000"/>
+          <a:spcPts val="0"/>
         </a:spcBef>
-        <a:buFont typeface="Arial" pitchFamily="34" charset="0"/>
+        <a:buFont typeface="Arial"/>
         <a:buChar char="•"/>
-        <a:defRPr sz="2000" kern="1200">
+        <a:defRPr sz="2000">
           <a:solidFill>
             <a:schemeClr val="tx1"/>
           </a:solidFill>
@@ -2298,13 +2259,13 @@
           <a:cs typeface="+mn-cs"/>
         </a:defRPr>
       </a:lvl8pPr>
-      <a:lvl9pPr marL="3886200" indent="-228600" algn="l" defTabSz="914400" rtl="0" eaLnBrk="1" latinLnBrk="0" hangingPunct="1">
+      <a:lvl9pPr marL="3886200" indent="-228600" algn="l" defTabSz="914400">
         <a:spcBef>
-          <a:spcPct val="20000"/>
+          <a:spcPts val="0"/>
         </a:spcBef>
-        <a:buFont typeface="Arial" pitchFamily="34" charset="0"/>
+        <a:buFont typeface="Arial"/>
         <a:buChar char="•"/>
-        <a:defRPr sz="2000" kern="1200">
+        <a:defRPr sz="2000">
           <a:solidFill>
             <a:schemeClr val="tx1"/>
           </a:solidFill>
@@ -2318,8 +2279,8 @@
       <a:defPPr>
         <a:defRPr lang="en-US"/>
       </a:defPPr>
-      <a:lvl1pPr marL="0" algn="l" defTabSz="914400" rtl="0" eaLnBrk="1" latinLnBrk="0" hangingPunct="1">
-        <a:defRPr sz="1800" kern="1200">
+      <a:lvl1pPr marL="0" algn="l" defTabSz="914400">
+        <a:defRPr sz="1800">
           <a:solidFill>
             <a:schemeClr val="tx1"/>
           </a:solidFill>
@@ -2328,8 +2289,8 @@
           <a:cs typeface="+mn-cs"/>
         </a:defRPr>
       </a:lvl1pPr>
-      <a:lvl2pPr marL="457200" algn="l" defTabSz="914400" rtl="0" eaLnBrk="1" latinLnBrk="0" hangingPunct="1">
-        <a:defRPr sz="1800" kern="1200">
+      <a:lvl2pPr marL="457200" algn="l" defTabSz="914400">
+        <a:defRPr sz="1800">
           <a:solidFill>
             <a:schemeClr val="tx1"/>
           </a:solidFill>
@@ -2338,8 +2299,8 @@
           <a:cs typeface="+mn-cs"/>
         </a:defRPr>
       </a:lvl2pPr>
-      <a:lvl3pPr marL="914400" algn="l" defTabSz="914400" rtl="0" eaLnBrk="1" latinLnBrk="0" hangingPunct="1">
-        <a:defRPr sz="1800" kern="1200">
+      <a:lvl3pPr marL="914400" algn="l" defTabSz="914400">
+        <a:defRPr sz="1800">
           <a:solidFill>
             <a:schemeClr val="tx1"/>
           </a:solidFill>
@@ -2348,8 +2309,8 @@
           <a:cs typeface="+mn-cs"/>
         </a:defRPr>
       </a:lvl3pPr>
-      <a:lvl4pPr marL="1371600" algn="l" defTabSz="914400" rtl="0" eaLnBrk="1" latinLnBrk="0" hangingPunct="1">
-        <a:defRPr sz="1800" kern="1200">
+      <a:lvl4pPr marL="1371600" algn="l" defTabSz="914400">
+        <a:defRPr sz="1800">
           <a:solidFill>
             <a:schemeClr val="tx1"/>
           </a:solidFill>
@@ -2358,8 +2319,8 @@
           <a:cs typeface="+mn-cs"/>
         </a:defRPr>
       </a:lvl4pPr>
-      <a:lvl5pPr marL="1828800" algn="l" defTabSz="914400" rtl="0" eaLnBrk="1" latinLnBrk="0" hangingPunct="1">
-        <a:defRPr sz="1800" kern="1200">
+      <a:lvl5pPr marL="1828800" algn="l" defTabSz="914400">
+        <a:defRPr sz="1800">
           <a:solidFill>
             <a:schemeClr val="tx1"/>
           </a:solidFill>
@@ -2368,8 +2329,8 @@
           <a:cs typeface="+mn-cs"/>
         </a:defRPr>
       </a:lvl5pPr>
-      <a:lvl6pPr marL="2286000" algn="l" defTabSz="914400" rtl="0" eaLnBrk="1" latinLnBrk="0" hangingPunct="1">
-        <a:defRPr sz="1800" kern="1200">
+      <a:lvl6pPr marL="2286000" algn="l" defTabSz="914400">
+        <a:defRPr sz="1800">
           <a:solidFill>
             <a:schemeClr val="tx1"/>
           </a:solidFill>
@@ -2378,8 +2339,8 @@
           <a:cs typeface="+mn-cs"/>
         </a:defRPr>
       </a:lvl6pPr>
-      <a:lvl7pPr marL="2743200" algn="l" defTabSz="914400" rtl="0" eaLnBrk="1" latinLnBrk="0" hangingPunct="1">
-        <a:defRPr sz="1800" kern="1200">
+      <a:lvl7pPr marL="2743200" algn="l" defTabSz="914400">
+        <a:defRPr sz="1800">
           <a:solidFill>
             <a:schemeClr val="tx1"/>
           </a:solidFill>
@@ -2388,8 +2349,8 @@
           <a:cs typeface="+mn-cs"/>
         </a:defRPr>
       </a:lvl7pPr>
-      <a:lvl8pPr marL="3200400" algn="l" defTabSz="914400" rtl="0" eaLnBrk="1" latinLnBrk="0" hangingPunct="1">
-        <a:defRPr sz="1800" kern="1200">
+      <a:lvl8pPr marL="3200400" algn="l" defTabSz="914400">
+        <a:defRPr sz="1800">
           <a:solidFill>
             <a:schemeClr val="tx1"/>
           </a:solidFill>
@@ -2398,8 +2359,8 @@
           <a:cs typeface="+mn-cs"/>
         </a:defRPr>
       </a:lvl8pPr>
-      <a:lvl9pPr marL="3657600" algn="l" defTabSz="914400" rtl="0" eaLnBrk="1" latinLnBrk="0" hangingPunct="1">
-        <a:defRPr sz="1800" kern="1200">
+      <a:lvl9pPr marL="3657600" algn="l" defTabSz="914400">
+        <a:defRPr sz="1800">
           <a:solidFill>
             <a:schemeClr val="tx1"/>
           </a:solidFill>
@@ -2414,7 +2375,7 @@
 </file>
 
 <file path=ppt/slides/slide1.xml><?xml version="1.0" encoding="utf-8"?>
-<p:sld xmlns:a="http://schemas.openxmlformats.org/drawingml/2006/main" xmlns:r="http://schemas.openxmlformats.org/officeDocument/2006/relationships" xmlns:p="http://schemas.openxmlformats.org/presentationml/2006/main">
+<p:sld xmlns:a="http://schemas.openxmlformats.org/drawingml/2006/main" xmlns:r="http://schemas.openxmlformats.org/officeDocument/2006/relationships" xmlns:p="http://schemas.openxmlformats.org/presentationml/2006/main" xmlns:m="http://schemas.openxmlformats.org/officeDocument/2006/math" xmlns:w="http://schemas.openxmlformats.org/wordprocessingml/2006/main" xmlns:mc="http://schemas.openxmlformats.org/markup-compatibility/2006" showMasterPhAnim="0" showMasterSp="1" show="1">
   <p:cSld name="Slide 1">
     <p:spTree>
       <p:nvGrpSpPr>
@@ -2422,7 +2383,7 @@
         <p:cNvGrpSpPr/>
         <p:nvPr/>
       </p:nvGrpSpPr>
-      <p:grpSpPr>
+      <p:grpSpPr bwMode="auto">
         <a:xfrm>
           <a:off x="0" y="0"/>
           <a:ext cx="0" cy="0"/>
@@ -2440,11 +2401,9 @@
         </p:nvPicPr>
         <p:blipFill>
           <a:blip r:embed="rId3"/>
-          <a:stretch>
-            <a:fillRect/>
-          </a:stretch>
+          <a:stretch/>
         </p:blipFill>
-        <p:spPr>
+        <p:spPr bwMode="auto">
           <a:xfrm>
             <a:off x="9144000" y="0"/>
             <a:ext cx="5486400" cy="8229600"/>
@@ -2460,7 +2419,7 @@
           <p:cNvSpPr/>
           <p:nvPr/>
         </p:nvSpPr>
-        <p:spPr>
+        <p:spPr bwMode="auto">
           <a:xfrm>
             <a:off x="793790" y="3051572"/>
             <a:ext cx="7556421" cy="2126337"/>
@@ -2480,19 +2439,20 @@
                 <a:spcPts val="5550"/>
               </a:lnSpc>
               <a:buNone/>
+              <a:defRPr/>
             </a:pPr>
             <a:r>
-              <a:rPr lang="en-US" sz="4450" dirty="0">
+              <a:rPr lang="en-US" sz="4450">
                 <a:solidFill>
                   <a:srgbClr val="1B1B27"/>
                 </a:solidFill>
-                <a:latin typeface="Raleway" pitchFamily="34" charset="0"/>
-                <a:ea typeface="Raleway" pitchFamily="34" charset="-122"/>
-                <a:cs typeface="Raleway" pitchFamily="34" charset="-120"/>
+                <a:latin typeface="Raleway"/>
+                <a:ea typeface="Raleway"/>
+                <a:cs typeface="Raleway"/>
               </a:rPr>
               <a:t>Gamma Shielding Material Analysis: A Comparative Study</a:t>
             </a:r>
-            <a:endParaRPr lang="en-US" sz="4450" dirty="0"/>
+            <a:endParaRPr lang="en-US" sz="4450"/>
           </a:p>
         </p:txBody>
       </p:sp>
@@ -2501,15 +2461,15 @@
   <p:clrMapOvr>
     <a:masterClrMapping/>
   </p:clrMapOvr>
-  <mc:AlternateContent xmlns:mc="http://schemas.openxmlformats.org/markup-compatibility/2006" xmlns:p14="http://schemas.microsoft.com/office/powerpoint/2010/main">
-    <mc:Choice Requires="p14">
-      <p:transition spd="med" p14:dur="700">
-        <p:fade/>
+  <mc:AlternateContent xmlns:mc="http://schemas.openxmlformats.org/markup-compatibility/2006">
+    <mc:Choice xmlns:p159="http://schemas.microsoft.com/office/powerpoint/2015/09/main" xmlns:p14="http://schemas.microsoft.com/office/powerpoint/2010/main" Requires="p159">
+      <p:transition spd="med" p14:dur="700" advClick="1">
+        <p:fade thruBlk="0"/>
       </p:transition>
     </mc:Choice>
-    <mc:Fallback xmlns="">
-      <p:transition spd="med">
-        <p:fade/>
+    <mc:Fallback>
+      <p:transition spd="med" advClick="1">
+        <p:fade thruBlk="0"/>
       </p:transition>
     </mc:Fallback>
   </mc:AlternateContent>
@@ -2517,15 +2477,15 @@
 </file>
 
 <file path=ppt/slides/slide10.xml><?xml version="1.0" encoding="utf-8"?>
-<p:sld xmlns:a="http://schemas.openxmlformats.org/drawingml/2006/main" xmlns:r="http://schemas.openxmlformats.org/officeDocument/2006/relationships" xmlns:p="http://schemas.openxmlformats.org/presentationml/2006/main">
-  <p:cSld>
+<p:sld xmlns:a="http://schemas.openxmlformats.org/drawingml/2006/main" xmlns:r="http://schemas.openxmlformats.org/officeDocument/2006/relationships" xmlns:p="http://schemas.openxmlformats.org/presentationml/2006/main" xmlns:m="http://schemas.openxmlformats.org/officeDocument/2006/math" xmlns:w="http://schemas.openxmlformats.org/wordprocessingml/2006/main" xmlns:mc="http://schemas.openxmlformats.org/markup-compatibility/2006" showMasterPhAnim="0" showMasterSp="1" show="1">
+  <p:cSld name="">
     <p:spTree>
       <p:nvGrpSpPr>
         <p:cNvPr id="1" name=""/>
         <p:cNvGrpSpPr/>
         <p:nvPr/>
       </p:nvGrpSpPr>
-      <p:grpSpPr>
+      <p:grpSpPr bwMode="auto">
         <a:xfrm>
           <a:off x="0" y="0"/>
           <a:ext cx="0" cy="0"/>
@@ -2534,24 +2494,19 @@
         </a:xfrm>
       </p:grpSpPr>
     </p:spTree>
-    <p:extLst>
-      <p:ext uri="{BB962C8B-B14F-4D97-AF65-F5344CB8AC3E}">
-        <p14:creationId xmlns:p14="http://schemas.microsoft.com/office/powerpoint/2010/main" val="583074857"/>
-      </p:ext>
-    </p:extLst>
   </p:cSld>
   <p:clrMapOvr>
     <a:masterClrMapping/>
   </p:clrMapOvr>
-  <mc:AlternateContent xmlns:mc="http://schemas.openxmlformats.org/markup-compatibility/2006" xmlns:p14="http://schemas.microsoft.com/office/powerpoint/2010/main">
-    <mc:Choice Requires="p14">
-      <p:transition spd="med" p14:dur="700">
-        <p:fade/>
+  <mc:AlternateContent xmlns:mc="http://schemas.openxmlformats.org/markup-compatibility/2006">
+    <mc:Choice xmlns:p159="http://schemas.microsoft.com/office/powerpoint/2015/09/main" xmlns:p14="http://schemas.microsoft.com/office/powerpoint/2010/main" Requires="p159">
+      <p:transition spd="med" p14:dur="700" advClick="1">
+        <p:fade thruBlk="0"/>
       </p:transition>
     </mc:Choice>
-    <mc:Fallback xmlns="">
-      <p:transition spd="med">
-        <p:fade/>
+    <mc:Fallback>
+      <p:transition spd="med" advClick="1">
+        <p:fade thruBlk="0"/>
       </p:transition>
     </mc:Fallback>
   </mc:AlternateContent>
@@ -2559,15 +2514,15 @@
 </file>
 
 <file path=ppt/slides/slide11.xml><?xml version="1.0" encoding="utf-8"?>
-<p:sld xmlns:a="http://schemas.openxmlformats.org/drawingml/2006/main" xmlns:r="http://schemas.openxmlformats.org/officeDocument/2006/relationships" xmlns:p="http://schemas.openxmlformats.org/presentationml/2006/main">
-  <p:cSld>
+<p:sld xmlns:a="http://schemas.openxmlformats.org/drawingml/2006/main" xmlns:r="http://schemas.openxmlformats.org/officeDocument/2006/relationships" xmlns:p="http://schemas.openxmlformats.org/presentationml/2006/main" xmlns:m="http://schemas.openxmlformats.org/officeDocument/2006/math" xmlns:w="http://schemas.openxmlformats.org/wordprocessingml/2006/main" xmlns:mc="http://schemas.openxmlformats.org/markup-compatibility/2006" showMasterPhAnim="0" showMasterSp="1" show="1">
+  <p:cSld name="">
     <p:spTree>
       <p:nvGrpSpPr>
         <p:cNvPr id="1" name=""/>
         <p:cNvGrpSpPr/>
         <p:nvPr/>
       </p:nvGrpSpPr>
-      <p:grpSpPr>
+      <p:grpSpPr bwMode="auto">
         <a:xfrm>
           <a:off x="0" y="0"/>
           <a:ext cx="0" cy="0"/>
@@ -2577,17 +2532,11 @@
       </p:grpSpPr>
       <p:sp>
         <p:nvSpPr>
-          <p:cNvPr id="5" name="TextBox 4">
-            <a:extLst>
-              <a:ext uri="{FF2B5EF4-FFF2-40B4-BE49-F238E27FC236}">
-                <a16:creationId xmlns:a16="http://schemas.microsoft.com/office/drawing/2014/main" id="{5C058509-1BC7-CF9B-E072-9BA0B04544D5}"/>
-              </a:ext>
-            </a:extLst>
-          </p:cNvPr>
+          <p:cNvPr id="5" name="TextBox 4"/>
           <p:cNvSpPr txBox="1"/>
           <p:nvPr/>
         </p:nvSpPr>
-        <p:spPr>
+        <p:spPr bwMode="auto">
           <a:xfrm>
             <a:off x="3210674" y="3422302"/>
             <a:ext cx="8209052" cy="1384995"/>
@@ -2603,49 +2552,46 @@
           </a:bodyPr>
           <a:lstStyle/>
           <a:p>
-            <a:pPr algn="ctr"/>
+            <a:pPr algn="ctr">
+              <a:defRPr/>
+            </a:pPr>
             <a:r>
-              <a:rPr lang="en-US" sz="6600" dirty="0">
+              <a:rPr lang="en-US" sz="6600">
                 <a:solidFill>
                   <a:srgbClr val="1B1B27"/>
                 </a:solidFill>
-                <a:latin typeface="Raleway" pitchFamily="34" charset="0"/>
-                <a:ea typeface="Raleway" pitchFamily="34" charset="-122"/>
-                <a:cs typeface="Raleway" pitchFamily="34" charset="-120"/>
+                <a:latin typeface="Raleway"/>
+                <a:ea typeface="Raleway"/>
+                <a:cs typeface="Raleway"/>
               </a:rPr>
               <a:t>Questions?</a:t>
             </a:r>
-            <a:endParaRPr lang="en-US" sz="6600" dirty="0"/>
-          </a:p>
-          <a:p>
-            <a:endParaRPr lang="en-US" dirty="0"/>
+            <a:endParaRPr lang="en-US" sz="6600"/>
+          </a:p>
+          <a:p>
+            <a:pPr>
+              <a:defRPr/>
+            </a:pPr>
+            <a:endParaRPr lang="en-US"/>
           </a:p>
         </p:txBody>
       </p:sp>
       <p:pic>
         <p:nvPicPr>
-          <p:cNvPr id="7" name="Picture 6">
-            <a:extLst>
-              <a:ext uri="{FF2B5EF4-FFF2-40B4-BE49-F238E27FC236}">
-                <a16:creationId xmlns:a16="http://schemas.microsoft.com/office/drawing/2014/main" id="{E2A01C0C-8026-95B0-A4F5-5CF2236D79FF}"/>
-              </a:ext>
-            </a:extLst>
-          </p:cNvPr>
+          <p:cNvPr id="7" name="Picture 6"/>
           <p:cNvPicPr>
             <a:picLocks noChangeAspect="1"/>
           </p:cNvPicPr>
           <p:nvPr/>
         </p:nvPicPr>
         <p:blipFill>
-          <a:blip r:embed="rId2"/>
-          <a:stretch>
-            <a:fillRect/>
-          </a:stretch>
+          <a:blip r:embed="rId3"/>
+          <a:stretch/>
         </p:blipFill>
-        <p:spPr>
+        <p:spPr bwMode="auto">
           <a:xfrm>
             <a:off x="10610289" y="5743228"/>
-            <a:ext cx="4020111" cy="2486372"/>
+            <a:ext cx="4020110" cy="2486372"/>
           </a:xfrm>
           <a:prstGeom prst="rect">
             <a:avLst/>
@@ -2653,24 +2599,19 @@
         </p:spPr>
       </p:pic>
     </p:spTree>
-    <p:extLst>
-      <p:ext uri="{BB962C8B-B14F-4D97-AF65-F5344CB8AC3E}">
-        <p14:creationId xmlns:p14="http://schemas.microsoft.com/office/powerpoint/2010/main" val="869494541"/>
-      </p:ext>
-    </p:extLst>
   </p:cSld>
   <p:clrMapOvr>
     <a:masterClrMapping/>
   </p:clrMapOvr>
-  <mc:AlternateContent xmlns:mc="http://schemas.openxmlformats.org/markup-compatibility/2006" xmlns:p14="http://schemas.microsoft.com/office/powerpoint/2010/main">
-    <mc:Choice Requires="p14">
-      <p:transition spd="med" p14:dur="700">
-        <p:fade/>
+  <mc:AlternateContent xmlns:mc="http://schemas.openxmlformats.org/markup-compatibility/2006">
+    <mc:Choice xmlns:p159="http://schemas.microsoft.com/office/powerpoint/2015/09/main" xmlns:p14="http://schemas.microsoft.com/office/powerpoint/2010/main" Requires="p159">
+      <p:transition spd="med" p14:dur="700" advClick="1">
+        <p:fade thruBlk="0"/>
       </p:transition>
     </mc:Choice>
-    <mc:Fallback xmlns="">
-      <p:transition spd="med">
-        <p:fade/>
+    <mc:Fallback>
+      <p:transition spd="med" advClick="1">
+        <p:fade thruBlk="0"/>
       </p:transition>
     </mc:Fallback>
   </mc:AlternateContent>
@@ -2678,7 +2619,7 @@
 </file>
 
 <file path=ppt/slides/slide2.xml><?xml version="1.0" encoding="utf-8"?>
-<p:sld xmlns:a="http://schemas.openxmlformats.org/drawingml/2006/main" xmlns:r="http://schemas.openxmlformats.org/officeDocument/2006/relationships" xmlns:p="http://schemas.openxmlformats.org/presentationml/2006/main">
+<p:sld xmlns:a="http://schemas.openxmlformats.org/drawingml/2006/main" xmlns:r="http://schemas.openxmlformats.org/officeDocument/2006/relationships" xmlns:p="http://schemas.openxmlformats.org/presentationml/2006/main" xmlns:m="http://schemas.openxmlformats.org/officeDocument/2006/math" xmlns:w="http://schemas.openxmlformats.org/wordprocessingml/2006/main" xmlns:mc="http://schemas.openxmlformats.org/markup-compatibility/2006" showMasterPhAnim="0" showMasterSp="1" show="1">
   <p:cSld name="Slide 2">
     <p:spTree>
       <p:nvGrpSpPr>
@@ -2686,7 +2627,7 @@
         <p:cNvGrpSpPr/>
         <p:nvPr/>
       </p:nvGrpSpPr>
-      <p:grpSpPr>
+      <p:grpSpPr bwMode="auto">
         <a:xfrm>
           <a:off x="0" y="0"/>
           <a:ext cx="0" cy="0"/>
@@ -2700,7 +2641,7 @@
           <p:cNvSpPr/>
           <p:nvPr/>
         </p:nvSpPr>
-        <p:spPr>
+        <p:spPr bwMode="auto">
           <a:xfrm>
             <a:off x="793790" y="2381250"/>
             <a:ext cx="6948368" cy="708779"/>
@@ -2720,19 +2661,20 @@
                 <a:spcPts val="5550"/>
               </a:lnSpc>
               <a:buNone/>
+              <a:defRPr/>
             </a:pPr>
             <a:r>
-              <a:rPr lang="en-US" sz="4450" dirty="0">
+              <a:rPr lang="en-US" sz="4450">
                 <a:solidFill>
                   <a:srgbClr val="1B1B27"/>
                 </a:solidFill>
-                <a:latin typeface="Raleway" pitchFamily="34" charset="0"/>
-                <a:ea typeface="Raleway" pitchFamily="34" charset="-122"/>
-                <a:cs typeface="Raleway" pitchFamily="34" charset="-120"/>
+                <a:latin typeface="Raleway"/>
+                <a:ea typeface="Raleway"/>
+                <a:cs typeface="Raleway"/>
               </a:rPr>
               <a:t>Objective and Background</a:t>
             </a:r>
-            <a:endParaRPr lang="en-US" sz="4450" dirty="0"/>
+            <a:endParaRPr lang="en-US" sz="4450"/>
           </a:p>
         </p:txBody>
       </p:sp>
@@ -2742,7 +2684,7 @@
           <p:cNvSpPr/>
           <p:nvPr/>
         </p:nvSpPr>
-        <p:spPr>
+        <p:spPr bwMode="auto">
           <a:xfrm>
             <a:off x="793790" y="3657005"/>
             <a:ext cx="2835235" cy="354330"/>
@@ -2762,19 +2704,20 @@
                 <a:spcPts val="2750"/>
               </a:lnSpc>
               <a:buNone/>
+              <a:defRPr/>
             </a:pPr>
             <a:r>
-              <a:rPr lang="en-US" sz="2200" b="1" dirty="0">
+              <a:rPr lang="en-US" sz="2200" b="1">
                 <a:solidFill>
                   <a:srgbClr val="1B1B27"/>
                 </a:solidFill>
-                <a:latin typeface="Raleway" pitchFamily="34" charset="0"/>
-                <a:ea typeface="Raleway" pitchFamily="34" charset="-122"/>
-                <a:cs typeface="Raleway" pitchFamily="34" charset="-120"/>
+                <a:latin typeface="Raleway"/>
+                <a:ea typeface="Raleway"/>
+                <a:cs typeface="Raleway"/>
               </a:rPr>
               <a:t>Objective</a:t>
             </a:r>
-            <a:endParaRPr lang="en-US" sz="2200" dirty="0"/>
+            <a:endParaRPr lang="en-US" sz="2200"/>
           </a:p>
         </p:txBody>
       </p:sp>
@@ -2784,7 +2727,7 @@
           <p:cNvSpPr/>
           <p:nvPr/>
         </p:nvSpPr>
-        <p:spPr>
+        <p:spPr bwMode="auto">
           <a:xfrm>
             <a:off x="793790" y="4238149"/>
             <a:ext cx="6244709" cy="725805"/>
@@ -2805,19 +2748,20 @@
               </a:lnSpc>
               <a:buSzPct val="100000"/>
               <a:buChar char="•"/>
+              <a:defRPr/>
             </a:pPr>
             <a:r>
-              <a:rPr lang="en-US" sz="1750" dirty="0">
+              <a:rPr lang="en-US" sz="1750">
                 <a:solidFill>
                   <a:srgbClr val="3C3939"/>
                 </a:solidFill>
-                <a:latin typeface="Roboto" pitchFamily="34" charset="0"/>
-                <a:ea typeface="Roboto" pitchFamily="34" charset="-122"/>
-                <a:cs typeface="Roboto" pitchFamily="34" charset="-120"/>
+                <a:latin typeface="Roboto"/>
+                <a:ea typeface="Roboto"/>
+                <a:cs typeface="Roboto"/>
               </a:rPr>
               <a:t>Compare gamma shielding properties of Lead, HY80, and 30MnB5.</a:t>
             </a:r>
-            <a:endParaRPr lang="en-US" sz="1750" dirty="0"/>
+            <a:endParaRPr lang="en-US" sz="1750"/>
           </a:p>
         </p:txBody>
       </p:sp>
@@ -2827,7 +2771,7 @@
           <p:cNvSpPr/>
           <p:nvPr/>
         </p:nvSpPr>
-        <p:spPr>
+        <p:spPr bwMode="auto">
           <a:xfrm>
             <a:off x="793790" y="5043249"/>
             <a:ext cx="6244709" cy="725805"/>
@@ -2848,19 +2792,20 @@
               </a:lnSpc>
               <a:buSzPct val="100000"/>
               <a:buChar char="•"/>
+              <a:defRPr/>
             </a:pPr>
             <a:r>
-              <a:rPr lang="en-US" sz="1750" dirty="0">
+              <a:rPr lang="en-US" sz="1750">
                 <a:solidFill>
                   <a:srgbClr val="3C3939"/>
                 </a:solidFill>
-                <a:latin typeface="Roboto" pitchFamily="34" charset="0"/>
-                <a:ea typeface="Roboto" pitchFamily="34" charset="-122"/>
-                <a:cs typeface="Roboto" pitchFamily="34" charset="-120"/>
+                <a:latin typeface="Roboto"/>
+                <a:ea typeface="Roboto"/>
+                <a:cs typeface="Roboto"/>
               </a:rPr>
               <a:t>Identify the best material or hybrid design for nuclear submarine shielding.</a:t>
             </a:r>
-            <a:endParaRPr lang="en-US" sz="1750" dirty="0"/>
+            <a:endParaRPr lang="en-US" sz="1750"/>
           </a:p>
         </p:txBody>
       </p:sp>
@@ -2870,7 +2815,7 @@
           <p:cNvSpPr/>
           <p:nvPr/>
         </p:nvSpPr>
-        <p:spPr>
+        <p:spPr bwMode="auto">
           <a:xfrm>
             <a:off x="7599521" y="3657005"/>
             <a:ext cx="2835235" cy="354330"/>
@@ -2890,19 +2835,20 @@
                 <a:spcPts val="2750"/>
               </a:lnSpc>
               <a:buNone/>
+              <a:defRPr/>
             </a:pPr>
             <a:r>
-              <a:rPr lang="en-US" sz="2200" b="1" dirty="0">
+              <a:rPr lang="en-US" sz="2200" b="1">
                 <a:solidFill>
                   <a:srgbClr val="1B1B27"/>
                 </a:solidFill>
-                <a:latin typeface="Raleway" pitchFamily="34" charset="0"/>
-                <a:ea typeface="Raleway" pitchFamily="34" charset="-122"/>
-                <a:cs typeface="Raleway" pitchFamily="34" charset="-120"/>
+                <a:latin typeface="Raleway"/>
+                <a:ea typeface="Raleway"/>
+                <a:cs typeface="Raleway"/>
               </a:rPr>
               <a:t>Background</a:t>
             </a:r>
-            <a:endParaRPr lang="en-US" sz="2200" dirty="0"/>
+            <a:endParaRPr lang="en-US" sz="2200"/>
           </a:p>
         </p:txBody>
       </p:sp>
@@ -2912,7 +2858,7 @@
           <p:cNvSpPr/>
           <p:nvPr/>
         </p:nvSpPr>
-        <p:spPr>
+        <p:spPr bwMode="auto">
           <a:xfrm>
             <a:off x="7599521" y="4238149"/>
             <a:ext cx="6244709" cy="725805"/>
@@ -2933,19 +2879,20 @@
               </a:lnSpc>
               <a:buSzPct val="100000"/>
               <a:buChar char="•"/>
+              <a:defRPr/>
             </a:pPr>
             <a:r>
-              <a:rPr lang="en-US" sz="1750" dirty="0">
+              <a:rPr lang="en-US" sz="1750">
                 <a:solidFill>
                   <a:srgbClr val="3C3939"/>
                 </a:solidFill>
-                <a:latin typeface="Roboto" pitchFamily="34" charset="0"/>
-                <a:ea typeface="Roboto" pitchFamily="34" charset="-122"/>
-                <a:cs typeface="Roboto" pitchFamily="34" charset="-120"/>
+                <a:latin typeface="Roboto"/>
+                <a:ea typeface="Roboto"/>
+                <a:cs typeface="Roboto"/>
               </a:rPr>
               <a:t>Submarines require lightweight yet effective gamma radiation shielding.</a:t>
             </a:r>
-            <a:endParaRPr lang="en-US" sz="1750" dirty="0"/>
+            <a:endParaRPr lang="en-US" sz="1750"/>
           </a:p>
         </p:txBody>
       </p:sp>
@@ -2955,7 +2902,7 @@
           <p:cNvSpPr/>
           <p:nvPr/>
         </p:nvSpPr>
-        <p:spPr>
+        <p:spPr bwMode="auto">
           <a:xfrm>
             <a:off x="7599521" y="5043249"/>
             <a:ext cx="6244709" cy="725805"/>
@@ -2976,31 +2923,26 @@
               </a:lnSpc>
               <a:buSzPct val="100000"/>
               <a:buChar char="•"/>
+              <a:defRPr/>
             </a:pPr>
             <a:r>
-              <a:rPr lang="en-US" sz="1750" dirty="0">
+              <a:rPr lang="en-US" sz="1750">
                 <a:solidFill>
                   <a:srgbClr val="3C3939"/>
                 </a:solidFill>
-                <a:latin typeface="Roboto" pitchFamily="34" charset="0"/>
-                <a:ea typeface="Roboto" pitchFamily="34" charset="-122"/>
-                <a:cs typeface="Roboto" pitchFamily="34" charset="-120"/>
+                <a:latin typeface="Roboto"/>
+                <a:ea typeface="Roboto"/>
+                <a:cs typeface="Roboto"/>
               </a:rPr>
               <a:t>Cesium-137 (Eγ=0.662 MeV) is used as the gamma source.</a:t>
             </a:r>
-            <a:endParaRPr lang="en-US" sz="1750" dirty="0"/>
+            <a:endParaRPr lang="en-US" sz="1750"/>
           </a:p>
         </p:txBody>
       </p:sp>
       <p:pic>
         <p:nvPicPr>
-          <p:cNvPr id="10" name="Picture 9">
-            <a:extLst>
-              <a:ext uri="{FF2B5EF4-FFF2-40B4-BE49-F238E27FC236}">
-                <a16:creationId xmlns:a16="http://schemas.microsoft.com/office/drawing/2014/main" id="{199A9BBF-B995-4E9D-41CC-5EDD5FDDD635}"/>
-              </a:ext>
-            </a:extLst>
-          </p:cNvPr>
+          <p:cNvPr id="10" name="Picture 9"/>
           <p:cNvPicPr>
             <a:picLocks noChangeAspect="1"/>
           </p:cNvPicPr>
@@ -3008,11 +2950,9 @@
         </p:nvPicPr>
         <p:blipFill>
           <a:blip r:embed="rId3"/>
-          <a:stretch>
-            <a:fillRect/>
-          </a:stretch>
+          <a:stretch/>
         </p:blipFill>
-        <p:spPr>
+        <p:spPr bwMode="auto">
           <a:xfrm>
             <a:off x="11686764" y="7528317"/>
             <a:ext cx="2943636" cy="695422"/>
@@ -3027,15 +2967,15 @@
   <p:clrMapOvr>
     <a:masterClrMapping/>
   </p:clrMapOvr>
-  <mc:AlternateContent xmlns:mc="http://schemas.openxmlformats.org/markup-compatibility/2006" xmlns:p14="http://schemas.microsoft.com/office/powerpoint/2010/main">
-    <mc:Choice Requires="p14">
-      <p:transition spd="med" p14:dur="700">
-        <p:fade/>
+  <mc:AlternateContent xmlns:mc="http://schemas.openxmlformats.org/markup-compatibility/2006">
+    <mc:Choice xmlns:p159="http://schemas.microsoft.com/office/powerpoint/2015/09/main" xmlns:p14="http://schemas.microsoft.com/office/powerpoint/2010/main" Requires="p159">
+      <p:transition spd="med" p14:dur="700" advClick="1">
+        <p:fade thruBlk="0"/>
       </p:transition>
     </mc:Choice>
-    <mc:Fallback xmlns="">
-      <p:transition spd="med">
-        <p:fade/>
+    <mc:Fallback>
+      <p:transition spd="med" advClick="1">
+        <p:fade thruBlk="0"/>
       </p:transition>
     </mc:Fallback>
   </mc:AlternateContent>
@@ -3043,7 +2983,7 @@
 </file>
 
 <file path=ppt/slides/slide3.xml><?xml version="1.0" encoding="utf-8"?>
-<p:sld xmlns:a="http://schemas.openxmlformats.org/drawingml/2006/main" xmlns:r="http://schemas.openxmlformats.org/officeDocument/2006/relationships" xmlns:p="http://schemas.openxmlformats.org/presentationml/2006/main">
+<p:sld xmlns:a="http://schemas.openxmlformats.org/drawingml/2006/main" xmlns:r="http://schemas.openxmlformats.org/officeDocument/2006/relationships" xmlns:p="http://schemas.openxmlformats.org/presentationml/2006/main" xmlns:m="http://schemas.openxmlformats.org/officeDocument/2006/math" xmlns:w="http://schemas.openxmlformats.org/wordprocessingml/2006/main" xmlns:mc="http://schemas.openxmlformats.org/markup-compatibility/2006" showMasterPhAnim="0" showMasterSp="1" show="1">
   <p:cSld name="Slide 3">
     <p:spTree>
       <p:nvGrpSpPr>
@@ -3051,7 +2991,7 @@
         <p:cNvGrpSpPr/>
         <p:nvPr/>
       </p:nvGrpSpPr>
-      <p:grpSpPr>
+      <p:grpSpPr bwMode="auto">
         <a:xfrm>
           <a:off x="0" y="0"/>
           <a:ext cx="0" cy="0"/>
@@ -3069,11 +3009,9 @@
         </p:nvPicPr>
         <p:blipFill>
           <a:blip r:embed="rId3"/>
-          <a:stretch>
-            <a:fillRect/>
-          </a:stretch>
+          <a:stretch/>
         </p:blipFill>
-        <p:spPr>
+        <p:spPr bwMode="auto">
           <a:xfrm>
             <a:off x="0" y="0"/>
             <a:ext cx="5486400" cy="8229600"/>
@@ -3089,7 +3027,7 @@
           <p:cNvSpPr/>
           <p:nvPr/>
         </p:nvSpPr>
-        <p:spPr>
+        <p:spPr bwMode="auto">
           <a:xfrm>
             <a:off x="6280190" y="780693"/>
             <a:ext cx="5670590" cy="708779"/>
@@ -3109,19 +3047,20 @@
                 <a:spcPts val="5550"/>
               </a:lnSpc>
               <a:buNone/>
+              <a:defRPr/>
             </a:pPr>
             <a:r>
-              <a:rPr lang="en-US" sz="4450" dirty="0">
+              <a:rPr lang="en-US" sz="4450">
                 <a:solidFill>
                   <a:srgbClr val="1B1B27"/>
                 </a:solidFill>
-                <a:latin typeface="Raleway" pitchFamily="34" charset="0"/>
-                <a:ea typeface="Raleway" pitchFamily="34" charset="-122"/>
-                <a:cs typeface="Raleway" pitchFamily="34" charset="-120"/>
+                <a:latin typeface="Raleway"/>
+                <a:ea typeface="Raleway"/>
+                <a:cs typeface="Raleway"/>
               </a:rPr>
               <a:t>Experimental Setup</a:t>
             </a:r>
-            <a:endParaRPr lang="en-US" sz="4450" dirty="0"/>
+            <a:endParaRPr lang="en-US" sz="4450"/>
           </a:p>
         </p:txBody>
       </p:sp>
@@ -3131,7 +3070,7 @@
           <p:cNvSpPr/>
           <p:nvPr/>
         </p:nvSpPr>
-        <p:spPr>
+        <p:spPr bwMode="auto">
           <a:xfrm>
             <a:off x="6280190" y="2084784"/>
             <a:ext cx="510302" cy="510302"/>
@@ -3158,7 +3097,7 @@
           <p:cNvSpPr/>
           <p:nvPr/>
         </p:nvSpPr>
-        <p:spPr>
+        <p:spPr bwMode="auto">
           <a:xfrm>
             <a:off x="6462474" y="2169795"/>
             <a:ext cx="145613" cy="340281"/>
@@ -3178,19 +3117,20 @@
                 <a:spcPts val="2650"/>
               </a:lnSpc>
               <a:buNone/>
+              <a:defRPr/>
             </a:pPr>
             <a:r>
-              <a:rPr lang="en-US" sz="2650" dirty="0">
+              <a:rPr lang="en-US" sz="2650">
                 <a:solidFill>
                   <a:srgbClr val="3C3939"/>
                 </a:solidFill>
-                <a:latin typeface="Raleway" pitchFamily="34" charset="0"/>
-                <a:ea typeface="Raleway" pitchFamily="34" charset="-122"/>
-                <a:cs typeface="Raleway" pitchFamily="34" charset="-120"/>
+                <a:latin typeface="Raleway"/>
+                <a:ea typeface="Raleway"/>
+                <a:cs typeface="Raleway"/>
               </a:rPr>
               <a:t>1</a:t>
             </a:r>
-            <a:endParaRPr lang="en-US" sz="2650" dirty="0"/>
+            <a:endParaRPr lang="en-US" sz="2650"/>
           </a:p>
         </p:txBody>
       </p:sp>
@@ -3200,7 +3140,7 @@
           <p:cNvSpPr/>
           <p:nvPr/>
         </p:nvSpPr>
-        <p:spPr>
+        <p:spPr bwMode="auto">
           <a:xfrm>
             <a:off x="7017306" y="2084784"/>
             <a:ext cx="2835235" cy="354330"/>
@@ -3220,19 +3160,20 @@
                 <a:spcPts val="2750"/>
               </a:lnSpc>
               <a:buNone/>
+              <a:defRPr/>
             </a:pPr>
             <a:r>
-              <a:rPr lang="en-US" sz="2200" dirty="0">
+              <a:rPr lang="en-US" sz="2200">
                 <a:solidFill>
                   <a:srgbClr val="3C3939"/>
                 </a:solidFill>
-                <a:latin typeface="Raleway" pitchFamily="34" charset="0"/>
-                <a:ea typeface="Raleway" pitchFamily="34" charset="-122"/>
-                <a:cs typeface="Raleway" pitchFamily="34" charset="-120"/>
+                <a:latin typeface="Raleway"/>
+                <a:ea typeface="Raleway"/>
+                <a:cs typeface="Raleway"/>
               </a:rPr>
               <a:t>Gamma Source</a:t>
             </a:r>
-            <a:endParaRPr lang="en-US" sz="2200" dirty="0"/>
+            <a:endParaRPr lang="en-US" sz="2200"/>
           </a:p>
         </p:txBody>
       </p:sp>
@@ -3242,7 +3183,7 @@
           <p:cNvSpPr/>
           <p:nvPr/>
         </p:nvSpPr>
-        <p:spPr>
+        <p:spPr bwMode="auto">
           <a:xfrm>
             <a:off x="7017306" y="2575203"/>
             <a:ext cx="2927747" cy="725805"/>
@@ -3262,19 +3203,20 @@
                 <a:spcPts val="2850"/>
               </a:lnSpc>
               <a:buNone/>
+              <a:defRPr/>
             </a:pPr>
             <a:r>
-              <a:rPr lang="en-US" sz="1750" dirty="0">
+              <a:rPr lang="en-US" sz="1750">
                 <a:solidFill>
                   <a:srgbClr val="3C3939"/>
                 </a:solidFill>
-                <a:latin typeface="Roboto" pitchFamily="34" charset="0"/>
-                <a:ea typeface="Roboto" pitchFamily="34" charset="-122"/>
-                <a:cs typeface="Roboto" pitchFamily="34" charset="-120"/>
+                <a:latin typeface="Roboto"/>
+                <a:ea typeface="Roboto"/>
+                <a:cs typeface="Roboto"/>
               </a:rPr>
               <a:t>Cesium-137 (Eγ=0.662 MeV).</a:t>
             </a:r>
-            <a:endParaRPr lang="en-US" sz="1750" dirty="0"/>
+            <a:endParaRPr lang="en-US" sz="1750"/>
           </a:p>
         </p:txBody>
       </p:sp>
@@ -3284,7 +3226,7 @@
           <p:cNvSpPr/>
           <p:nvPr/>
         </p:nvSpPr>
-        <p:spPr>
+        <p:spPr bwMode="auto">
           <a:xfrm>
             <a:off x="10171867" y="2084784"/>
             <a:ext cx="510302" cy="510302"/>
@@ -3311,10 +3253,10 @@
           <p:cNvSpPr/>
           <p:nvPr/>
         </p:nvSpPr>
-        <p:spPr>
+        <p:spPr bwMode="auto">
           <a:xfrm>
             <a:off x="10338316" y="2169795"/>
-            <a:ext cx="177284" cy="340281"/>
+            <a:ext cx="177283" cy="340281"/>
           </a:xfrm>
           <a:prstGeom prst="rect">
             <a:avLst/>
@@ -3331,19 +3273,20 @@
                 <a:spcPts val="2650"/>
               </a:lnSpc>
               <a:buNone/>
+              <a:defRPr/>
             </a:pPr>
             <a:r>
-              <a:rPr lang="en-US" sz="2650" dirty="0">
+              <a:rPr lang="en-US" sz="2650">
                 <a:solidFill>
                   <a:srgbClr val="3C3939"/>
                 </a:solidFill>
-                <a:latin typeface="Raleway" pitchFamily="34" charset="0"/>
-                <a:ea typeface="Raleway" pitchFamily="34" charset="-122"/>
-                <a:cs typeface="Raleway" pitchFamily="34" charset="-120"/>
+                <a:latin typeface="Raleway"/>
+                <a:ea typeface="Raleway"/>
+                <a:cs typeface="Raleway"/>
               </a:rPr>
               <a:t>2</a:t>
             </a:r>
-            <a:endParaRPr lang="en-US" sz="2650" dirty="0"/>
+            <a:endParaRPr lang="en-US" sz="2650"/>
           </a:p>
         </p:txBody>
       </p:sp>
@@ -3353,9 +3296,9 @@
           <p:cNvSpPr/>
           <p:nvPr/>
         </p:nvSpPr>
-        <p:spPr>
-          <a:xfrm>
-            <a:off x="10908983" y="2084784"/>
+        <p:spPr bwMode="auto">
+          <a:xfrm>
+            <a:off x="10908982" y="2084784"/>
             <a:ext cx="2835235" cy="354330"/>
           </a:xfrm>
           <a:prstGeom prst="rect">
@@ -3373,19 +3316,20 @@
                 <a:spcPts val="2750"/>
               </a:lnSpc>
               <a:buNone/>
+              <a:defRPr/>
             </a:pPr>
             <a:r>
-              <a:rPr lang="en-US" sz="2200" dirty="0">
+              <a:rPr lang="en-US" sz="2200">
                 <a:solidFill>
                   <a:srgbClr val="3C3939"/>
                 </a:solidFill>
-                <a:latin typeface="Raleway" pitchFamily="34" charset="0"/>
-                <a:ea typeface="Raleway" pitchFamily="34" charset="-122"/>
-                <a:cs typeface="Raleway" pitchFamily="34" charset="-120"/>
+                <a:latin typeface="Raleway"/>
+                <a:ea typeface="Raleway"/>
+                <a:cs typeface="Raleway"/>
               </a:rPr>
               <a:t>Materials Tested</a:t>
             </a:r>
-            <a:endParaRPr lang="en-US" sz="2200" dirty="0"/>
+            <a:endParaRPr lang="en-US" sz="2200"/>
           </a:p>
         </p:txBody>
       </p:sp>
@@ -3395,9 +3339,9 @@
           <p:cNvSpPr/>
           <p:nvPr/>
         </p:nvSpPr>
-        <p:spPr>
-          <a:xfrm>
-            <a:off x="10908983" y="2575203"/>
+        <p:spPr bwMode="auto">
+          <a:xfrm>
+            <a:off x="10908982" y="2575203"/>
             <a:ext cx="2927747" cy="725805"/>
           </a:xfrm>
           <a:prstGeom prst="rect">
@@ -3415,19 +3359,20 @@
                 <a:spcPts val="2850"/>
               </a:lnSpc>
               <a:buNone/>
+              <a:defRPr/>
             </a:pPr>
             <a:r>
-              <a:rPr lang="en-US" sz="1750" dirty="0">
+              <a:rPr lang="en-US" sz="1750">
                 <a:solidFill>
                   <a:srgbClr val="3C3939"/>
                 </a:solidFill>
-                <a:latin typeface="Roboto" pitchFamily="34" charset="0"/>
-                <a:ea typeface="Roboto" pitchFamily="34" charset="-122"/>
-                <a:cs typeface="Roboto" pitchFamily="34" charset="-120"/>
+                <a:latin typeface="Roboto"/>
+                <a:ea typeface="Roboto"/>
+                <a:cs typeface="Roboto"/>
               </a:rPr>
               <a:t>Lead (Pb): High density (11.34 g/cm3).</a:t>
             </a:r>
-            <a:endParaRPr lang="en-US" sz="1750" dirty="0"/>
+            <a:endParaRPr lang="en-US" sz="1750"/>
           </a:p>
         </p:txBody>
       </p:sp>
@@ -3437,9 +3382,9 @@
           <p:cNvSpPr/>
           <p:nvPr/>
         </p:nvSpPr>
-        <p:spPr>
-          <a:xfrm>
-            <a:off x="10908983" y="3437096"/>
+        <p:spPr bwMode="auto">
+          <a:xfrm>
+            <a:off x="10908982" y="3437096"/>
             <a:ext cx="2927747" cy="725805"/>
           </a:xfrm>
           <a:prstGeom prst="rect">
@@ -3457,19 +3402,20 @@
                 <a:spcPts val="2850"/>
               </a:lnSpc>
               <a:buNone/>
+              <a:defRPr/>
             </a:pPr>
             <a:r>
-              <a:rPr lang="en-US" sz="1750" dirty="0">
+              <a:rPr lang="en-US" sz="1750">
                 <a:solidFill>
                   <a:srgbClr val="3C3939"/>
                 </a:solidFill>
-                <a:latin typeface="Roboto" pitchFamily="34" charset="0"/>
-                <a:ea typeface="Roboto" pitchFamily="34" charset="-122"/>
-                <a:cs typeface="Roboto" pitchFamily="34" charset="-120"/>
+                <a:latin typeface="Roboto"/>
+                <a:ea typeface="Roboto"/>
+                <a:cs typeface="Roboto"/>
               </a:rPr>
               <a:t>HY80 Steel: Medium density (7.87 g/cm3).</a:t>
             </a:r>
-            <a:endParaRPr lang="en-US" sz="1750" dirty="0"/>
+            <a:endParaRPr lang="en-US" sz="1750"/>
           </a:p>
         </p:txBody>
       </p:sp>
@@ -3479,9 +3425,9 @@
           <p:cNvSpPr/>
           <p:nvPr/>
         </p:nvSpPr>
-        <p:spPr>
-          <a:xfrm>
-            <a:off x="10908983" y="4298990"/>
+        <p:spPr bwMode="auto">
+          <a:xfrm>
+            <a:off x="10908982" y="4298990"/>
             <a:ext cx="2927747" cy="725805"/>
           </a:xfrm>
           <a:prstGeom prst="rect">
@@ -3499,19 +3445,20 @@
                 <a:spcPts val="2850"/>
               </a:lnSpc>
               <a:buNone/>
+              <a:defRPr/>
             </a:pPr>
             <a:r>
-              <a:rPr lang="en-US" sz="1750" dirty="0">
+              <a:rPr lang="en-US" sz="1750">
                 <a:solidFill>
                   <a:srgbClr val="3C3939"/>
                 </a:solidFill>
-                <a:latin typeface="Roboto" pitchFamily="34" charset="0"/>
-                <a:ea typeface="Roboto" pitchFamily="34" charset="-122"/>
-                <a:cs typeface="Roboto" pitchFamily="34" charset="-120"/>
+                <a:latin typeface="Roboto"/>
+                <a:ea typeface="Roboto"/>
+                <a:cs typeface="Roboto"/>
               </a:rPr>
               <a:t>30MnB5 Steel: Medium density (7.835 g/cm3).</a:t>
             </a:r>
-            <a:endParaRPr lang="en-US" sz="1750" dirty="0"/>
+            <a:endParaRPr lang="en-US" sz="1750"/>
           </a:p>
         </p:txBody>
       </p:sp>
@@ -3521,7 +3468,7 @@
           <p:cNvSpPr/>
           <p:nvPr/>
         </p:nvSpPr>
-        <p:spPr>
+        <p:spPr bwMode="auto">
           <a:xfrm>
             <a:off x="6280190" y="5506760"/>
             <a:ext cx="510302" cy="510302"/>
@@ -3548,7 +3495,7 @@
           <p:cNvSpPr/>
           <p:nvPr/>
         </p:nvSpPr>
-        <p:spPr>
+        <p:spPr bwMode="auto">
           <a:xfrm>
             <a:off x="6444496" y="5591770"/>
             <a:ext cx="181689" cy="340281"/>
@@ -3568,19 +3515,20 @@
                 <a:spcPts val="2650"/>
               </a:lnSpc>
               <a:buNone/>
+              <a:defRPr/>
             </a:pPr>
             <a:r>
-              <a:rPr lang="en-US" sz="2650" dirty="0">
+              <a:rPr lang="en-US" sz="2650">
                 <a:solidFill>
                   <a:srgbClr val="3C3939"/>
                 </a:solidFill>
-                <a:latin typeface="Raleway" pitchFamily="34" charset="0"/>
-                <a:ea typeface="Raleway" pitchFamily="34" charset="-122"/>
-                <a:cs typeface="Raleway" pitchFamily="34" charset="-120"/>
+                <a:latin typeface="Raleway"/>
+                <a:ea typeface="Raleway"/>
+                <a:cs typeface="Raleway"/>
               </a:rPr>
               <a:t>3</a:t>
             </a:r>
-            <a:endParaRPr lang="en-US" sz="2650" dirty="0"/>
+            <a:endParaRPr lang="en-US" sz="2650"/>
           </a:p>
         </p:txBody>
       </p:sp>
@@ -3590,7 +3538,7 @@
           <p:cNvSpPr/>
           <p:nvPr/>
         </p:nvSpPr>
-        <p:spPr>
+        <p:spPr bwMode="auto">
           <a:xfrm>
             <a:off x="7017306" y="5506760"/>
             <a:ext cx="2835235" cy="354330"/>
@@ -3610,19 +3558,20 @@
                 <a:spcPts val="2750"/>
               </a:lnSpc>
               <a:buNone/>
+              <a:defRPr/>
             </a:pPr>
             <a:r>
-              <a:rPr lang="en-US" sz="2200" dirty="0">
+              <a:rPr lang="en-US" sz="2200">
                 <a:solidFill>
                   <a:srgbClr val="3C3939"/>
                 </a:solidFill>
-                <a:latin typeface="Raleway" pitchFamily="34" charset="0"/>
-                <a:ea typeface="Raleway" pitchFamily="34" charset="-122"/>
-                <a:cs typeface="Raleway" pitchFamily="34" charset="-120"/>
+                <a:latin typeface="Raleway"/>
+                <a:ea typeface="Raleway"/>
+                <a:cs typeface="Raleway"/>
               </a:rPr>
               <a:t>Data Analyzed</a:t>
             </a:r>
-            <a:endParaRPr lang="en-US" sz="2200" dirty="0"/>
+            <a:endParaRPr lang="en-US" sz="2200"/>
           </a:p>
         </p:txBody>
       </p:sp>
@@ -3632,7 +3581,7 @@
           <p:cNvSpPr/>
           <p:nvPr/>
         </p:nvSpPr>
-        <p:spPr>
+        <p:spPr bwMode="auto">
           <a:xfrm>
             <a:off x="7017306" y="5997178"/>
             <a:ext cx="2927747" cy="1451610"/>
@@ -3652,19 +3601,20 @@
                 <a:spcPts val="2850"/>
               </a:lnSpc>
               <a:buNone/>
+              <a:defRPr/>
             </a:pPr>
             <a:r>
-              <a:rPr lang="en-US" sz="1750" dirty="0">
+              <a:rPr lang="en-US" sz="1750">
                 <a:solidFill>
                   <a:srgbClr val="3C3939"/>
                 </a:solidFill>
-                <a:latin typeface="Roboto" pitchFamily="34" charset="0"/>
-                <a:ea typeface="Roboto" pitchFamily="34" charset="-122"/>
-                <a:cs typeface="Roboto" pitchFamily="34" charset="-120"/>
+                <a:latin typeface="Roboto"/>
+                <a:ea typeface="Roboto"/>
+                <a:cs typeface="Roboto"/>
               </a:rPr>
               <a:t>Peak intensity, FWHM, and Compton edge for thicknesses from 0 cm to 25 cm.</a:t>
             </a:r>
-            <a:endParaRPr lang="en-US" sz="1750" dirty="0"/>
+            <a:endParaRPr lang="en-US" sz="1750"/>
           </a:p>
         </p:txBody>
       </p:sp>
@@ -3674,7 +3624,7 @@
           <p:cNvSpPr/>
           <p:nvPr/>
         </p:nvSpPr>
-        <p:spPr>
+        <p:spPr bwMode="auto">
           <a:xfrm>
             <a:off x="10171867" y="5506760"/>
             <a:ext cx="510302" cy="510302"/>
@@ -3701,7 +3651,7 @@
           <p:cNvSpPr/>
           <p:nvPr/>
         </p:nvSpPr>
-        <p:spPr>
+        <p:spPr bwMode="auto">
           <a:xfrm>
             <a:off x="10334149" y="5591770"/>
             <a:ext cx="185738" cy="340281"/>
@@ -3721,19 +3671,20 @@
                 <a:spcPts val="2650"/>
               </a:lnSpc>
               <a:buNone/>
+              <a:defRPr/>
             </a:pPr>
             <a:r>
-              <a:rPr lang="en-US" sz="2650" dirty="0">
+              <a:rPr lang="en-US" sz="2650">
                 <a:solidFill>
                   <a:srgbClr val="3C3939"/>
                 </a:solidFill>
-                <a:latin typeface="Raleway" pitchFamily="34" charset="0"/>
-                <a:ea typeface="Raleway" pitchFamily="34" charset="-122"/>
-                <a:cs typeface="Raleway" pitchFamily="34" charset="-120"/>
+                <a:latin typeface="Raleway"/>
+                <a:ea typeface="Raleway"/>
+                <a:cs typeface="Raleway"/>
               </a:rPr>
               <a:t>4</a:t>
             </a:r>
-            <a:endParaRPr lang="en-US" sz="2650" dirty="0"/>
+            <a:endParaRPr lang="en-US" sz="2650"/>
           </a:p>
         </p:txBody>
       </p:sp>
@@ -3743,9 +3694,9 @@
           <p:cNvSpPr/>
           <p:nvPr/>
         </p:nvSpPr>
-        <p:spPr>
-          <a:xfrm>
-            <a:off x="10908983" y="5506760"/>
+        <p:spPr bwMode="auto">
+          <a:xfrm>
+            <a:off x="10908982" y="5506760"/>
             <a:ext cx="2835235" cy="354330"/>
           </a:xfrm>
           <a:prstGeom prst="rect">
@@ -3763,19 +3714,20 @@
                 <a:spcPts val="2750"/>
               </a:lnSpc>
               <a:buNone/>
+              <a:defRPr/>
             </a:pPr>
             <a:r>
-              <a:rPr lang="en-US" sz="2200" dirty="0">
+              <a:rPr lang="en-US" sz="2200">
                 <a:solidFill>
                   <a:srgbClr val="3C3939"/>
                 </a:solidFill>
-                <a:latin typeface="Raleway" pitchFamily="34" charset="0"/>
-                <a:ea typeface="Raleway" pitchFamily="34" charset="-122"/>
-                <a:cs typeface="Raleway" pitchFamily="34" charset="-120"/>
+                <a:latin typeface="Raleway"/>
+                <a:ea typeface="Raleway"/>
+                <a:cs typeface="Raleway"/>
               </a:rPr>
               <a:t>Tools Used</a:t>
             </a:r>
-            <a:endParaRPr lang="en-US" sz="2200" dirty="0"/>
+            <a:endParaRPr lang="en-US" sz="2200"/>
           </a:p>
         </p:txBody>
       </p:sp>
@@ -3785,9 +3737,9 @@
           <p:cNvSpPr/>
           <p:nvPr/>
         </p:nvSpPr>
-        <p:spPr>
-          <a:xfrm>
-            <a:off x="10908983" y="5997178"/>
+        <p:spPr bwMode="auto">
+          <a:xfrm>
+            <a:off x="10908982" y="5997178"/>
             <a:ext cx="2927747" cy="725805"/>
           </a:xfrm>
           <a:prstGeom prst="rect">
@@ -3805,31 +3757,26 @@
                 <a:spcPts val="2850"/>
               </a:lnSpc>
               <a:buNone/>
+              <a:defRPr/>
             </a:pPr>
             <a:r>
-              <a:rPr lang="en-US" sz="1750" dirty="0">
+              <a:rPr lang="en-US" sz="1750">
                 <a:solidFill>
                   <a:srgbClr val="3C3939"/>
                 </a:solidFill>
-                <a:latin typeface="Roboto" pitchFamily="34" charset="0"/>
-                <a:ea typeface="Roboto" pitchFamily="34" charset="-122"/>
-                <a:cs typeface="Roboto" pitchFamily="34" charset="-120"/>
+                <a:latin typeface="Roboto"/>
+                <a:ea typeface="Roboto"/>
+                <a:cs typeface="Roboto"/>
               </a:rPr>
               <a:t>GEANT4 simulations and gamma spectroscopy.</a:t>
             </a:r>
-            <a:endParaRPr lang="en-US" sz="1750" dirty="0"/>
+            <a:endParaRPr lang="en-US" sz="1750"/>
           </a:p>
         </p:txBody>
       </p:sp>
       <p:pic>
         <p:nvPicPr>
-          <p:cNvPr id="23" name="Picture 22">
-            <a:extLst>
-              <a:ext uri="{FF2B5EF4-FFF2-40B4-BE49-F238E27FC236}">
-                <a16:creationId xmlns:a16="http://schemas.microsoft.com/office/drawing/2014/main" id="{AF35766E-E1BD-7354-B78C-65CD67C78937}"/>
-              </a:ext>
-            </a:extLst>
-          </p:cNvPr>
+          <p:cNvPr id="23" name="Picture 22"/>
           <p:cNvPicPr>
             <a:picLocks noChangeAspect="1"/>
           </p:cNvPicPr>
@@ -3837,11 +3784,9 @@
         </p:nvPicPr>
         <p:blipFill>
           <a:blip r:embed="rId4"/>
-          <a:stretch>
-            <a:fillRect/>
-          </a:stretch>
+          <a:stretch/>
         </p:blipFill>
-        <p:spPr>
+        <p:spPr bwMode="auto">
           <a:xfrm>
             <a:off x="11686764" y="7534178"/>
             <a:ext cx="2943636" cy="695422"/>
@@ -3856,15 +3801,15 @@
   <p:clrMapOvr>
     <a:masterClrMapping/>
   </p:clrMapOvr>
-  <mc:AlternateContent xmlns:mc="http://schemas.openxmlformats.org/markup-compatibility/2006" xmlns:p14="http://schemas.microsoft.com/office/powerpoint/2010/main">
-    <mc:Choice Requires="p14">
-      <p:transition spd="med" p14:dur="700">
-        <p:fade/>
+  <mc:AlternateContent xmlns:mc="http://schemas.openxmlformats.org/markup-compatibility/2006">
+    <mc:Choice xmlns:p159="http://schemas.microsoft.com/office/powerpoint/2015/09/main" xmlns:p14="http://schemas.microsoft.com/office/powerpoint/2010/main" Requires="p159">
+      <p:transition spd="med" p14:dur="700" advClick="1">
+        <p:fade thruBlk="0"/>
       </p:transition>
     </mc:Choice>
-    <mc:Fallback xmlns="">
-      <p:transition spd="med">
-        <p:fade/>
+    <mc:Fallback>
+      <p:transition spd="med" advClick="1">
+        <p:fade thruBlk="0"/>
       </p:transition>
     </mc:Fallback>
   </mc:AlternateContent>
@@ -3872,7 +3817,7 @@
 </file>
 
 <file path=ppt/slides/slide4.xml><?xml version="1.0" encoding="utf-8"?>
-<p:sld xmlns:a="http://schemas.openxmlformats.org/drawingml/2006/main" xmlns:r="http://schemas.openxmlformats.org/officeDocument/2006/relationships" xmlns:p="http://schemas.openxmlformats.org/presentationml/2006/main">
+<p:sld xmlns:a="http://schemas.openxmlformats.org/drawingml/2006/main" xmlns:r="http://schemas.openxmlformats.org/officeDocument/2006/relationships" xmlns:p="http://schemas.openxmlformats.org/presentationml/2006/main" xmlns:m="http://schemas.openxmlformats.org/officeDocument/2006/math" xmlns:w="http://schemas.openxmlformats.org/wordprocessingml/2006/main" xmlns:mc="http://schemas.openxmlformats.org/markup-compatibility/2006" showMasterPhAnim="0" showMasterSp="1" show="1">
   <p:cSld name="Slide 4">
     <p:spTree>
       <p:nvGrpSpPr>
@@ -3880,7 +3825,7 @@
         <p:cNvGrpSpPr/>
         <p:nvPr/>
       </p:nvGrpSpPr>
-      <p:grpSpPr>
+      <p:grpSpPr bwMode="auto">
         <a:xfrm>
           <a:off x="0" y="0"/>
           <a:ext cx="0" cy="0"/>
@@ -3894,7 +3839,7 @@
           <p:cNvSpPr/>
           <p:nvPr/>
         </p:nvSpPr>
-        <p:spPr>
+        <p:spPr bwMode="auto">
           <a:xfrm>
             <a:off x="793790" y="2747724"/>
             <a:ext cx="5778698" cy="708779"/>
@@ -3914,19 +3859,20 @@
                 <a:spcPts val="5550"/>
               </a:lnSpc>
               <a:buNone/>
+              <a:defRPr/>
             </a:pPr>
             <a:r>
-              <a:rPr lang="en-US" sz="4450" dirty="0">
+              <a:rPr lang="en-US" sz="4450">
                 <a:solidFill>
                   <a:srgbClr val="1B1B27"/>
                 </a:solidFill>
-                <a:latin typeface="Raleway" pitchFamily="34" charset="0"/>
-                <a:ea typeface="Raleway" pitchFamily="34" charset="-122"/>
-                <a:cs typeface="Raleway" pitchFamily="34" charset="-120"/>
+                <a:latin typeface="Raleway"/>
+                <a:ea typeface="Raleway"/>
+                <a:cs typeface="Raleway"/>
               </a:rPr>
               <a:t>Key Metrics Evaluated</a:t>
             </a:r>
-            <a:endParaRPr lang="en-US" sz="4450" dirty="0"/>
+            <a:endParaRPr lang="en-US" sz="4450"/>
           </a:p>
         </p:txBody>
       </p:sp>
@@ -3936,7 +3882,7 @@
           <p:cNvSpPr/>
           <p:nvPr/>
         </p:nvSpPr>
-        <p:spPr>
+        <p:spPr bwMode="auto">
           <a:xfrm>
             <a:off x="793790" y="3796665"/>
             <a:ext cx="4196358" cy="1685092"/>
@@ -3963,7 +3909,7 @@
           <p:cNvSpPr/>
           <p:nvPr/>
         </p:nvSpPr>
-        <p:spPr>
+        <p:spPr bwMode="auto">
           <a:xfrm>
             <a:off x="1028224" y="4031099"/>
             <a:ext cx="2835235" cy="354330"/>
@@ -3983,19 +3929,20 @@
                 <a:spcPts val="2750"/>
               </a:lnSpc>
               <a:buNone/>
+              <a:defRPr/>
             </a:pPr>
             <a:r>
-              <a:rPr lang="en-US" sz="2200" dirty="0">
+              <a:rPr lang="en-US" sz="2200">
                 <a:solidFill>
                   <a:srgbClr val="3C3939"/>
                 </a:solidFill>
-                <a:latin typeface="Raleway" pitchFamily="34" charset="0"/>
-                <a:ea typeface="Raleway" pitchFamily="34" charset="-122"/>
-                <a:cs typeface="Raleway" pitchFamily="34" charset="-120"/>
+                <a:latin typeface="Raleway"/>
+                <a:ea typeface="Raleway"/>
+                <a:cs typeface="Raleway"/>
               </a:rPr>
               <a:t>Peak Intensity</a:t>
             </a:r>
-            <a:endParaRPr lang="en-US" sz="2200" dirty="0"/>
+            <a:endParaRPr lang="en-US" sz="2200"/>
           </a:p>
         </p:txBody>
       </p:sp>
@@ -4005,7 +3952,7 @@
           <p:cNvSpPr/>
           <p:nvPr/>
         </p:nvSpPr>
-        <p:spPr>
+        <p:spPr bwMode="auto">
           <a:xfrm>
             <a:off x="1028224" y="4521517"/>
             <a:ext cx="3727490" cy="362903"/>
@@ -4025,19 +3972,20 @@
                 <a:spcPts val="2850"/>
               </a:lnSpc>
               <a:buNone/>
+              <a:defRPr/>
             </a:pPr>
             <a:r>
-              <a:rPr lang="en-US" sz="1750" dirty="0">
+              <a:rPr lang="en-US" sz="1750">
                 <a:solidFill>
                   <a:srgbClr val="3C3939"/>
                 </a:solidFill>
-                <a:latin typeface="Roboto" pitchFamily="34" charset="0"/>
-                <a:ea typeface="Roboto" pitchFamily="34" charset="-122"/>
-                <a:cs typeface="Roboto" pitchFamily="34" charset="-120"/>
+                <a:latin typeface="Roboto"/>
+                <a:ea typeface="Roboto"/>
+                <a:cs typeface="Roboto"/>
               </a:rPr>
               <a:t>Indicates attenuation efficiency.</a:t>
             </a:r>
-            <a:endParaRPr lang="en-US" sz="1750" dirty="0"/>
+            <a:endParaRPr lang="en-US" sz="1750"/>
           </a:p>
         </p:txBody>
       </p:sp>
@@ -4047,7 +3995,7 @@
           <p:cNvSpPr/>
           <p:nvPr/>
         </p:nvSpPr>
-        <p:spPr>
+        <p:spPr bwMode="auto">
           <a:xfrm>
             <a:off x="5216962" y="3796665"/>
             <a:ext cx="4196358" cy="1685092"/>
@@ -4074,9 +4022,9 @@
           <p:cNvSpPr/>
           <p:nvPr/>
         </p:nvSpPr>
-        <p:spPr>
-          <a:xfrm>
-            <a:off x="5451396" y="4031099"/>
+        <p:spPr bwMode="auto">
+          <a:xfrm>
+            <a:off x="5451395" y="4031099"/>
             <a:ext cx="2835235" cy="354330"/>
           </a:xfrm>
           <a:prstGeom prst="rect">
@@ -4094,19 +4042,20 @@
                 <a:spcPts val="2750"/>
               </a:lnSpc>
               <a:buNone/>
+              <a:defRPr/>
             </a:pPr>
             <a:r>
-              <a:rPr lang="en-US" sz="2200" dirty="0">
+              <a:rPr lang="en-US" sz="2200">
                 <a:solidFill>
                   <a:srgbClr val="3C3939"/>
                 </a:solidFill>
-                <a:latin typeface="Raleway" pitchFamily="34" charset="0"/>
-                <a:ea typeface="Raleway" pitchFamily="34" charset="-122"/>
-                <a:cs typeface="Raleway" pitchFamily="34" charset="-120"/>
+                <a:latin typeface="Raleway"/>
+                <a:ea typeface="Raleway"/>
+                <a:cs typeface="Raleway"/>
               </a:rPr>
               <a:t>FWHM</a:t>
             </a:r>
-            <a:endParaRPr lang="en-US" sz="2200" dirty="0"/>
+            <a:endParaRPr lang="en-US" sz="2200"/>
           </a:p>
         </p:txBody>
       </p:sp>
@@ -4116,9 +4065,9 @@
           <p:cNvSpPr/>
           <p:nvPr/>
         </p:nvSpPr>
-        <p:spPr>
-          <a:xfrm>
-            <a:off x="5451396" y="4521517"/>
+        <p:spPr bwMode="auto">
+          <a:xfrm>
+            <a:off x="5451395" y="4521517"/>
             <a:ext cx="3727490" cy="362903"/>
           </a:xfrm>
           <a:prstGeom prst="rect">
@@ -4136,48 +4085,22 @@
                 <a:spcPts val="2850"/>
               </a:lnSpc>
               <a:buNone/>
+              <a:defRPr/>
             </a:pPr>
             <a:r>
-              <a:rPr lang="en-US" sz="1750" dirty="0">
+              <a:rPr lang="en-US" sz="1750">
                 <a:solidFill>
                   <a:srgbClr val="3C3939"/>
                 </a:solidFill>
-                <a:latin typeface="Roboto" pitchFamily="34" charset="0"/>
-                <a:ea typeface="Roboto" pitchFamily="34" charset="-122"/>
-                <a:cs typeface="Roboto" pitchFamily="34" charset="-120"/>
+                <a:latin typeface="Roboto"/>
+                <a:ea typeface="Roboto"/>
+                <a:cs typeface="Roboto"/>
               </a:rPr>
               <a:t>Measures scattering contributions.</a:t>
             </a:r>
-            <a:endParaRPr lang="en-US" sz="1750" dirty="0"/>
-          </a:p>
-        </p:txBody>
-      </p:sp>
-      <p:sp>
-        <p:nvSpPr>
-          <p:cNvPr id="9" name="Shape 7"/>
-          <p:cNvSpPr/>
-          <p:nvPr/>
-        </p:nvSpPr>
-        <p:spPr>
-          <a:xfrm>
-            <a:off x="9640133" y="3796665"/>
-            <a:ext cx="4196358" cy="1685092"/>
-          </a:xfrm>
-          <a:prstGeom prst="roundRect">
-            <a:avLst>
-              <a:gd name="adj" fmla="val 5654"/>
-            </a:avLst>
-          </a:prstGeom>
-          <a:solidFill>
-            <a:srgbClr val="E1E1EA"/>
-          </a:solidFill>
-          <a:ln w="7620">
-            <a:solidFill>
-              <a:srgbClr val="C7C7D0"/>
-            </a:solidFill>
-            <a:prstDash val="solid"/>
-          </a:ln>
-        </p:spPr>
+            <a:endParaRPr lang="en-US" sz="1750"/>
+          </a:p>
+        </p:txBody>
       </p:sp>
       <p:sp>
         <p:nvSpPr>
@@ -4185,10 +4108,10 @@
           <p:cNvSpPr/>
           <p:nvPr/>
         </p:nvSpPr>
-        <p:spPr>
-          <a:xfrm>
-            <a:off x="9874568" y="4031099"/>
-            <a:ext cx="2835235" cy="354330"/>
+        <p:spPr bwMode="auto">
+          <a:xfrm>
+            <a:off x="9874567" y="4031098"/>
+            <a:ext cx="756" cy="354689"/>
           </a:xfrm>
           <a:prstGeom prst="rect">
             <a:avLst/>
@@ -4205,19 +4128,9 @@
                 <a:spcPts val="2750"/>
               </a:lnSpc>
               <a:buNone/>
-            </a:pPr>
-            <a:r>
-              <a:rPr lang="en-US" sz="2200" dirty="0">
-                <a:solidFill>
-                  <a:srgbClr val="3C3939"/>
-                </a:solidFill>
-                <a:latin typeface="Raleway" pitchFamily="34" charset="0"/>
-                <a:ea typeface="Raleway" pitchFamily="34" charset="-122"/>
-                <a:cs typeface="Raleway" pitchFamily="34" charset="-120"/>
-              </a:rPr>
-              <a:t>Compton Edge</a:t>
-            </a:r>
-            <a:endParaRPr lang="en-US" sz="2200" dirty="0"/>
+              <a:defRPr/>
+            </a:pPr>
+            <a:endParaRPr lang="en-US" sz="2200"/>
           </a:p>
         </p:txBody>
       </p:sp>
@@ -4227,7 +4140,7 @@
           <p:cNvSpPr/>
           <p:nvPr/>
         </p:nvSpPr>
-        <p:spPr>
+        <p:spPr bwMode="auto">
           <a:xfrm>
             <a:off x="9874568" y="4521517"/>
             <a:ext cx="3727490" cy="725805"/>
@@ -4247,31 +4160,15 @@
                 <a:spcPts val="2850"/>
               </a:lnSpc>
               <a:buNone/>
-            </a:pPr>
-            <a:r>
-              <a:rPr lang="en-US" sz="1750" dirty="0">
-                <a:solidFill>
-                  <a:srgbClr val="3C3939"/>
-                </a:solidFill>
-                <a:latin typeface="Roboto" pitchFamily="34" charset="0"/>
-                <a:ea typeface="Roboto" pitchFamily="34" charset="-122"/>
-                <a:cs typeface="Roboto" pitchFamily="34" charset="-120"/>
-              </a:rPr>
-              <a:t>Highlights energy redistribution due to interactions.</a:t>
-            </a:r>
-            <a:endParaRPr lang="en-US" sz="1750" dirty="0"/>
+              <a:defRPr/>
+            </a:pPr>
+            <a:endParaRPr lang="en-US" sz="1750"/>
           </a:p>
         </p:txBody>
       </p:sp>
       <p:pic>
         <p:nvPicPr>
-          <p:cNvPr id="13" name="Picture 12">
-            <a:extLst>
-              <a:ext uri="{FF2B5EF4-FFF2-40B4-BE49-F238E27FC236}">
-                <a16:creationId xmlns:a16="http://schemas.microsoft.com/office/drawing/2014/main" id="{287172E3-4588-3C34-9354-51A9C2BCFC4D}"/>
-              </a:ext>
-            </a:extLst>
-          </p:cNvPr>
+          <p:cNvPr id="13" name="Picture 12"/>
           <p:cNvPicPr>
             <a:picLocks noChangeAspect="1"/>
           </p:cNvPicPr>
@@ -4279,11 +4176,9 @@
         </p:nvPicPr>
         <p:blipFill>
           <a:blip r:embed="rId3"/>
-          <a:stretch>
-            <a:fillRect/>
-          </a:stretch>
+          <a:stretch/>
         </p:blipFill>
-        <p:spPr>
+        <p:spPr bwMode="auto">
           <a:xfrm>
             <a:off x="11686764" y="7534178"/>
             <a:ext cx="2943636" cy="695422"/>
@@ -4298,15 +4193,15 @@
   <p:clrMapOvr>
     <a:masterClrMapping/>
   </p:clrMapOvr>
-  <mc:AlternateContent xmlns:mc="http://schemas.openxmlformats.org/markup-compatibility/2006" xmlns:p14="http://schemas.microsoft.com/office/powerpoint/2010/main">
-    <mc:Choice Requires="p14">
-      <p:transition spd="med" p14:dur="700">
-        <p:fade/>
+  <mc:AlternateContent xmlns:mc="http://schemas.openxmlformats.org/markup-compatibility/2006">
+    <mc:Choice xmlns:p159="http://schemas.microsoft.com/office/powerpoint/2015/09/main" xmlns:p14="http://schemas.microsoft.com/office/powerpoint/2010/main" Requires="p159">
+      <p:transition spd="med" p14:dur="700" advClick="1">
+        <p:fade thruBlk="0"/>
       </p:transition>
     </mc:Choice>
-    <mc:Fallback xmlns="">
-      <p:transition spd="med">
-        <p:fade/>
+    <mc:Fallback>
+      <p:transition spd="med" advClick="1">
+        <p:fade thruBlk="0"/>
       </p:transition>
     </mc:Fallback>
   </mc:AlternateContent>
@@ -4314,7 +4209,7 @@
 </file>
 
 <file path=ppt/slides/slide5.xml><?xml version="1.0" encoding="utf-8"?>
-<p:sld xmlns:a="http://schemas.openxmlformats.org/drawingml/2006/main" xmlns:r="http://schemas.openxmlformats.org/officeDocument/2006/relationships" xmlns:p="http://schemas.openxmlformats.org/presentationml/2006/main">
+<p:sld xmlns:a="http://schemas.openxmlformats.org/drawingml/2006/main" xmlns:r="http://schemas.openxmlformats.org/officeDocument/2006/relationships" xmlns:p="http://schemas.openxmlformats.org/presentationml/2006/main" xmlns:m="http://schemas.openxmlformats.org/officeDocument/2006/math" xmlns:w="http://schemas.openxmlformats.org/wordprocessingml/2006/main" xmlns:mc="http://schemas.openxmlformats.org/markup-compatibility/2006" showMasterPhAnim="0" showMasterSp="1" show="1">
   <p:cSld name="Slide 5">
     <p:spTree>
       <p:nvGrpSpPr>
@@ -4322,7 +4217,7 @@
         <p:cNvGrpSpPr/>
         <p:nvPr/>
       </p:nvGrpSpPr>
-      <p:grpSpPr>
+      <p:grpSpPr bwMode="auto">
         <a:xfrm>
           <a:off x="0" y="0"/>
           <a:ext cx="0" cy="0"/>
@@ -4340,11 +4235,9 @@
         </p:nvPicPr>
         <p:blipFill>
           <a:blip r:embed="rId3"/>
-          <a:stretch>
-            <a:fillRect/>
-          </a:stretch>
+          <a:stretch/>
         </p:blipFill>
-        <p:spPr>
+        <p:spPr bwMode="auto">
           <a:xfrm>
             <a:off x="9144000" y="0"/>
             <a:ext cx="5486400" cy="8229600"/>
@@ -4364,11 +4257,9 @@
         </p:nvPicPr>
         <p:blipFill>
           <a:blip r:embed="rId4"/>
-          <a:stretch>
-            <a:fillRect/>
-          </a:stretch>
+          <a:stretch/>
         </p:blipFill>
-        <p:spPr>
+        <p:spPr bwMode="auto">
           <a:xfrm>
             <a:off x="9427607" y="2645450"/>
             <a:ext cx="4919186" cy="2938582"/>
@@ -4384,7 +4275,7 @@
           <p:cNvSpPr/>
           <p:nvPr/>
         </p:nvSpPr>
-        <p:spPr>
+        <p:spPr bwMode="auto">
           <a:xfrm>
             <a:off x="793790" y="1836896"/>
             <a:ext cx="5818942" cy="708779"/>
@@ -4404,19 +4295,20 @@
                 <a:spcPts val="5550"/>
               </a:lnSpc>
               <a:buNone/>
+              <a:defRPr/>
             </a:pPr>
             <a:r>
-              <a:rPr lang="en-US" sz="4450" dirty="0">
+              <a:rPr lang="en-US" sz="4450">
                 <a:solidFill>
                   <a:srgbClr val="1B1B27"/>
                 </a:solidFill>
-                <a:latin typeface="Raleway" pitchFamily="34" charset="0"/>
-                <a:ea typeface="Raleway" pitchFamily="34" charset="-122"/>
-                <a:cs typeface="Raleway" pitchFamily="34" charset="-120"/>
+                <a:latin typeface="Raleway"/>
+                <a:ea typeface="Raleway"/>
+                <a:cs typeface="Raleway"/>
               </a:rPr>
               <a:t>Results: Peak Intensity</a:t>
             </a:r>
-            <a:endParaRPr lang="en-US" sz="4450" dirty="0"/>
+            <a:endParaRPr lang="en-US" sz="4450"/>
           </a:p>
         </p:txBody>
       </p:sp>
@@ -4426,7 +4318,7 @@
           <p:cNvSpPr/>
           <p:nvPr/>
         </p:nvSpPr>
-        <p:spPr>
+        <p:spPr bwMode="auto">
           <a:xfrm>
             <a:off x="793790" y="3112651"/>
             <a:ext cx="2835235" cy="354330"/>
@@ -4446,19 +4338,20 @@
                 <a:spcPts val="2750"/>
               </a:lnSpc>
               <a:buNone/>
+              <a:defRPr/>
             </a:pPr>
             <a:r>
-              <a:rPr lang="en-US" sz="2200" b="1" dirty="0">
+              <a:rPr lang="en-US" sz="2200" b="1">
                 <a:solidFill>
                   <a:srgbClr val="1B1B27"/>
                 </a:solidFill>
-                <a:latin typeface="Raleway" pitchFamily="34" charset="0"/>
-                <a:ea typeface="Raleway" pitchFamily="34" charset="-122"/>
-                <a:cs typeface="Raleway" pitchFamily="34" charset="-120"/>
+                <a:latin typeface="Raleway"/>
+                <a:ea typeface="Raleway"/>
+                <a:cs typeface="Raleway"/>
               </a:rPr>
               <a:t>Observation</a:t>
             </a:r>
-            <a:endParaRPr lang="en-US" sz="2200" dirty="0"/>
+            <a:endParaRPr lang="en-US" sz="2200"/>
           </a:p>
         </p:txBody>
       </p:sp>
@@ -4468,7 +4361,7 @@
           <p:cNvSpPr/>
           <p:nvPr/>
         </p:nvSpPr>
-        <p:spPr>
+        <p:spPr bwMode="auto">
           <a:xfrm>
             <a:off x="793790" y="3693795"/>
             <a:ext cx="3501509" cy="1451610"/>
@@ -4489,19 +4382,20 @@
               </a:lnSpc>
               <a:buSzPct val="100000"/>
               <a:buChar char="•"/>
+              <a:defRPr/>
             </a:pPr>
             <a:r>
-              <a:rPr lang="en-US" sz="1750" dirty="0">
+              <a:rPr lang="en-US" sz="1750">
                 <a:solidFill>
                   <a:srgbClr val="3C3939"/>
                 </a:solidFill>
-                <a:latin typeface="Roboto" pitchFamily="34" charset="0"/>
-                <a:ea typeface="Roboto" pitchFamily="34" charset="-122"/>
-                <a:cs typeface="Roboto" pitchFamily="34" charset="-120"/>
+                <a:latin typeface="Roboto"/>
+                <a:ea typeface="Roboto"/>
+                <a:cs typeface="Roboto"/>
               </a:rPr>
               <a:t>Lead shows the sharpest drop in peak intensity with increasing thickness, indicating superior attenuation.</a:t>
             </a:r>
-            <a:endParaRPr lang="en-US" sz="1750" dirty="0"/>
+            <a:endParaRPr lang="en-US" sz="1750"/>
           </a:p>
         </p:txBody>
       </p:sp>
@@ -4511,7 +4405,7 @@
           <p:cNvSpPr/>
           <p:nvPr/>
         </p:nvSpPr>
-        <p:spPr>
+        <p:spPr bwMode="auto">
           <a:xfrm>
             <a:off x="793790" y="5224701"/>
             <a:ext cx="3501509" cy="1088708"/>
@@ -4532,19 +4426,20 @@
               </a:lnSpc>
               <a:buSzPct val="100000"/>
               <a:buChar char="•"/>
+              <a:defRPr/>
             </a:pPr>
             <a:r>
-              <a:rPr lang="en-US" sz="1750" dirty="0">
+              <a:rPr lang="en-US" sz="1750">
                 <a:solidFill>
                   <a:srgbClr val="3C3939"/>
                 </a:solidFill>
-                <a:latin typeface="Roboto" pitchFamily="34" charset="0"/>
-                <a:ea typeface="Roboto" pitchFamily="34" charset="-122"/>
-                <a:cs typeface="Roboto" pitchFamily="34" charset="-120"/>
+                <a:latin typeface="Roboto"/>
+                <a:ea typeface="Roboto"/>
+                <a:cs typeface="Roboto"/>
               </a:rPr>
               <a:t>HY80 and 30MnB5 require greater thickness for comparable attenuation.</a:t>
             </a:r>
-            <a:endParaRPr lang="en-US" sz="1750" dirty="0"/>
+            <a:endParaRPr lang="en-US" sz="1750"/>
           </a:p>
         </p:txBody>
       </p:sp>
@@ -4554,7 +4449,7 @@
           <p:cNvSpPr/>
           <p:nvPr/>
         </p:nvSpPr>
-        <p:spPr>
+        <p:spPr bwMode="auto">
           <a:xfrm>
             <a:off x="4856321" y="3112651"/>
             <a:ext cx="2835235" cy="354330"/>
@@ -4574,19 +4469,20 @@
                 <a:spcPts val="2750"/>
               </a:lnSpc>
               <a:buNone/>
+              <a:defRPr/>
             </a:pPr>
             <a:r>
-              <a:rPr lang="en-US" sz="2200" b="1" dirty="0">
+              <a:rPr lang="en-US" sz="2200" b="1">
                 <a:solidFill>
                   <a:srgbClr val="1B1B27"/>
                 </a:solidFill>
-                <a:latin typeface="Raleway" pitchFamily="34" charset="0"/>
-                <a:ea typeface="Raleway" pitchFamily="34" charset="-122"/>
-                <a:cs typeface="Raleway" pitchFamily="34" charset="-120"/>
+                <a:latin typeface="Raleway"/>
+                <a:ea typeface="Raleway"/>
+                <a:cs typeface="Raleway"/>
               </a:rPr>
               <a:t>Visualization</a:t>
             </a:r>
-            <a:endParaRPr lang="en-US" sz="2200" dirty="0"/>
+            <a:endParaRPr lang="en-US" sz="2200"/>
           </a:p>
         </p:txBody>
       </p:sp>
@@ -4596,7 +4492,7 @@
           <p:cNvSpPr/>
           <p:nvPr/>
         </p:nvSpPr>
-        <p:spPr>
+        <p:spPr bwMode="auto">
           <a:xfrm>
             <a:off x="4856321" y="3693795"/>
             <a:ext cx="3501509" cy="725805"/>
@@ -4616,19 +4512,20 @@
                 <a:spcPts val="2850"/>
               </a:lnSpc>
               <a:buNone/>
+              <a:defRPr/>
             </a:pPr>
             <a:r>
-              <a:rPr lang="en-US" sz="1750" dirty="0">
+              <a:rPr lang="en-US" sz="1750">
                 <a:solidFill>
                   <a:srgbClr val="3C3939"/>
                 </a:solidFill>
-                <a:latin typeface="Roboto" pitchFamily="34" charset="0"/>
-                <a:ea typeface="Roboto" pitchFamily="34" charset="-122"/>
-                <a:cs typeface="Roboto" pitchFamily="34" charset="-120"/>
+                <a:latin typeface="Roboto"/>
+                <a:ea typeface="Roboto"/>
+                <a:cs typeface="Roboto"/>
               </a:rPr>
               <a:t>Peak Intensity vs. Thickness graph.</a:t>
             </a:r>
-            <a:endParaRPr lang="en-US" sz="1750" dirty="0"/>
+            <a:endParaRPr lang="en-US" sz="1750"/>
           </a:p>
         </p:txBody>
       </p:sp>
@@ -4637,15 +4534,15 @@
   <p:clrMapOvr>
     <a:masterClrMapping/>
   </p:clrMapOvr>
-  <mc:AlternateContent xmlns:mc="http://schemas.openxmlformats.org/markup-compatibility/2006" xmlns:p14="http://schemas.microsoft.com/office/powerpoint/2010/main">
-    <mc:Choice Requires="p14">
-      <p:transition spd="med" p14:dur="700">
-        <p:fade/>
+  <mc:AlternateContent xmlns:mc="http://schemas.openxmlformats.org/markup-compatibility/2006">
+    <mc:Choice xmlns:p159="http://schemas.microsoft.com/office/powerpoint/2015/09/main" xmlns:p14="http://schemas.microsoft.com/office/powerpoint/2010/main" Requires="p159">
+      <p:transition spd="med" p14:dur="700" advClick="1">
+        <p:fade thruBlk="0"/>
       </p:transition>
     </mc:Choice>
-    <mc:Fallback xmlns="">
-      <p:transition spd="med">
-        <p:fade/>
+    <mc:Fallback>
+      <p:transition spd="med" advClick="1">
+        <p:fade thruBlk="0"/>
       </p:transition>
     </mc:Fallback>
   </mc:AlternateContent>
@@ -4653,7 +4550,7 @@
 </file>
 
 <file path=ppt/slides/slide6.xml><?xml version="1.0" encoding="utf-8"?>
-<p:sld xmlns:a="http://schemas.openxmlformats.org/drawingml/2006/main" xmlns:r="http://schemas.openxmlformats.org/officeDocument/2006/relationships" xmlns:p="http://schemas.openxmlformats.org/presentationml/2006/main">
+<p:sld xmlns:a="http://schemas.openxmlformats.org/drawingml/2006/main" xmlns:r="http://schemas.openxmlformats.org/officeDocument/2006/relationships" xmlns:p="http://schemas.openxmlformats.org/presentationml/2006/main" xmlns:m="http://schemas.openxmlformats.org/officeDocument/2006/math" xmlns:w="http://schemas.openxmlformats.org/wordprocessingml/2006/main" xmlns:mc="http://schemas.openxmlformats.org/markup-compatibility/2006" showMasterPhAnim="0" showMasterSp="1" show="1">
   <p:cSld name="Slide 6">
     <p:spTree>
       <p:nvGrpSpPr>
@@ -4661,7 +4558,7 @@
         <p:cNvGrpSpPr/>
         <p:nvPr/>
       </p:nvGrpSpPr>
-      <p:grpSpPr>
+      <p:grpSpPr bwMode="auto">
         <a:xfrm>
           <a:off x="0" y="0"/>
           <a:ext cx="0" cy="0"/>
@@ -4679,11 +4576,9 @@
         </p:nvPicPr>
         <p:blipFill>
           <a:blip r:embed="rId3"/>
-          <a:stretch>
-            <a:fillRect/>
-          </a:stretch>
+          <a:stretch/>
         </p:blipFill>
-        <p:spPr>
+        <p:spPr bwMode="auto">
           <a:xfrm>
             <a:off x="9144000" y="0"/>
             <a:ext cx="5486400" cy="8229600"/>
@@ -4703,11 +4598,9 @@
         </p:nvPicPr>
         <p:blipFill>
           <a:blip r:embed="rId4"/>
-          <a:stretch>
-            <a:fillRect/>
-          </a:stretch>
+          <a:stretch/>
         </p:blipFill>
-        <p:spPr>
+        <p:spPr bwMode="auto">
           <a:xfrm>
             <a:off x="9427488" y="2651403"/>
             <a:ext cx="4919305" cy="2926675"/>
@@ -4723,7 +4616,7 @@
           <p:cNvSpPr/>
           <p:nvPr/>
         </p:nvSpPr>
-        <p:spPr>
+        <p:spPr bwMode="auto">
           <a:xfrm>
             <a:off x="793790" y="1527810"/>
             <a:ext cx="5670590" cy="708779"/>
@@ -4743,19 +4636,20 @@
                 <a:spcPts val="5550"/>
               </a:lnSpc>
               <a:buNone/>
+              <a:defRPr/>
             </a:pPr>
             <a:r>
-              <a:rPr lang="en-US" sz="4450" dirty="0">
+              <a:rPr lang="en-US" sz="4450">
                 <a:solidFill>
                   <a:srgbClr val="1B1B27"/>
                 </a:solidFill>
-                <a:latin typeface="Raleway" pitchFamily="34" charset="0"/>
-                <a:ea typeface="Raleway" pitchFamily="34" charset="-122"/>
-                <a:cs typeface="Raleway" pitchFamily="34" charset="-120"/>
+                <a:latin typeface="Raleway"/>
+                <a:ea typeface="Raleway"/>
+                <a:cs typeface="Raleway"/>
               </a:rPr>
               <a:t>Results: FWHM</a:t>
             </a:r>
-            <a:endParaRPr lang="en-US" sz="4450" dirty="0"/>
+            <a:endParaRPr lang="en-US" sz="4450"/>
           </a:p>
         </p:txBody>
       </p:sp>
@@ -4765,9 +4659,9 @@
           <p:cNvSpPr/>
           <p:nvPr/>
         </p:nvSpPr>
-        <p:spPr>
-          <a:xfrm>
-            <a:off x="793790" y="2576751"/>
+        <p:spPr bwMode="auto">
+          <a:xfrm>
+            <a:off x="793790" y="2576750"/>
             <a:ext cx="7556421" cy="362903"/>
           </a:xfrm>
           <a:prstGeom prst="rect">
@@ -4785,8 +4679,9 @@
                 <a:spcPts val="2850"/>
               </a:lnSpc>
               <a:buNone/>
-            </a:pPr>
-            <a:endParaRPr lang="en-US" sz="1750" dirty="0"/>
+              <a:defRPr/>
+            </a:pPr>
+            <a:endParaRPr lang="en-US" sz="1750"/>
           </a:p>
         </p:txBody>
       </p:sp>
@@ -4796,7 +4691,7 @@
           <p:cNvSpPr/>
           <p:nvPr/>
         </p:nvSpPr>
-        <p:spPr>
+        <p:spPr bwMode="auto">
           <a:xfrm>
             <a:off x="793790" y="3421618"/>
             <a:ext cx="2835235" cy="354330"/>
@@ -4816,19 +4711,20 @@
                 <a:spcPts val="2750"/>
               </a:lnSpc>
               <a:buNone/>
+              <a:defRPr/>
             </a:pPr>
             <a:r>
-              <a:rPr lang="en-US" sz="2200" b="1" dirty="0">
+              <a:rPr lang="en-US" sz="2200" b="1">
                 <a:solidFill>
                   <a:srgbClr val="1B1B27"/>
                 </a:solidFill>
-                <a:latin typeface="Raleway" pitchFamily="34" charset="0"/>
-                <a:ea typeface="Raleway" pitchFamily="34" charset="-122"/>
-                <a:cs typeface="Raleway" pitchFamily="34" charset="-120"/>
+                <a:latin typeface="Raleway"/>
+                <a:ea typeface="Raleway"/>
+                <a:cs typeface="Raleway"/>
               </a:rPr>
               <a:t>Observation</a:t>
             </a:r>
-            <a:endParaRPr lang="en-US" sz="2200" dirty="0"/>
+            <a:endParaRPr lang="en-US" sz="2200"/>
           </a:p>
         </p:txBody>
       </p:sp>
@@ -4838,7 +4734,7 @@
           <p:cNvSpPr/>
           <p:nvPr/>
         </p:nvSpPr>
-        <p:spPr>
+        <p:spPr bwMode="auto">
           <a:xfrm>
             <a:off x="793790" y="4002762"/>
             <a:ext cx="3501509" cy="1451610"/>
@@ -4859,19 +4755,20 @@
               </a:lnSpc>
               <a:buSzPct val="100000"/>
               <a:buChar char="•"/>
+              <a:defRPr/>
             </a:pPr>
             <a:r>
-              <a:rPr lang="en-US" sz="1750" dirty="0">
+              <a:rPr lang="en-US" sz="1750">
                 <a:solidFill>
                   <a:srgbClr val="3C3939"/>
                 </a:solidFill>
-                <a:latin typeface="Roboto" pitchFamily="34" charset="0"/>
-                <a:ea typeface="Roboto" pitchFamily="34" charset="-122"/>
-                <a:cs typeface="Roboto" pitchFamily="34" charset="-120"/>
+                <a:latin typeface="Roboto"/>
+                <a:ea typeface="Roboto"/>
+                <a:cs typeface="Roboto"/>
               </a:rPr>
               <a:t>Lead maintains a narrow and stable FWHM across thicknesses, suggesting minimal scattering.</a:t>
             </a:r>
-            <a:endParaRPr lang="en-US" sz="1750" dirty="0"/>
+            <a:endParaRPr lang="en-US" sz="1750"/>
           </a:p>
         </p:txBody>
       </p:sp>
@@ -4881,7 +4778,7 @@
           <p:cNvSpPr/>
           <p:nvPr/>
         </p:nvSpPr>
-        <p:spPr>
+        <p:spPr bwMode="auto">
           <a:xfrm>
             <a:off x="793790" y="5533668"/>
             <a:ext cx="3501509" cy="1088708"/>
@@ -4902,19 +4799,20 @@
               </a:lnSpc>
               <a:buSzPct val="100000"/>
               <a:buChar char="•"/>
+              <a:defRPr/>
             </a:pPr>
             <a:r>
-              <a:rPr lang="en-US" sz="1750" dirty="0">
+              <a:rPr lang="en-US" sz="1750">
                 <a:solidFill>
                   <a:srgbClr val="3C3939"/>
                 </a:solidFill>
-                <a:latin typeface="Roboto" pitchFamily="34" charset="0"/>
-                <a:ea typeface="Roboto" pitchFamily="34" charset="-122"/>
-                <a:cs typeface="Roboto" pitchFamily="34" charset="-120"/>
+                <a:latin typeface="Roboto"/>
+                <a:ea typeface="Roboto"/>
+                <a:cs typeface="Roboto"/>
               </a:rPr>
               <a:t>HY80 and 30MnB5 exhibit broader FWHM, reflecting increased scattering.</a:t>
             </a:r>
-            <a:endParaRPr lang="en-US" sz="1750" dirty="0"/>
+            <a:endParaRPr lang="en-US" sz="1750"/>
           </a:p>
         </p:txBody>
       </p:sp>
@@ -4924,7 +4822,7 @@
           <p:cNvSpPr/>
           <p:nvPr/>
         </p:nvSpPr>
-        <p:spPr>
+        <p:spPr bwMode="auto">
           <a:xfrm>
             <a:off x="4856321" y="3421618"/>
             <a:ext cx="2835235" cy="354330"/>
@@ -4944,19 +4842,20 @@
                 <a:spcPts val="2750"/>
               </a:lnSpc>
               <a:buNone/>
+              <a:defRPr/>
             </a:pPr>
             <a:r>
-              <a:rPr lang="en-US" sz="2200" b="1" dirty="0">
+              <a:rPr lang="en-US" sz="2200" b="1">
                 <a:solidFill>
                   <a:srgbClr val="1B1B27"/>
                 </a:solidFill>
-                <a:latin typeface="Raleway" pitchFamily="34" charset="0"/>
-                <a:ea typeface="Raleway" pitchFamily="34" charset="-122"/>
-                <a:cs typeface="Raleway" pitchFamily="34" charset="-120"/>
+                <a:latin typeface="Raleway"/>
+                <a:ea typeface="Raleway"/>
+                <a:cs typeface="Raleway"/>
               </a:rPr>
               <a:t>Visualization</a:t>
             </a:r>
-            <a:endParaRPr lang="en-US" sz="2200" dirty="0"/>
+            <a:endParaRPr lang="en-US" sz="2200"/>
           </a:p>
         </p:txBody>
       </p:sp>
@@ -4966,7 +4865,7 @@
           <p:cNvSpPr/>
           <p:nvPr/>
         </p:nvSpPr>
-        <p:spPr>
+        <p:spPr bwMode="auto">
           <a:xfrm>
             <a:off x="4856321" y="4002762"/>
             <a:ext cx="3501509" cy="362903"/>
@@ -4986,19 +4885,20 @@
                 <a:spcPts val="2850"/>
               </a:lnSpc>
               <a:buNone/>
+              <a:defRPr/>
             </a:pPr>
             <a:r>
-              <a:rPr lang="en-US" sz="1750" dirty="0">
+              <a:rPr lang="en-US" sz="1750">
                 <a:solidFill>
                   <a:srgbClr val="3C3939"/>
                 </a:solidFill>
-                <a:latin typeface="Roboto" pitchFamily="34" charset="0"/>
-                <a:ea typeface="Roboto" pitchFamily="34" charset="-122"/>
-                <a:cs typeface="Roboto" pitchFamily="34" charset="-120"/>
+                <a:latin typeface="Roboto"/>
+                <a:ea typeface="Roboto"/>
+                <a:cs typeface="Roboto"/>
               </a:rPr>
               <a:t>FWHM vs. Thickness graph.</a:t>
             </a:r>
-            <a:endParaRPr lang="en-US" sz="1750" dirty="0"/>
+            <a:endParaRPr lang="en-US" sz="1750"/>
           </a:p>
         </p:txBody>
       </p:sp>
@@ -5007,15 +4907,15 @@
   <p:clrMapOvr>
     <a:masterClrMapping/>
   </p:clrMapOvr>
-  <mc:AlternateContent xmlns:mc="http://schemas.openxmlformats.org/markup-compatibility/2006" xmlns:p14="http://schemas.microsoft.com/office/powerpoint/2010/main">
-    <mc:Choice Requires="p14">
-      <p:transition spd="med" p14:dur="700">
-        <p:fade/>
+  <mc:AlternateContent xmlns:mc="http://schemas.openxmlformats.org/markup-compatibility/2006">
+    <mc:Choice xmlns:p159="http://schemas.microsoft.com/office/powerpoint/2015/09/main" xmlns:p14="http://schemas.microsoft.com/office/powerpoint/2010/main" Requires="p159">
+      <p:transition spd="med" p14:dur="700" advClick="1">
+        <p:fade thruBlk="0"/>
       </p:transition>
     </mc:Choice>
-    <mc:Fallback xmlns="">
-      <p:transition spd="med">
-        <p:fade/>
+    <mc:Fallback>
+      <p:transition spd="med" advClick="1">
+        <p:fade thruBlk="0"/>
       </p:transition>
     </mc:Fallback>
   </mc:AlternateContent>
@@ -5023,7 +4923,7 @@
 </file>
 
 <file path=ppt/slides/slide7.xml><?xml version="1.0" encoding="utf-8"?>
-<p:sld xmlns:a="http://schemas.openxmlformats.org/drawingml/2006/main" xmlns:r="http://schemas.openxmlformats.org/officeDocument/2006/relationships" xmlns:p="http://schemas.openxmlformats.org/presentationml/2006/main">
+<p:sld xmlns:a="http://schemas.openxmlformats.org/drawingml/2006/main" xmlns:r="http://schemas.openxmlformats.org/officeDocument/2006/relationships" xmlns:p="http://schemas.openxmlformats.org/presentationml/2006/main" xmlns:m="http://schemas.openxmlformats.org/officeDocument/2006/math" xmlns:w="http://schemas.openxmlformats.org/wordprocessingml/2006/main" xmlns:mc="http://schemas.openxmlformats.org/markup-compatibility/2006" showMasterPhAnim="0" showMasterSp="1" show="1">
   <p:cSld name="Slide 8">
     <p:spTree>
       <p:nvGrpSpPr>
@@ -5031,7 +4931,7 @@
         <p:cNvGrpSpPr/>
         <p:nvPr/>
       </p:nvGrpSpPr>
-      <p:grpSpPr>
+      <p:grpSpPr bwMode="auto">
         <a:xfrm>
           <a:off x="0" y="0"/>
           <a:ext cx="0" cy="0"/>
@@ -5049,11 +4949,9 @@
         </p:nvPicPr>
         <p:blipFill>
           <a:blip r:embed="rId3"/>
-          <a:stretch>
-            <a:fillRect/>
-          </a:stretch>
+          <a:stretch/>
         </p:blipFill>
-        <p:spPr>
+        <p:spPr bwMode="auto">
           <a:xfrm>
             <a:off x="9144000" y="0"/>
             <a:ext cx="5486400" cy="8229600"/>
@@ -5073,10 +4971,9 @@
         </p:nvPicPr>
         <p:blipFill>
           <a:blip r:embed="rId4"/>
-          <a:srcRect/>
           <a:stretch/>
         </p:blipFill>
-        <p:spPr>
+        <p:spPr bwMode="auto">
           <a:xfrm>
             <a:off x="9427488" y="2475032"/>
             <a:ext cx="4919305" cy="3279536"/>
@@ -5092,7 +4989,7 @@
           <p:cNvSpPr/>
           <p:nvPr/>
         </p:nvSpPr>
-        <p:spPr>
+        <p:spPr bwMode="auto">
           <a:xfrm>
             <a:off x="793790" y="2585323"/>
             <a:ext cx="5670590" cy="708779"/>
@@ -5112,19 +5009,20 @@
                 <a:spcPts val="5550"/>
               </a:lnSpc>
               <a:buNone/>
+              <a:defRPr/>
             </a:pPr>
             <a:r>
-              <a:rPr lang="en-US" sz="4450" dirty="0">
+              <a:rPr lang="en-US" sz="4450">
                 <a:solidFill>
                   <a:srgbClr val="1B1B27"/>
                 </a:solidFill>
-                <a:latin typeface="Raleway" pitchFamily="34" charset="0"/>
-                <a:ea typeface="Raleway" pitchFamily="34" charset="-122"/>
-                <a:cs typeface="Raleway" pitchFamily="34" charset="-120"/>
+                <a:latin typeface="Raleway"/>
+                <a:ea typeface="Raleway"/>
+                <a:cs typeface="Raleway"/>
               </a:rPr>
               <a:t>Gaussian Profiles</a:t>
             </a:r>
-            <a:endParaRPr lang="en-US" sz="4450" dirty="0"/>
+            <a:endParaRPr lang="en-US" sz="4450"/>
           </a:p>
         </p:txBody>
       </p:sp>
@@ -5138,11 +5036,9 @@
         </p:nvPicPr>
         <p:blipFill>
           <a:blip r:embed="rId5"/>
-          <a:stretch>
-            <a:fillRect/>
-          </a:stretch>
+          <a:stretch/>
         </p:blipFill>
-        <p:spPr>
+        <p:spPr bwMode="auto">
           <a:xfrm>
             <a:off x="793790" y="3634264"/>
             <a:ext cx="566976" cy="566976"/>
@@ -5158,7 +5054,7 @@
           <p:cNvSpPr/>
           <p:nvPr/>
         </p:nvSpPr>
-        <p:spPr>
+        <p:spPr bwMode="auto">
           <a:xfrm>
             <a:off x="793790" y="4428053"/>
             <a:ext cx="2835235" cy="354330"/>
@@ -5178,19 +5074,20 @@
                 <a:spcPts val="2750"/>
               </a:lnSpc>
               <a:buNone/>
+              <a:defRPr/>
             </a:pPr>
             <a:r>
-              <a:rPr lang="en-US" sz="2200" b="1" dirty="0">
+              <a:rPr lang="en-US" sz="2200" b="1">
                 <a:solidFill>
                   <a:srgbClr val="3C3939"/>
                 </a:solidFill>
-                <a:latin typeface="Raleway" pitchFamily="34" charset="0"/>
-                <a:ea typeface="Raleway" pitchFamily="34" charset="-122"/>
-                <a:cs typeface="Raleway" pitchFamily="34" charset="-120"/>
+                <a:latin typeface="Raleway"/>
+                <a:ea typeface="Raleway"/>
+                <a:cs typeface="Raleway"/>
               </a:rPr>
               <a:t>Lead</a:t>
             </a:r>
-            <a:endParaRPr lang="en-US" sz="2200" dirty="0"/>
+            <a:endParaRPr lang="en-US" sz="2200"/>
           </a:p>
         </p:txBody>
       </p:sp>
@@ -5200,7 +5097,7 @@
           <p:cNvSpPr/>
           <p:nvPr/>
         </p:nvSpPr>
-        <p:spPr>
+        <p:spPr bwMode="auto">
           <a:xfrm>
             <a:off x="793790" y="4918472"/>
             <a:ext cx="3608070" cy="725805"/>
@@ -5220,19 +5117,20 @@
                 <a:spcPts val="2850"/>
               </a:lnSpc>
               <a:buNone/>
+              <a:defRPr/>
             </a:pPr>
             <a:r>
-              <a:rPr lang="en-US" sz="1750" dirty="0">
+              <a:rPr lang="en-US" sz="1750">
                 <a:solidFill>
                   <a:srgbClr val="3C3939"/>
                 </a:solidFill>
-                <a:latin typeface="Roboto" pitchFamily="34" charset="0"/>
-                <a:ea typeface="Roboto" pitchFamily="34" charset="-122"/>
-                <a:cs typeface="Roboto" pitchFamily="34" charset="-120"/>
+                <a:latin typeface="Roboto"/>
+                <a:ea typeface="Roboto"/>
+                <a:cs typeface="Roboto"/>
               </a:rPr>
               <a:t>Sharp Gaussian peaks, minimal scattering.</a:t>
             </a:r>
-            <a:endParaRPr lang="en-US" sz="1750" dirty="0"/>
+            <a:endParaRPr lang="en-US" sz="1750"/>
           </a:p>
         </p:txBody>
       </p:sp>
@@ -5246,11 +5144,9 @@
         </p:nvPicPr>
         <p:blipFill>
           <a:blip r:embed="rId6"/>
-          <a:stretch>
-            <a:fillRect/>
-          </a:stretch>
+          <a:stretch/>
         </p:blipFill>
-        <p:spPr>
+        <p:spPr bwMode="auto">
           <a:xfrm>
             <a:off x="4742021" y="3634264"/>
             <a:ext cx="566976" cy="566976"/>
@@ -5266,7 +5162,7 @@
           <p:cNvSpPr/>
           <p:nvPr/>
         </p:nvSpPr>
-        <p:spPr>
+        <p:spPr bwMode="auto">
           <a:xfrm>
             <a:off x="4742021" y="4428053"/>
             <a:ext cx="2835235" cy="354330"/>
@@ -5286,19 +5182,20 @@
                 <a:spcPts val="2750"/>
               </a:lnSpc>
               <a:buNone/>
+              <a:defRPr/>
             </a:pPr>
             <a:r>
-              <a:rPr lang="en-US" sz="2200" b="1" dirty="0">
+              <a:rPr lang="en-US" sz="2200" b="1">
                 <a:solidFill>
                   <a:srgbClr val="3C3939"/>
                 </a:solidFill>
-                <a:latin typeface="Raleway" pitchFamily="34" charset="0"/>
-                <a:ea typeface="Raleway" pitchFamily="34" charset="-122"/>
-                <a:cs typeface="Raleway" pitchFamily="34" charset="-120"/>
+                <a:latin typeface="Raleway"/>
+                <a:ea typeface="Raleway"/>
+                <a:cs typeface="Raleway"/>
               </a:rPr>
               <a:t>HY80 &amp; 30MnB5</a:t>
             </a:r>
-            <a:endParaRPr lang="en-US" sz="2200" dirty="0"/>
+            <a:endParaRPr lang="en-US" sz="2200"/>
           </a:p>
         </p:txBody>
       </p:sp>
@@ -5308,7 +5205,7 @@
           <p:cNvSpPr/>
           <p:nvPr/>
         </p:nvSpPr>
-        <p:spPr>
+        <p:spPr bwMode="auto">
           <a:xfrm>
             <a:off x="4742021" y="4918472"/>
             <a:ext cx="3608189" cy="725805"/>
@@ -5328,19 +5225,20 @@
                 <a:spcPts val="2850"/>
               </a:lnSpc>
               <a:buNone/>
+              <a:defRPr/>
             </a:pPr>
             <a:r>
-              <a:rPr lang="en-US" sz="1750" dirty="0">
+              <a:rPr lang="en-US" sz="1750">
                 <a:solidFill>
                   <a:srgbClr val="3C3939"/>
                 </a:solidFill>
-                <a:latin typeface="Roboto" pitchFamily="34" charset="0"/>
-                <a:ea typeface="Roboto" pitchFamily="34" charset="-122"/>
-                <a:cs typeface="Roboto" pitchFamily="34" charset="-120"/>
+                <a:latin typeface="Roboto"/>
+                <a:ea typeface="Roboto"/>
+                <a:cs typeface="Roboto"/>
               </a:rPr>
               <a:t>Broader Gaussian curves, scattering contributions.</a:t>
             </a:r>
-            <a:endParaRPr lang="en-US" sz="1750" dirty="0"/>
+            <a:endParaRPr lang="en-US" sz="1750"/>
           </a:p>
         </p:txBody>
       </p:sp>
@@ -5349,15 +5247,15 @@
   <p:clrMapOvr>
     <a:masterClrMapping/>
   </p:clrMapOvr>
-  <mc:AlternateContent xmlns:mc="http://schemas.openxmlformats.org/markup-compatibility/2006" xmlns:p14="http://schemas.microsoft.com/office/powerpoint/2010/main">
-    <mc:Choice Requires="p14">
-      <p:transition spd="med" p14:dur="700">
-        <p:fade/>
+  <mc:AlternateContent xmlns:mc="http://schemas.openxmlformats.org/markup-compatibility/2006">
+    <mc:Choice xmlns:p159="http://schemas.microsoft.com/office/powerpoint/2015/09/main" xmlns:p14="http://schemas.microsoft.com/office/powerpoint/2010/main" Requires="p159">
+      <p:transition spd="med" p14:dur="700" advClick="1">
+        <p:fade thruBlk="0"/>
       </p:transition>
     </mc:Choice>
-    <mc:Fallback xmlns="">
-      <p:transition spd="med">
-        <p:fade/>
+    <mc:Fallback>
+      <p:transition spd="med" advClick="1">
+        <p:fade thruBlk="0"/>
       </p:transition>
     </mc:Fallback>
   </mc:AlternateContent>
@@ -5365,7 +5263,7 @@
 </file>
 
 <file path=ppt/slides/slide8.xml><?xml version="1.0" encoding="utf-8"?>
-<p:sld xmlns:a="http://schemas.openxmlformats.org/drawingml/2006/main" xmlns:r="http://schemas.openxmlformats.org/officeDocument/2006/relationships" xmlns:p="http://schemas.openxmlformats.org/presentationml/2006/main">
+<p:sld xmlns:a="http://schemas.openxmlformats.org/drawingml/2006/main" xmlns:r="http://schemas.openxmlformats.org/officeDocument/2006/relationships" xmlns:p="http://schemas.openxmlformats.org/presentationml/2006/main" xmlns:m="http://schemas.openxmlformats.org/officeDocument/2006/math" xmlns:w="http://schemas.openxmlformats.org/wordprocessingml/2006/main" xmlns:mc="http://schemas.openxmlformats.org/markup-compatibility/2006" showMasterPhAnim="0" showMasterSp="1" show="1">
   <p:cSld name="Slide 9">
     <p:spTree>
       <p:nvGrpSpPr>
@@ -5373,7 +5271,7 @@
         <p:cNvGrpSpPr/>
         <p:nvPr/>
       </p:nvGrpSpPr>
-      <p:grpSpPr>
+      <p:grpSpPr bwMode="auto">
         <a:xfrm>
           <a:off x="0" y="0"/>
           <a:ext cx="0" cy="0"/>
@@ -5391,11 +5289,9 @@
         </p:nvPicPr>
         <p:blipFill>
           <a:blip r:embed="rId3"/>
-          <a:stretch>
-            <a:fillRect/>
-          </a:stretch>
+          <a:stretch/>
         </p:blipFill>
-        <p:spPr>
+        <p:spPr bwMode="auto">
           <a:xfrm>
             <a:off x="9144000" y="0"/>
             <a:ext cx="5486400" cy="8229600"/>
@@ -5415,10 +5311,9 @@
         </p:nvPicPr>
         <p:blipFill>
           <a:blip r:embed="rId4"/>
-          <a:srcRect/>
           <a:stretch/>
         </p:blipFill>
-        <p:spPr>
+        <p:spPr bwMode="auto">
           <a:xfrm>
             <a:off x="9745980" y="2517382"/>
             <a:ext cx="4282440" cy="3194836"/>
@@ -5434,7 +5329,7 @@
           <p:cNvSpPr/>
           <p:nvPr/>
         </p:nvSpPr>
-        <p:spPr>
+        <p:spPr bwMode="auto">
           <a:xfrm>
             <a:off x="793790" y="942618"/>
             <a:ext cx="6224349" cy="708779"/>
@@ -5454,19 +5349,20 @@
                 <a:spcPts val="5550"/>
               </a:lnSpc>
               <a:buNone/>
+              <a:defRPr/>
             </a:pPr>
             <a:r>
-              <a:rPr lang="en-US" sz="4450" dirty="0">
+              <a:rPr lang="en-US" sz="4450">
                 <a:solidFill>
                   <a:srgbClr val="1B1B27"/>
                 </a:solidFill>
-                <a:latin typeface="Raleway" pitchFamily="34" charset="0"/>
-                <a:ea typeface="Raleway" pitchFamily="34" charset="-122"/>
-                <a:cs typeface="Raleway" pitchFamily="34" charset="-120"/>
+                <a:latin typeface="Raleway"/>
+                <a:ea typeface="Raleway"/>
+                <a:cs typeface="Raleway"/>
               </a:rPr>
               <a:t>Weight vs. Performance</a:t>
             </a:r>
-            <a:endParaRPr lang="en-US" sz="4450" dirty="0"/>
+            <a:endParaRPr lang="en-US" sz="4450"/>
           </a:p>
         </p:txBody>
       </p:sp>
@@ -5476,7 +5372,7 @@
           <p:cNvSpPr/>
           <p:nvPr/>
         </p:nvSpPr>
-        <p:spPr>
+        <p:spPr bwMode="auto">
           <a:xfrm>
             <a:off x="793790" y="1991558"/>
             <a:ext cx="7556421" cy="362903"/>
@@ -5496,8 +5392,9 @@
                 <a:spcPts val="2850"/>
               </a:lnSpc>
               <a:buNone/>
-            </a:pPr>
-            <a:endParaRPr lang="en-US" sz="1750" dirty="0"/>
+              <a:defRPr/>
+            </a:pPr>
+            <a:endParaRPr lang="en-US" sz="1750"/>
           </a:p>
         </p:txBody>
       </p:sp>
@@ -5507,7 +5404,7 @@
           <p:cNvSpPr/>
           <p:nvPr/>
         </p:nvSpPr>
-        <p:spPr>
+        <p:spPr bwMode="auto">
           <a:xfrm>
             <a:off x="793790" y="2722959"/>
             <a:ext cx="7556421" cy="748427"/>
@@ -5527,19 +5424,20 @@
                 <a:spcPts val="5850"/>
               </a:lnSpc>
               <a:buNone/>
+              <a:defRPr/>
             </a:pPr>
             <a:r>
-              <a:rPr lang="en-US" sz="5850" dirty="0">
+              <a:rPr lang="en-US" sz="5850">
                 <a:solidFill>
                   <a:srgbClr val="3C3939"/>
                 </a:solidFill>
-                <a:latin typeface="Raleway" pitchFamily="34" charset="0"/>
-                <a:ea typeface="Raleway" pitchFamily="34" charset="-122"/>
-                <a:cs typeface="Raleway" pitchFamily="34" charset="-120"/>
+                <a:latin typeface="Raleway"/>
+                <a:ea typeface="Raleway"/>
+                <a:cs typeface="Raleway"/>
               </a:rPr>
               <a:t>1</a:t>
             </a:r>
-            <a:endParaRPr lang="en-US" sz="5850" dirty="0"/>
+            <a:endParaRPr lang="en-US" sz="5850"/>
           </a:p>
         </p:txBody>
       </p:sp>
@@ -5549,9 +5447,9 @@
           <p:cNvSpPr/>
           <p:nvPr/>
         </p:nvSpPr>
-        <p:spPr>
-          <a:xfrm>
-            <a:off x="3154323" y="3754755"/>
+        <p:spPr bwMode="auto">
+          <a:xfrm>
+            <a:off x="3154322" y="3754755"/>
             <a:ext cx="2835235" cy="354330"/>
           </a:xfrm>
           <a:prstGeom prst="rect">
@@ -5569,19 +5467,20 @@
                 <a:spcPts val="2750"/>
               </a:lnSpc>
               <a:buNone/>
+              <a:defRPr/>
             </a:pPr>
             <a:r>
-              <a:rPr lang="en-US" sz="2200" dirty="0">
+              <a:rPr lang="en-US" sz="2200">
                 <a:solidFill>
                   <a:srgbClr val="3C3939"/>
                 </a:solidFill>
-                <a:latin typeface="Raleway" pitchFamily="34" charset="0"/>
-                <a:ea typeface="Raleway" pitchFamily="34" charset="-122"/>
-                <a:cs typeface="Raleway" pitchFamily="34" charset="-120"/>
+                <a:latin typeface="Raleway"/>
+                <a:ea typeface="Raleway"/>
+                <a:cs typeface="Raleway"/>
               </a:rPr>
               <a:t>Lead</a:t>
             </a:r>
-            <a:endParaRPr lang="en-US" sz="2200" dirty="0"/>
+            <a:endParaRPr lang="en-US" sz="2200"/>
           </a:p>
         </p:txBody>
       </p:sp>
@@ -5591,7 +5490,7 @@
           <p:cNvSpPr/>
           <p:nvPr/>
         </p:nvSpPr>
-        <p:spPr>
+        <p:spPr bwMode="auto">
           <a:xfrm>
             <a:off x="793790" y="4245173"/>
             <a:ext cx="7556421" cy="362903"/>
@@ -5611,19 +5510,20 @@
                 <a:spcPts val="2850"/>
               </a:lnSpc>
               <a:buNone/>
+              <a:defRPr/>
             </a:pPr>
             <a:r>
-              <a:rPr lang="en-US" sz="1750" dirty="0">
+              <a:rPr lang="en-US" sz="1750">
                 <a:solidFill>
                   <a:srgbClr val="3C3939"/>
                 </a:solidFill>
-                <a:latin typeface="Roboto" pitchFamily="34" charset="0"/>
-                <a:ea typeface="Roboto" pitchFamily="34" charset="-122"/>
-                <a:cs typeface="Roboto" pitchFamily="34" charset="-120"/>
+                <a:latin typeface="Roboto"/>
+                <a:ea typeface="Roboto"/>
+                <a:cs typeface="Roboto"/>
               </a:rPr>
               <a:t>Most efficient gamma shield, heaviest.</a:t>
             </a:r>
-            <a:endParaRPr lang="en-US" sz="1750" dirty="0"/>
+            <a:endParaRPr lang="en-US" sz="1750"/>
           </a:p>
         </p:txBody>
       </p:sp>
@@ -5633,9 +5533,9 @@
           <p:cNvSpPr/>
           <p:nvPr/>
         </p:nvSpPr>
-        <p:spPr>
-          <a:xfrm>
-            <a:off x="793790" y="5401866"/>
+        <p:spPr bwMode="auto">
+          <a:xfrm>
+            <a:off x="793790" y="5401865"/>
             <a:ext cx="7556421" cy="748427"/>
           </a:xfrm>
           <a:prstGeom prst="rect">
@@ -5653,19 +5553,20 @@
                 <a:spcPts val="5850"/>
               </a:lnSpc>
               <a:buNone/>
+              <a:defRPr/>
             </a:pPr>
             <a:r>
-              <a:rPr lang="en-US" sz="5850" dirty="0">
+              <a:rPr lang="en-US" sz="5850">
                 <a:solidFill>
                   <a:srgbClr val="3C3939"/>
                 </a:solidFill>
-                <a:latin typeface="Raleway" pitchFamily="34" charset="0"/>
-                <a:ea typeface="Raleway" pitchFamily="34" charset="-122"/>
-                <a:cs typeface="Raleway" pitchFamily="34" charset="-120"/>
+                <a:latin typeface="Raleway"/>
+                <a:ea typeface="Raleway"/>
+                <a:cs typeface="Raleway"/>
               </a:rPr>
               <a:t>2</a:t>
             </a:r>
-            <a:endParaRPr lang="en-US" sz="5850" dirty="0"/>
+            <a:endParaRPr lang="en-US" sz="5850"/>
           </a:p>
         </p:txBody>
       </p:sp>
@@ -5675,9 +5576,9 @@
           <p:cNvSpPr/>
           <p:nvPr/>
         </p:nvSpPr>
-        <p:spPr>
-          <a:xfrm>
-            <a:off x="3154323" y="6433661"/>
+        <p:spPr bwMode="auto">
+          <a:xfrm>
+            <a:off x="3154322" y="6433661"/>
             <a:ext cx="2835235" cy="354330"/>
           </a:xfrm>
           <a:prstGeom prst="rect">
@@ -5695,19 +5596,20 @@
                 <a:spcPts val="2750"/>
               </a:lnSpc>
               <a:buNone/>
+              <a:defRPr/>
             </a:pPr>
             <a:r>
-              <a:rPr lang="en-US" sz="2200" dirty="0">
+              <a:rPr lang="en-US" sz="2200">
                 <a:solidFill>
                   <a:srgbClr val="3C3939"/>
                 </a:solidFill>
-                <a:latin typeface="Raleway" pitchFamily="34" charset="0"/>
-                <a:ea typeface="Raleway" pitchFamily="34" charset="-122"/>
-                <a:cs typeface="Raleway" pitchFamily="34" charset="-120"/>
+                <a:latin typeface="Raleway"/>
+                <a:ea typeface="Raleway"/>
+                <a:cs typeface="Raleway"/>
               </a:rPr>
               <a:t>HY80 &amp; 30MnB5</a:t>
             </a:r>
-            <a:endParaRPr lang="en-US" sz="2200" dirty="0"/>
+            <a:endParaRPr lang="en-US" sz="2200"/>
           </a:p>
         </p:txBody>
       </p:sp>
@@ -5717,7 +5619,7 @@
           <p:cNvSpPr/>
           <p:nvPr/>
         </p:nvSpPr>
-        <p:spPr>
+        <p:spPr bwMode="auto">
           <a:xfrm>
             <a:off x="793790" y="6924080"/>
             <a:ext cx="7556421" cy="362903"/>
@@ -5737,19 +5639,20 @@
                 <a:spcPts val="2850"/>
               </a:lnSpc>
               <a:buNone/>
+              <a:defRPr/>
             </a:pPr>
             <a:r>
-              <a:rPr lang="en-US" sz="1750" dirty="0">
+              <a:rPr lang="en-US" sz="1750">
                 <a:solidFill>
                   <a:srgbClr val="3C3939"/>
                 </a:solidFill>
-                <a:latin typeface="Roboto" pitchFamily="34" charset="0"/>
-                <a:ea typeface="Roboto" pitchFamily="34" charset="-122"/>
-                <a:cs typeface="Roboto" pitchFamily="34" charset="-120"/>
+                <a:latin typeface="Roboto"/>
+                <a:ea typeface="Roboto"/>
+                <a:cs typeface="Roboto"/>
               </a:rPr>
               <a:t>Better weight-to-performance ratios, require increased thickness.</a:t>
             </a:r>
-            <a:endParaRPr lang="en-US" sz="1750" dirty="0"/>
+            <a:endParaRPr lang="en-US" sz="1750"/>
           </a:p>
         </p:txBody>
       </p:sp>
@@ -5758,15 +5661,15 @@
   <p:clrMapOvr>
     <a:masterClrMapping/>
   </p:clrMapOvr>
-  <mc:AlternateContent xmlns:mc="http://schemas.openxmlformats.org/markup-compatibility/2006" xmlns:p14="http://schemas.microsoft.com/office/powerpoint/2010/main">
-    <mc:Choice Requires="p14">
-      <p:transition spd="med" p14:dur="700">
-        <p:fade/>
+  <mc:AlternateContent xmlns:mc="http://schemas.openxmlformats.org/markup-compatibility/2006">
+    <mc:Choice xmlns:p159="http://schemas.microsoft.com/office/powerpoint/2015/09/main" xmlns:p14="http://schemas.microsoft.com/office/powerpoint/2010/main" Requires="p159">
+      <p:transition spd="med" p14:dur="700" advClick="1">
+        <p:fade thruBlk="0"/>
       </p:transition>
     </mc:Choice>
-    <mc:Fallback xmlns="">
-      <p:transition spd="med">
-        <p:fade/>
+    <mc:Fallback>
+      <p:transition spd="med" advClick="1">
+        <p:fade thruBlk="0"/>
       </p:transition>
     </mc:Fallback>
   </mc:AlternateContent>
@@ -5774,7 +5677,7 @@
 </file>
 
 <file path=ppt/slides/slide9.xml><?xml version="1.0" encoding="utf-8"?>
-<p:sld xmlns:a="http://schemas.openxmlformats.org/drawingml/2006/main" xmlns:r="http://schemas.openxmlformats.org/officeDocument/2006/relationships" xmlns:p="http://schemas.openxmlformats.org/presentationml/2006/main">
+<p:sld xmlns:a="http://schemas.openxmlformats.org/drawingml/2006/main" xmlns:r="http://schemas.openxmlformats.org/officeDocument/2006/relationships" xmlns:p="http://schemas.openxmlformats.org/presentationml/2006/main" xmlns:m="http://schemas.openxmlformats.org/officeDocument/2006/math" xmlns:w="http://schemas.openxmlformats.org/wordprocessingml/2006/main" xmlns:mc="http://schemas.openxmlformats.org/markup-compatibility/2006" showMasterPhAnim="0" showMasterSp="1" show="1">
   <p:cSld name="Slide 10">
     <p:spTree>
       <p:nvGrpSpPr>
@@ -5782,7 +5685,7 @@
         <p:cNvGrpSpPr/>
         <p:nvPr/>
       </p:nvGrpSpPr>
-      <p:grpSpPr>
+      <p:grpSpPr bwMode="auto">
         <a:xfrm>
           <a:off x="0" y="0"/>
           <a:ext cx="0" cy="0"/>
@@ -5796,7 +5699,7 @@
           <p:cNvSpPr/>
           <p:nvPr/>
         </p:nvSpPr>
-        <p:spPr>
+        <p:spPr bwMode="auto">
           <a:xfrm>
             <a:off x="793790" y="1459825"/>
             <a:ext cx="9165788" cy="708779"/>
@@ -5816,19 +5719,20 @@
                 <a:spcPts val="5550"/>
               </a:lnSpc>
               <a:buNone/>
+              <a:defRPr/>
             </a:pPr>
             <a:r>
-              <a:rPr lang="en-US" sz="4450" dirty="0">
+              <a:rPr lang="en-US" sz="4450">
                 <a:solidFill>
                   <a:srgbClr val="1B1B27"/>
                 </a:solidFill>
-                <a:latin typeface="Raleway" pitchFamily="34" charset="0"/>
-                <a:ea typeface="Raleway" pitchFamily="34" charset="-122"/>
-                <a:cs typeface="Raleway" pitchFamily="34" charset="-120"/>
+                <a:latin typeface="Raleway"/>
+                <a:ea typeface="Raleway"/>
+                <a:cs typeface="Raleway"/>
               </a:rPr>
               <a:t>Recommendations and Conclusion</a:t>
             </a:r>
-            <a:endParaRPr lang="en-US" sz="4450" dirty="0"/>
+            <a:endParaRPr lang="en-US" sz="4450"/>
           </a:p>
         </p:txBody>
       </p:sp>
@@ -5838,7 +5742,7 @@
           <p:cNvSpPr/>
           <p:nvPr/>
         </p:nvSpPr>
-        <p:spPr>
+        <p:spPr bwMode="auto">
           <a:xfrm>
             <a:off x="793790" y="2622233"/>
             <a:ext cx="2173724" cy="1306949"/>
@@ -5865,9 +5769,9 @@
           <p:cNvSpPr/>
           <p:nvPr/>
         </p:nvSpPr>
-        <p:spPr>
-          <a:xfrm>
-            <a:off x="1028224" y="3048953"/>
+        <p:spPr bwMode="auto">
+          <a:xfrm>
+            <a:off x="1028224" y="3048952"/>
             <a:ext cx="121325" cy="453509"/>
           </a:xfrm>
           <a:prstGeom prst="rect">
@@ -5885,19 +5789,20 @@
                 <a:spcPts val="3550"/>
               </a:lnSpc>
               <a:buNone/>
+              <a:defRPr/>
             </a:pPr>
             <a:r>
-              <a:rPr lang="en-US" sz="2200" dirty="0">
+              <a:rPr lang="en-US" sz="2200">
                 <a:solidFill>
                   <a:srgbClr val="3C3939"/>
                 </a:solidFill>
-                <a:latin typeface="Raleway" pitchFamily="34" charset="0"/>
-                <a:ea typeface="Raleway" pitchFamily="34" charset="-122"/>
-                <a:cs typeface="Raleway" pitchFamily="34" charset="-120"/>
+                <a:latin typeface="Raleway"/>
+                <a:ea typeface="Raleway"/>
+                <a:cs typeface="Raleway"/>
               </a:rPr>
               <a:t>1</a:t>
             </a:r>
-            <a:endParaRPr lang="en-US" sz="2200" dirty="0"/>
+            <a:endParaRPr lang="en-US" sz="2200"/>
           </a:p>
         </p:txBody>
       </p:sp>
@@ -5907,7 +5812,7 @@
           <p:cNvSpPr/>
           <p:nvPr/>
         </p:nvSpPr>
-        <p:spPr>
+        <p:spPr bwMode="auto">
           <a:xfrm>
             <a:off x="3194328" y="2849047"/>
             <a:ext cx="2835235" cy="354330"/>
@@ -5927,19 +5832,20 @@
                 <a:spcPts val="2750"/>
               </a:lnSpc>
               <a:buNone/>
+              <a:defRPr/>
             </a:pPr>
             <a:r>
-              <a:rPr lang="en-US" sz="2200" dirty="0">
+              <a:rPr lang="en-US" sz="2200">
                 <a:solidFill>
                   <a:srgbClr val="3C3939"/>
                 </a:solidFill>
-                <a:latin typeface="Raleway" pitchFamily="34" charset="0"/>
-                <a:ea typeface="Raleway" pitchFamily="34" charset="-122"/>
-                <a:cs typeface="Raleway" pitchFamily="34" charset="-120"/>
+                <a:latin typeface="Raleway"/>
+                <a:ea typeface="Raleway"/>
+                <a:cs typeface="Raleway"/>
               </a:rPr>
               <a:t>Hybrid Designs</a:t>
             </a:r>
-            <a:endParaRPr lang="en-US" sz="2200" dirty="0"/>
+            <a:endParaRPr lang="en-US" sz="2200"/>
           </a:p>
         </p:txBody>
       </p:sp>
@@ -5949,7 +5855,7 @@
           <p:cNvSpPr/>
           <p:nvPr/>
         </p:nvSpPr>
-        <p:spPr>
+        <p:spPr bwMode="auto">
           <a:xfrm>
             <a:off x="3194328" y="3339465"/>
             <a:ext cx="5477828" cy="362903"/>
@@ -5969,19 +5875,20 @@
                 <a:spcPts val="2850"/>
               </a:lnSpc>
               <a:buNone/>
+              <a:defRPr/>
             </a:pPr>
             <a:r>
-              <a:rPr lang="en-US" sz="1750" dirty="0">
+              <a:rPr lang="en-US" sz="1750">
                 <a:solidFill>
                   <a:srgbClr val="3C3939"/>
                 </a:solidFill>
-                <a:latin typeface="Roboto" pitchFamily="34" charset="0"/>
-                <a:ea typeface="Roboto" pitchFamily="34" charset="-122"/>
-                <a:cs typeface="Roboto" pitchFamily="34" charset="-120"/>
+                <a:latin typeface="Roboto"/>
+                <a:ea typeface="Roboto"/>
+                <a:cs typeface="Roboto"/>
               </a:rPr>
               <a:t>Combine HY80 (outer layer) with 30MnB5 (inner layer).</a:t>
             </a:r>
-            <a:endParaRPr lang="en-US" sz="1750" dirty="0"/>
+            <a:endParaRPr lang="en-US" sz="1750"/>
           </a:p>
         </p:txBody>
       </p:sp>
@@ -5991,7 +5898,7 @@
           <p:cNvSpPr/>
           <p:nvPr/>
         </p:nvSpPr>
-        <p:spPr>
+        <p:spPr bwMode="auto">
           <a:xfrm>
             <a:off x="3080861" y="3913942"/>
             <a:ext cx="10642402" cy="15240"/>
@@ -6013,7 +5920,7 @@
           <p:cNvSpPr/>
           <p:nvPr/>
         </p:nvSpPr>
-        <p:spPr>
+        <p:spPr bwMode="auto">
           <a:xfrm>
             <a:off x="793790" y="4042529"/>
             <a:ext cx="4347567" cy="1306949"/>
@@ -6040,7 +5947,7 @@
           <p:cNvSpPr/>
           <p:nvPr/>
         </p:nvSpPr>
-        <p:spPr>
+        <p:spPr bwMode="auto">
           <a:xfrm>
             <a:off x="1028224" y="4469249"/>
             <a:ext cx="147637" cy="453509"/>
@@ -6060,19 +5967,20 @@
                 <a:spcPts val="3550"/>
               </a:lnSpc>
               <a:buNone/>
+              <a:defRPr/>
             </a:pPr>
             <a:r>
-              <a:rPr lang="en-US" sz="2200" dirty="0">
+              <a:rPr lang="en-US" sz="2200">
                 <a:solidFill>
                   <a:srgbClr val="3C3939"/>
                 </a:solidFill>
-                <a:latin typeface="Raleway" pitchFamily="34" charset="0"/>
-                <a:ea typeface="Raleway" pitchFamily="34" charset="-122"/>
-                <a:cs typeface="Raleway" pitchFamily="34" charset="-120"/>
+                <a:latin typeface="Raleway"/>
+                <a:ea typeface="Raleway"/>
+                <a:cs typeface="Raleway"/>
               </a:rPr>
               <a:t>2</a:t>
             </a:r>
-            <a:endParaRPr lang="en-US" sz="2200" dirty="0"/>
+            <a:endParaRPr lang="en-US" sz="2200"/>
           </a:p>
         </p:txBody>
       </p:sp>
@@ -6082,7 +5990,7 @@
           <p:cNvSpPr/>
           <p:nvPr/>
         </p:nvSpPr>
-        <p:spPr>
+        <p:spPr bwMode="auto">
           <a:xfrm>
             <a:off x="5368171" y="4269343"/>
             <a:ext cx="2835235" cy="354330"/>
@@ -6102,19 +6010,20 @@
                 <a:spcPts val="2750"/>
               </a:lnSpc>
               <a:buNone/>
+              <a:defRPr/>
             </a:pPr>
             <a:r>
-              <a:rPr lang="en-US" sz="2200" dirty="0">
+              <a:rPr lang="en-US" sz="2200">
                 <a:solidFill>
                   <a:srgbClr val="3C3939"/>
                 </a:solidFill>
-                <a:latin typeface="Raleway" pitchFamily="34" charset="0"/>
-                <a:ea typeface="Raleway" pitchFamily="34" charset="-122"/>
-                <a:cs typeface="Raleway" pitchFamily="34" charset="-120"/>
+                <a:latin typeface="Raleway"/>
+                <a:ea typeface="Raleway"/>
+                <a:cs typeface="Raleway"/>
               </a:rPr>
               <a:t>Testing Conditions</a:t>
             </a:r>
-            <a:endParaRPr lang="en-US" sz="2200" dirty="0"/>
+            <a:endParaRPr lang="en-US" sz="2200"/>
           </a:p>
         </p:txBody>
       </p:sp>
@@ -6124,7 +6033,7 @@
           <p:cNvSpPr/>
           <p:nvPr/>
         </p:nvSpPr>
-        <p:spPr>
+        <p:spPr bwMode="auto">
           <a:xfrm>
             <a:off x="5368171" y="4759762"/>
             <a:ext cx="7093148" cy="362903"/>
@@ -6144,19 +6053,20 @@
                 <a:spcPts val="2850"/>
               </a:lnSpc>
               <a:buNone/>
+              <a:defRPr/>
             </a:pPr>
             <a:r>
-              <a:rPr lang="en-US" sz="1750" dirty="0">
+              <a:rPr lang="en-US" sz="1750">
                 <a:solidFill>
                   <a:srgbClr val="3C3939"/>
                 </a:solidFill>
-                <a:latin typeface="Roboto" pitchFamily="34" charset="0"/>
-                <a:ea typeface="Roboto" pitchFamily="34" charset="-122"/>
-                <a:cs typeface="Roboto" pitchFamily="34" charset="-120"/>
+                <a:latin typeface="Roboto"/>
+                <a:ea typeface="Roboto"/>
+                <a:cs typeface="Roboto"/>
               </a:rPr>
               <a:t>Simulate high-pressure, high-temperature, and corrosive environments.</a:t>
             </a:r>
-            <a:endParaRPr lang="en-US" sz="1750" dirty="0"/>
+            <a:endParaRPr lang="en-US" sz="1750"/>
           </a:p>
         </p:txBody>
       </p:sp>
@@ -6166,7 +6076,7 @@
           <p:cNvSpPr/>
           <p:nvPr/>
         </p:nvSpPr>
-        <p:spPr>
+        <p:spPr bwMode="auto">
           <a:xfrm>
             <a:off x="5254704" y="5334238"/>
             <a:ext cx="8468558" cy="15240"/>
@@ -6188,7 +6098,7 @@
           <p:cNvSpPr/>
           <p:nvPr/>
         </p:nvSpPr>
-        <p:spPr>
+        <p:spPr bwMode="auto">
           <a:xfrm>
             <a:off x="793790" y="5462826"/>
             <a:ext cx="6521410" cy="1306949"/>
@@ -6215,7 +6125,7 @@
           <p:cNvSpPr/>
           <p:nvPr/>
         </p:nvSpPr>
-        <p:spPr>
+        <p:spPr bwMode="auto">
           <a:xfrm>
             <a:off x="1028224" y="5889546"/>
             <a:ext cx="151328" cy="453509"/>
@@ -6235,19 +6145,20 @@
                 <a:spcPts val="3550"/>
               </a:lnSpc>
               <a:buNone/>
+              <a:defRPr/>
             </a:pPr>
             <a:r>
-              <a:rPr lang="en-US" sz="2200" dirty="0">
+              <a:rPr lang="en-US" sz="2200">
                 <a:solidFill>
                   <a:srgbClr val="3C3939"/>
                 </a:solidFill>
-                <a:latin typeface="Raleway" pitchFamily="34" charset="0"/>
-                <a:ea typeface="Raleway" pitchFamily="34" charset="-122"/>
-                <a:cs typeface="Raleway" pitchFamily="34" charset="-120"/>
+                <a:latin typeface="Raleway"/>
+                <a:ea typeface="Raleway"/>
+                <a:cs typeface="Raleway"/>
               </a:rPr>
               <a:t>3</a:t>
             </a:r>
-            <a:endParaRPr lang="en-US" sz="2200" dirty="0"/>
+            <a:endParaRPr lang="en-US" sz="2200"/>
           </a:p>
         </p:txBody>
       </p:sp>
@@ -6257,7 +6168,7 @@
           <p:cNvSpPr/>
           <p:nvPr/>
         </p:nvSpPr>
-        <p:spPr>
+        <p:spPr bwMode="auto">
           <a:xfrm>
             <a:off x="7542014" y="5689640"/>
             <a:ext cx="2835235" cy="354330"/>
@@ -6277,19 +6188,20 @@
                 <a:spcPts val="2750"/>
               </a:lnSpc>
               <a:buNone/>
+              <a:defRPr/>
             </a:pPr>
             <a:r>
-              <a:rPr lang="en-US" sz="2200" dirty="0">
+              <a:rPr lang="en-US" sz="2200">
                 <a:solidFill>
                   <a:srgbClr val="3C3939"/>
                 </a:solidFill>
-                <a:latin typeface="Raleway" pitchFamily="34" charset="0"/>
-                <a:ea typeface="Raleway" pitchFamily="34" charset="-122"/>
-                <a:cs typeface="Raleway" pitchFamily="34" charset="-120"/>
+                <a:latin typeface="Raleway"/>
+                <a:ea typeface="Raleway"/>
+                <a:cs typeface="Raleway"/>
               </a:rPr>
               <a:t>Optimization</a:t>
             </a:r>
-            <a:endParaRPr lang="en-US" sz="2200" dirty="0"/>
+            <a:endParaRPr lang="en-US" sz="2200"/>
           </a:p>
         </p:txBody>
       </p:sp>
@@ -6299,7 +6211,7 @@
           <p:cNvSpPr/>
           <p:nvPr/>
         </p:nvSpPr>
-        <p:spPr>
+        <p:spPr bwMode="auto">
           <a:xfrm>
             <a:off x="7542014" y="6180058"/>
             <a:ext cx="5322927" cy="362903"/>
@@ -6319,31 +6231,26 @@
                 <a:spcPts val="2850"/>
               </a:lnSpc>
               <a:buNone/>
+              <a:defRPr/>
             </a:pPr>
             <a:r>
-              <a:rPr lang="en-US" sz="1750" dirty="0">
+              <a:rPr lang="en-US" sz="1750">
                 <a:solidFill>
                   <a:srgbClr val="3C3939"/>
                 </a:solidFill>
-                <a:latin typeface="Roboto" pitchFamily="34" charset="0"/>
-                <a:ea typeface="Roboto" pitchFamily="34" charset="-122"/>
-                <a:cs typeface="Roboto" pitchFamily="34" charset="-120"/>
+                <a:latin typeface="Roboto"/>
+                <a:ea typeface="Roboto"/>
+                <a:cs typeface="Roboto"/>
               </a:rPr>
               <a:t>Use simulation tools to refine material combinations.</a:t>
             </a:r>
-            <a:endParaRPr lang="en-US" sz="1750" dirty="0"/>
+            <a:endParaRPr lang="en-US" sz="1750"/>
           </a:p>
         </p:txBody>
       </p:sp>
       <p:pic>
         <p:nvPicPr>
-          <p:cNvPr id="18" name="Picture 17">
-            <a:extLst>
-              <a:ext uri="{FF2B5EF4-FFF2-40B4-BE49-F238E27FC236}">
-                <a16:creationId xmlns:a16="http://schemas.microsoft.com/office/drawing/2014/main" id="{72227E4C-7094-C537-698E-A0EB977371A6}"/>
-              </a:ext>
-            </a:extLst>
-          </p:cNvPr>
+          <p:cNvPr id="18" name="Picture 17"/>
           <p:cNvPicPr>
             <a:picLocks noChangeAspect="1"/>
           </p:cNvPicPr>
@@ -6351,11 +6258,9 @@
         </p:nvPicPr>
         <p:blipFill>
           <a:blip r:embed="rId3"/>
-          <a:stretch>
-            <a:fillRect/>
-          </a:stretch>
+          <a:stretch/>
         </p:blipFill>
-        <p:spPr>
+        <p:spPr bwMode="auto">
           <a:xfrm>
             <a:off x="11686764" y="7534178"/>
             <a:ext cx="2943636" cy="695422"/>
@@ -6370,15 +6275,15 @@
   <p:clrMapOvr>
     <a:masterClrMapping/>
   </p:clrMapOvr>
-  <mc:AlternateContent xmlns:mc="http://schemas.openxmlformats.org/markup-compatibility/2006" xmlns:p14="http://schemas.microsoft.com/office/powerpoint/2010/main">
-    <mc:Choice Requires="p14">
-      <p:transition spd="med" p14:dur="700">
-        <p:fade/>
+  <mc:AlternateContent xmlns:mc="http://schemas.openxmlformats.org/markup-compatibility/2006">
+    <mc:Choice xmlns:p159="http://schemas.microsoft.com/office/powerpoint/2015/09/main" xmlns:p14="http://schemas.microsoft.com/office/powerpoint/2010/main" Requires="p159">
+      <p:transition spd="med" p14:dur="700" advClick="1">
+        <p:fade thruBlk="0"/>
       </p:transition>
     </mc:Choice>
-    <mc:Fallback xmlns="">
-      <p:transition spd="med">
-        <p:fade/>
+    <mc:Fallback>
+      <p:transition spd="med" advClick="1">
+        <p:fade thruBlk="0"/>
       </p:transition>
     </mc:Fallback>
   </mc:AlternateContent>
@@ -6386,7 +6291,7 @@
 </file>
 
 <file path=ppt/theme/theme1.xml><?xml version="1.0" encoding="utf-8"?>
-<a:theme xmlns:a="http://schemas.openxmlformats.org/drawingml/2006/main" name="Office Theme">
+<a:theme xmlns:a="http://schemas.openxmlformats.org/drawingml/2006/main" xmlns:r="http://schemas.openxmlformats.org/officeDocument/2006/relationships" xmlns:p="http://schemas.openxmlformats.org/presentationml/2006/main" name="Office Theme">
   <a:themeElements>
     <a:clrScheme name="Office">
       <a:dk1>
@@ -6428,108 +6333,14 @@
     </a:clrScheme>
     <a:fontScheme name="Office">
       <a:majorFont>
-        <a:latin typeface="Calibri Light" panose="020F0302020204030204"/>
-        <a:ea typeface=""/>
-        <a:cs typeface=""/>
-        <a:font script="Jpan" typeface="游ゴシック Light"/>
-        <a:font script="Hang" typeface="맑은 고딕"/>
-        <a:font script="Hans" typeface="等线 Light"/>
-        <a:font script="Hant" typeface="新細明體"/>
-        <a:font script="Arab" typeface="Times New Roman"/>
-        <a:font script="Hebr" typeface="Times New Roman"/>
-        <a:font script="Thai" typeface="Angsana New"/>
-        <a:font script="Ethi" typeface="Nyala"/>
-        <a:font script="Beng" typeface="Vrinda"/>
-        <a:font script="Gujr" typeface="Shruti"/>
-        <a:font script="Khmr" typeface="MoolBoran"/>
-        <a:font script="Knda" typeface="Tunga"/>
-        <a:font script="Guru" typeface="Raavi"/>
-        <a:font script="Cans" typeface="Euphemia"/>
-        <a:font script="Cher" typeface="Plantagenet Cherokee"/>
-        <a:font script="Yiii" typeface="Microsoft Yi Baiti"/>
-        <a:font script="Tibt" typeface="Microsoft Himalaya"/>
-        <a:font script="Thaa" typeface="MV Boli"/>
-        <a:font script="Deva" typeface="Mangal"/>
-        <a:font script="Telu" typeface="Gautami"/>
-        <a:font script="Taml" typeface="Latha"/>
-        <a:font script="Syrc" typeface="Estrangelo Edessa"/>
-        <a:font script="Orya" typeface="Kalinga"/>
-        <a:font script="Mlym" typeface="Kartika"/>
-        <a:font script="Laoo" typeface="DokChampa"/>
-        <a:font script="Sinh" typeface="Iskoola Pota"/>
-        <a:font script="Mong" typeface="Mongolian Baiti"/>
-        <a:font script="Viet" typeface="Times New Roman"/>
-        <a:font script="Uigh" typeface="Microsoft Uighur"/>
-        <a:font script="Geor" typeface="Sylfaen"/>
-        <a:font script="Armn" typeface="Arial"/>
-        <a:font script="Bugi" typeface="Leelawadee UI"/>
-        <a:font script="Bopo" typeface="Microsoft JhengHei"/>
-        <a:font script="Java" typeface="Javanese Text"/>
-        <a:font script="Lisu" typeface="Segoe UI"/>
-        <a:font script="Mymr" typeface="Myanmar Text"/>
-        <a:font script="Nkoo" typeface="Ebrima"/>
-        <a:font script="Olck" typeface="Nirmala UI"/>
-        <a:font script="Osma" typeface="Ebrima"/>
-        <a:font script="Phag" typeface="Phagspa"/>
-        <a:font script="Syrn" typeface="Estrangelo Edessa"/>
-        <a:font script="Syrj" typeface="Estrangelo Edessa"/>
-        <a:font script="Syre" typeface="Estrangelo Edessa"/>
-        <a:font script="Sora" typeface="Nirmala UI"/>
-        <a:font script="Tale" typeface="Microsoft Tai Le"/>
-        <a:font script="Talu" typeface="Microsoft New Tai Lue"/>
-        <a:font script="Tfng" typeface="Ebrima"/>
+        <a:latin typeface="Calibri Light"/>
+        <a:ea typeface="Arial"/>
+        <a:cs typeface="Arial"/>
       </a:majorFont>
       <a:minorFont>
-        <a:latin typeface="Calibri" panose="020F0502020204030204"/>
-        <a:ea typeface=""/>
-        <a:cs typeface=""/>
-        <a:font script="Jpan" typeface="游ゴシック"/>
-        <a:font script="Hang" typeface="맑은 고딕"/>
-        <a:font script="Hans" typeface="等线"/>
-        <a:font script="Hant" typeface="新細明體"/>
-        <a:font script="Arab" typeface="Arial"/>
-        <a:font script="Hebr" typeface="Arial"/>
-        <a:font script="Thai" typeface="Cordia New"/>
-        <a:font script="Ethi" typeface="Nyala"/>
-        <a:font script="Beng" typeface="Vrinda"/>
-        <a:font script="Gujr" typeface="Shruti"/>
-        <a:font script="Khmr" typeface="DaunPenh"/>
-        <a:font script="Knda" typeface="Tunga"/>
-        <a:font script="Guru" typeface="Raavi"/>
-        <a:font script="Cans" typeface="Euphemia"/>
-        <a:font script="Cher" typeface="Plantagenet Cherokee"/>
-        <a:font script="Yiii" typeface="Microsoft Yi Baiti"/>
-        <a:font script="Tibt" typeface="Microsoft Himalaya"/>
-        <a:font script="Thaa" typeface="MV Boli"/>
-        <a:font script="Deva" typeface="Mangal"/>
-        <a:font script="Telu" typeface="Gautami"/>
-        <a:font script="Taml" typeface="Latha"/>
-        <a:font script="Syrc" typeface="Estrangelo Edessa"/>
-        <a:font script="Orya" typeface="Kalinga"/>
-        <a:font script="Mlym" typeface="Kartika"/>
-        <a:font script="Laoo" typeface="DokChampa"/>
-        <a:font script="Sinh" typeface="Iskoola Pota"/>
-        <a:font script="Mong" typeface="Mongolian Baiti"/>
-        <a:font script="Viet" typeface="Arial"/>
-        <a:font script="Uigh" typeface="Microsoft Uighur"/>
-        <a:font script="Geor" typeface="Sylfaen"/>
-        <a:font script="Armn" typeface="Arial"/>
-        <a:font script="Bugi" typeface="Leelawadee UI"/>
-        <a:font script="Bopo" typeface="Microsoft JhengHei"/>
-        <a:font script="Java" typeface="Javanese Text"/>
-        <a:font script="Lisu" typeface="Segoe UI"/>
-        <a:font script="Mymr" typeface="Myanmar Text"/>
-        <a:font script="Nkoo" typeface="Ebrima"/>
-        <a:font script="Olck" typeface="Nirmala UI"/>
-        <a:font script="Osma" typeface="Ebrima"/>
-        <a:font script="Phag" typeface="Phagspa"/>
-        <a:font script="Syrn" typeface="Estrangelo Edessa"/>
-        <a:font script="Syrj" typeface="Estrangelo Edessa"/>
-        <a:font script="Syre" typeface="Estrangelo Edessa"/>
-        <a:font script="Sora" typeface="Nirmala UI"/>
-        <a:font script="Tale" typeface="Microsoft Tai Le"/>
-        <a:font script="Talu" typeface="Microsoft New Tai Lue"/>
-        <a:font script="Tfng" typeface="Ebrima"/>
+        <a:latin typeface="Calibri"/>
+        <a:ea typeface="Arial"/>
+        <a:cs typeface="Arial"/>
       </a:minorFont>
     </a:fontScheme>
     <a:fmtScheme name="Office">
@@ -6537,7 +6348,7 @@
         <a:solidFill>
           <a:schemeClr val="phClr"/>
         </a:solidFill>
-        <a:gradFill rotWithShape="1">
+        <a:gradFill>
           <a:gsLst>
             <a:gs pos="0">
               <a:schemeClr val="phClr">
@@ -6563,7 +6374,7 @@
           </a:gsLst>
           <a:lin ang="5400000" scaled="0"/>
         </a:gradFill>
-        <a:gradFill rotWithShape="1">
+        <a:gradFill>
           <a:gsLst>
             <a:gs pos="0">
               <a:schemeClr val="phClr">
@@ -6615,16 +6426,28 @@
       </a:lnStyleLst>
       <a:effectStyleLst>
         <a:effectStyle>
-          <a:effectLst/>
-        </a:effectStyle>
-        <a:effectStyle>
-          <a:effectLst/>
+          <a:effectLst>
+            <a:outerShdw blurRad="40000" dist="20000" dir="5400000" rotWithShape="0">
+              <a:srgbClr val="000000">
+                <a:alpha val="38000"/>
+              </a:srgbClr>
+            </a:outerShdw>
+          </a:effectLst>
         </a:effectStyle>
         <a:effectStyle>
           <a:effectLst>
-            <a:outerShdw blurRad="57150" dist="19050" dir="5400000" algn="ctr" rotWithShape="0">
+            <a:outerShdw blurRad="40000" dist="23000" dir="5400000" rotWithShape="0">
               <a:srgbClr val="000000">
-                <a:alpha val="63000"/>
+                <a:alpha val="35000"/>
+              </a:srgbClr>
+            </a:outerShdw>
+          </a:effectLst>
+        </a:effectStyle>
+        <a:effectStyle>
+          <a:effectLst>
+            <a:outerShdw blurRad="40000" dist="23000" dir="5400000" rotWithShape="0">
+              <a:srgbClr val="000000">
+                <a:alpha val="35000"/>
               </a:srgbClr>
             </a:outerShdw>
           </a:effectLst>
@@ -6640,7 +6463,7 @@
             <a:satMod val="170000"/>
           </a:schemeClr>
         </a:solidFill>
-        <a:gradFill rotWithShape="1">
+        <a:gradFill>
           <a:gsLst>
             <a:gs pos="0">
               <a:schemeClr val="phClr">
@@ -6671,17 +6494,11 @@
     </a:fmtScheme>
   </a:themeElements>
   <a:objectDefaults/>
-  <a:extraClrSchemeLst/>
-  <a:extLst>
-    <a:ext uri="{05A4C25C-085E-4340-85A3-A5531E510DB2}">
-      <thm15:themeFamily xmlns:thm15="http://schemas.microsoft.com/office/thememl/2012/main" name="Office Theme" id="{62F939B6-93AF-4DB8-9C6B-D6C7DFDC589F}" vid="{4A3C46E8-61CC-4603-A589-7422A47A8E4A}"/>
-    </a:ext>
-  </a:extLst>
 </a:theme>
 </file>
 
 <file path=ppt/theme/theme2.xml><?xml version="1.0" encoding="utf-8"?>
-<a:theme xmlns:a="http://schemas.openxmlformats.org/drawingml/2006/main" name="Office Theme">
+<a:theme xmlns:a="http://schemas.openxmlformats.org/drawingml/2006/main" xmlns:r="http://schemas.openxmlformats.org/officeDocument/2006/relationships" xmlns:p="http://schemas.openxmlformats.org/presentationml/2006/main" name="Office Theme">
   <a:themeElements>
     <a:clrScheme name="Office">
       <a:dk1>
@@ -6723,108 +6540,14 @@
     </a:clrScheme>
     <a:fontScheme name="Office">
       <a:majorFont>
-        <a:latin typeface="Aptos Display" panose="02110004020202020204"/>
-        <a:ea typeface=""/>
-        <a:cs typeface=""/>
-        <a:font script="Jpan" typeface="游ゴシック Light"/>
-        <a:font script="Hang" typeface="맑은 고딕"/>
-        <a:font script="Hans" typeface="等线 Light"/>
-        <a:font script="Hant" typeface="新細明體"/>
-        <a:font script="Arab" typeface="Times New Roman"/>
-        <a:font script="Hebr" typeface="Times New Roman"/>
-        <a:font script="Thai" typeface="Angsana New"/>
-        <a:font script="Ethi" typeface="Nyala"/>
-        <a:font script="Beng" typeface="Vrinda"/>
-        <a:font script="Gujr" typeface="Shruti"/>
-        <a:font script="Khmr" typeface="MoolBoran"/>
-        <a:font script="Knda" typeface="Tunga"/>
-        <a:font script="Guru" typeface="Raavi"/>
-        <a:font script="Cans" typeface="Euphemia"/>
-        <a:font script="Cher" typeface="Plantagenet Cherokee"/>
-        <a:font script="Yiii" typeface="Microsoft Yi Baiti"/>
-        <a:font script="Tibt" typeface="Microsoft Himalaya"/>
-        <a:font script="Thaa" typeface="MV Boli"/>
-        <a:font script="Deva" typeface="Mangal"/>
-        <a:font script="Telu" typeface="Gautami"/>
-        <a:font script="Taml" typeface="Latha"/>
-        <a:font script="Syrc" typeface="Estrangelo Edessa"/>
-        <a:font script="Orya" typeface="Kalinga"/>
-        <a:font script="Mlym" typeface="Kartika"/>
-        <a:font script="Laoo" typeface="DokChampa"/>
-        <a:font script="Sinh" typeface="Iskoola Pota"/>
-        <a:font script="Mong" typeface="Mongolian Baiti"/>
-        <a:font script="Viet" typeface="Times New Roman"/>
-        <a:font script="Uigh" typeface="Microsoft Uighur"/>
-        <a:font script="Geor" typeface="Sylfaen"/>
-        <a:font script="Armn" typeface="Arial"/>
-        <a:font script="Bugi" typeface="Leelawadee UI"/>
-        <a:font script="Bopo" typeface="Microsoft JhengHei"/>
-        <a:font script="Java" typeface="Javanese Text"/>
-        <a:font script="Lisu" typeface="Segoe UI"/>
-        <a:font script="Mymr" typeface="Myanmar Text"/>
-        <a:font script="Nkoo" typeface="Ebrima"/>
-        <a:font script="Olck" typeface="Nirmala UI"/>
-        <a:font script="Osma" typeface="Ebrima"/>
-        <a:font script="Phag" typeface="Phagspa"/>
-        <a:font script="Syrn" typeface="Estrangelo Edessa"/>
-        <a:font script="Syrj" typeface="Estrangelo Edessa"/>
-        <a:font script="Syre" typeface="Estrangelo Edessa"/>
-        <a:font script="Sora" typeface="Nirmala UI"/>
-        <a:font script="Tale" typeface="Microsoft Tai Le"/>
-        <a:font script="Talu" typeface="Microsoft New Tai Lue"/>
-        <a:font script="Tfng" typeface="Ebrima"/>
+        <a:latin typeface="Aptos Display"/>
+        <a:ea typeface="Arial"/>
+        <a:cs typeface="Arial"/>
       </a:majorFont>
       <a:minorFont>
-        <a:latin typeface="Aptos" panose="02110004020202020204"/>
-        <a:ea typeface=""/>
-        <a:cs typeface=""/>
-        <a:font script="Jpan" typeface="游ゴシック"/>
-        <a:font script="Hang" typeface="맑은 고딕"/>
-        <a:font script="Hans" typeface="等线"/>
-        <a:font script="Hant" typeface="新細明體"/>
-        <a:font script="Arab" typeface="Arial"/>
-        <a:font script="Hebr" typeface="Arial"/>
-        <a:font script="Thai" typeface="Cordia New"/>
-        <a:font script="Ethi" typeface="Nyala"/>
-        <a:font script="Beng" typeface="Vrinda"/>
-        <a:font script="Gujr" typeface="Shruti"/>
-        <a:font script="Khmr" typeface="DaunPenh"/>
-        <a:font script="Knda" typeface="Tunga"/>
-        <a:font script="Guru" typeface="Raavi"/>
-        <a:font script="Cans" typeface="Euphemia"/>
-        <a:font script="Cher" typeface="Plantagenet Cherokee"/>
-        <a:font script="Yiii" typeface="Microsoft Yi Baiti"/>
-        <a:font script="Tibt" typeface="Microsoft Himalaya"/>
-        <a:font script="Thaa" typeface="MV Boli"/>
-        <a:font script="Deva" typeface="Mangal"/>
-        <a:font script="Telu" typeface="Gautami"/>
-        <a:font script="Taml" typeface="Latha"/>
-        <a:font script="Syrc" typeface="Estrangelo Edessa"/>
-        <a:font script="Orya" typeface="Kalinga"/>
-        <a:font script="Mlym" typeface="Kartika"/>
-        <a:font script="Laoo" typeface="DokChampa"/>
-        <a:font script="Sinh" typeface="Iskoola Pota"/>
-        <a:font script="Mong" typeface="Mongolian Baiti"/>
-        <a:font script="Viet" typeface="Arial"/>
-        <a:font script="Uigh" typeface="Microsoft Uighur"/>
-        <a:font script="Geor" typeface="Sylfaen"/>
-        <a:font script="Armn" typeface="Arial"/>
-        <a:font script="Bugi" typeface="Leelawadee UI"/>
-        <a:font script="Bopo" typeface="Microsoft JhengHei"/>
-        <a:font script="Java" typeface="Javanese Text"/>
-        <a:font script="Lisu" typeface="Segoe UI"/>
-        <a:font script="Mymr" typeface="Myanmar Text"/>
-        <a:font script="Nkoo" typeface="Ebrima"/>
-        <a:font script="Olck" typeface="Nirmala UI"/>
-        <a:font script="Osma" typeface="Ebrima"/>
-        <a:font script="Phag" typeface="Phagspa"/>
-        <a:font script="Syrn" typeface="Estrangelo Edessa"/>
-        <a:font script="Syrj" typeface="Estrangelo Edessa"/>
-        <a:font script="Syre" typeface="Estrangelo Edessa"/>
-        <a:font script="Sora" typeface="Nirmala UI"/>
-        <a:font script="Tale" typeface="Microsoft Tai Le"/>
-        <a:font script="Talu" typeface="Microsoft New Tai Lue"/>
-        <a:font script="Tfng" typeface="Ebrima"/>
+        <a:latin typeface="Aptos"/>
+        <a:ea typeface="Arial"/>
+        <a:cs typeface="Arial"/>
       </a:minorFont>
     </a:fontScheme>
     <a:fmtScheme name="Office">
@@ -6832,7 +6555,7 @@
         <a:solidFill>
           <a:schemeClr val="phClr"/>
         </a:solidFill>
-        <a:gradFill rotWithShape="1">
+        <a:gradFill>
           <a:gsLst>
             <a:gs pos="0">
               <a:schemeClr val="phClr">
@@ -6858,7 +6581,7 @@
           </a:gsLst>
           <a:lin ang="5400000" scaled="0"/>
         </a:gradFill>
-        <a:gradFill rotWithShape="1">
+        <a:gradFill>
           <a:gsLst>
             <a:gs pos="0">
               <a:schemeClr val="phClr">
@@ -6910,16 +6633,28 @@
       </a:lnStyleLst>
       <a:effectStyleLst>
         <a:effectStyle>
-          <a:effectLst/>
-        </a:effectStyle>
-        <a:effectStyle>
-          <a:effectLst/>
+          <a:effectLst>
+            <a:outerShdw blurRad="40000" dist="20000" dir="5400000" rotWithShape="0">
+              <a:srgbClr val="000000">
+                <a:alpha val="38000"/>
+              </a:srgbClr>
+            </a:outerShdw>
+          </a:effectLst>
         </a:effectStyle>
         <a:effectStyle>
           <a:effectLst>
-            <a:outerShdw blurRad="57150" dist="19050" dir="5400000" algn="ctr" rotWithShape="0">
+            <a:outerShdw blurRad="40000" dist="23000" dir="5400000" rotWithShape="0">
               <a:srgbClr val="000000">
-                <a:alpha val="63000"/>
+                <a:alpha val="35000"/>
+              </a:srgbClr>
+            </a:outerShdw>
+          </a:effectLst>
+        </a:effectStyle>
+        <a:effectStyle>
+          <a:effectLst>
+            <a:outerShdw blurRad="40000" dist="23000" dir="5400000" rotWithShape="0">
+              <a:srgbClr val="000000">
+                <a:alpha val="35000"/>
               </a:srgbClr>
             </a:outerShdw>
           </a:effectLst>
@@ -6935,7 +6670,7 @@
             <a:satMod val="170000"/>
           </a:schemeClr>
         </a:solidFill>
-        <a:gradFill rotWithShape="1">
+        <a:gradFill>
           <a:gsLst>
             <a:gs pos="0">
               <a:schemeClr val="phClr">
@@ -6967,7 +6702,7 @@
   </a:themeElements>
   <a:objectDefaults>
     <a:lnDef>
-      <a:spPr/>
+      <a:spPr bwMode="auto"/>
       <a:bodyPr/>
       <a:lstStyle/>
       <a:style>
@@ -6986,11 +6721,5 @@
       </a:style>
     </a:lnDef>
   </a:objectDefaults>
-  <a:extraClrSchemeLst/>
-  <a:extLst>
-    <a:ext uri="{05A4C25C-085E-4340-85A3-A5531E510DB2}">
-      <thm15:themeFamily xmlns:thm15="http://schemas.microsoft.com/office/thememl/2012/main" name="Office Theme" id="{2E142A2C-CD16-42D6-873A-C26D2A0506FA}" vid="{1BDDFF52-6CD6-40A5-AB3C-68EB2F1E4D0A}"/>
-    </a:ext>
-  </a:extLst>
 </a:theme>
 </file>